--- a/computer/database/database.pptx
+++ b/computer/database/database.pptx
@@ -4,8 +4,15 @@
   <p:sldMasterIdLst>
     <p:sldMasterId id="2147483648" r:id="rId1"/>
   </p:sldMasterIdLst>
+  <p:notesMasterIdLst>
+    <p:notesMasterId r:id="rId7"/>
+  </p:notesMasterIdLst>
   <p:sldIdLst>
     <p:sldId id="256" r:id="rId2"/>
+    <p:sldId id="257" r:id="rId3"/>
+    <p:sldId id="258" r:id="rId4"/>
+    <p:sldId id="259" r:id="rId5"/>
+    <p:sldId id="260" r:id="rId6"/>
   </p:sldIdLst>
   <p:sldSz cx="12192000" cy="6858000"/>
   <p:notesSz cx="6858000" cy="9144000"/>
@@ -104,7 +111,529 @@
       </a:defRPr>
     </a:lvl9pPr>
   </p:defaultTextStyle>
+  <p:extLst>
+    <p:ext uri="{EFAFB233-063F-42B5-8137-9DF3F51BA10A}">
+      <p15:sldGuideLst xmlns:p15="http://schemas.microsoft.com/office/powerpoint/2012/main"/>
+    </p:ext>
+  </p:extLst>
 </p:presentation>
+</file>
+
+<file path=ppt/notesMasters/notesMaster1.xml><?xml version="1.0" encoding="utf-8"?>
+<p:notesMaster xmlns:a="http://schemas.openxmlformats.org/drawingml/2006/main" xmlns:r="http://schemas.openxmlformats.org/officeDocument/2006/relationships" xmlns:p="http://schemas.openxmlformats.org/presentationml/2006/main">
+  <p:cSld>
+    <p:bg>
+      <p:bgRef idx="1001">
+        <a:schemeClr val="bg1"/>
+      </p:bgRef>
+    </p:bg>
+    <p:spTree>
+      <p:nvGrpSpPr>
+        <p:cNvPr id="1" name=""/>
+        <p:cNvGrpSpPr/>
+        <p:nvPr/>
+      </p:nvGrpSpPr>
+      <p:grpSpPr>
+        <a:xfrm>
+          <a:off x="0" y="0"/>
+          <a:ext cx="0" cy="0"/>
+          <a:chOff x="0" y="0"/>
+          <a:chExt cx="0" cy="0"/>
+        </a:xfrm>
+      </p:grpSpPr>
+      <p:sp>
+        <p:nvSpPr>
+          <p:cNvPr id="2" name="页眉占位符 1"/>
+          <p:cNvSpPr>
+            <a:spLocks noGrp="1"/>
+          </p:cNvSpPr>
+          <p:nvPr>
+            <p:ph type="hdr" sz="quarter"/>
+          </p:nvPr>
+        </p:nvSpPr>
+        <p:spPr>
+          <a:xfrm>
+            <a:off x="0" y="0"/>
+            <a:ext cx="2971800" cy="458788"/>
+          </a:xfrm>
+          <a:prstGeom prst="rect">
+            <a:avLst/>
+          </a:prstGeom>
+        </p:spPr>
+        <p:txBody>
+          <a:bodyPr vert="horz" lIns="91440" tIns="45720" rIns="91440" bIns="45720" rtlCol="0"/>
+          <a:lstStyle>
+            <a:lvl1pPr algn="l">
+              <a:defRPr sz="1200"/>
+            </a:lvl1pPr>
+          </a:lstStyle>
+          <a:p>
+            <a:endParaRPr kumimoji="1" lang="zh-CN" altLang="en-US"/>
+          </a:p>
+        </p:txBody>
+      </p:sp>
+      <p:sp>
+        <p:nvSpPr>
+          <p:cNvPr id="3" name="日期占位符 2"/>
+          <p:cNvSpPr>
+            <a:spLocks noGrp="1"/>
+          </p:cNvSpPr>
+          <p:nvPr>
+            <p:ph type="dt" idx="1"/>
+          </p:nvPr>
+        </p:nvSpPr>
+        <p:spPr>
+          <a:xfrm>
+            <a:off x="3884613" y="0"/>
+            <a:ext cx="2971800" cy="458788"/>
+          </a:xfrm>
+          <a:prstGeom prst="rect">
+            <a:avLst/>
+          </a:prstGeom>
+        </p:spPr>
+        <p:txBody>
+          <a:bodyPr vert="horz" lIns="91440" tIns="45720" rIns="91440" bIns="45720" rtlCol="0"/>
+          <a:lstStyle>
+            <a:lvl1pPr algn="r">
+              <a:defRPr sz="1200"/>
+            </a:lvl1pPr>
+          </a:lstStyle>
+          <a:p>
+            <a:fld id="{4B34EB50-FBFF-D34A-A715-7643877794B6}" type="datetimeFigureOut">
+              <a:rPr kumimoji="1" lang="zh-CN" altLang="en-US" smtClean="0"/>
+              <a:t>2025/12/8</a:t>
+            </a:fld>
+            <a:endParaRPr kumimoji="1" lang="zh-CN" altLang="en-US"/>
+          </a:p>
+        </p:txBody>
+      </p:sp>
+      <p:sp>
+        <p:nvSpPr>
+          <p:cNvPr id="4" name="幻灯片图像占位符 3"/>
+          <p:cNvSpPr>
+            <a:spLocks noGrp="1" noRot="1" noChangeAspect="1"/>
+          </p:cNvSpPr>
+          <p:nvPr>
+            <p:ph type="sldImg" idx="2"/>
+          </p:nvPr>
+        </p:nvSpPr>
+        <p:spPr>
+          <a:xfrm>
+            <a:off x="685800" y="1143000"/>
+            <a:ext cx="5486400" cy="3086100"/>
+          </a:xfrm>
+          <a:prstGeom prst="rect">
+            <a:avLst/>
+          </a:prstGeom>
+          <a:noFill/>
+          <a:ln w="12700">
+            <a:solidFill>
+              <a:prstClr val="black"/>
+            </a:solidFill>
+          </a:ln>
+        </p:spPr>
+        <p:txBody>
+          <a:bodyPr vert="horz" lIns="91440" tIns="45720" rIns="91440" bIns="45720" rtlCol="0" anchor="ctr"/>
+          <a:lstStyle/>
+          <a:p>
+            <a:endParaRPr lang="zh-CN" altLang="en-US"/>
+          </a:p>
+        </p:txBody>
+      </p:sp>
+      <p:sp>
+        <p:nvSpPr>
+          <p:cNvPr id="5" name="备注占位符 4"/>
+          <p:cNvSpPr>
+            <a:spLocks noGrp="1"/>
+          </p:cNvSpPr>
+          <p:nvPr>
+            <p:ph type="body" sz="quarter" idx="3"/>
+          </p:nvPr>
+        </p:nvSpPr>
+        <p:spPr>
+          <a:xfrm>
+            <a:off x="685800" y="4400550"/>
+            <a:ext cx="5486400" cy="3600450"/>
+          </a:xfrm>
+          <a:prstGeom prst="rect">
+            <a:avLst/>
+          </a:prstGeom>
+        </p:spPr>
+        <p:txBody>
+          <a:bodyPr vert="horz" lIns="91440" tIns="45720" rIns="91440" bIns="45720" rtlCol="0"/>
+          <a:lstStyle/>
+          <a:p>
+            <a:pPr lvl="0"/>
+            <a:r>
+              <a:rPr kumimoji="1" lang="zh-CN" altLang="en-US"/>
+              <a:t>单击此处编辑母版文本样式</a:t>
+            </a:r>
+          </a:p>
+          <a:p>
+            <a:pPr lvl="1"/>
+            <a:r>
+              <a:rPr kumimoji="1" lang="zh-CN" altLang="en-US"/>
+              <a:t>二级</a:t>
+            </a:r>
+          </a:p>
+          <a:p>
+            <a:pPr lvl="2"/>
+            <a:r>
+              <a:rPr kumimoji="1" lang="zh-CN" altLang="en-US"/>
+              <a:t>三级</a:t>
+            </a:r>
+          </a:p>
+          <a:p>
+            <a:pPr lvl="3"/>
+            <a:r>
+              <a:rPr kumimoji="1" lang="zh-CN" altLang="en-US"/>
+              <a:t>四级</a:t>
+            </a:r>
+          </a:p>
+          <a:p>
+            <a:pPr lvl="4"/>
+            <a:r>
+              <a:rPr kumimoji="1" lang="zh-CN" altLang="en-US"/>
+              <a:t>五级</a:t>
+            </a:r>
+          </a:p>
+        </p:txBody>
+      </p:sp>
+      <p:sp>
+        <p:nvSpPr>
+          <p:cNvPr id="6" name="页脚占位符 5"/>
+          <p:cNvSpPr>
+            <a:spLocks noGrp="1"/>
+          </p:cNvSpPr>
+          <p:nvPr>
+            <p:ph type="ftr" sz="quarter" idx="4"/>
+          </p:nvPr>
+        </p:nvSpPr>
+        <p:spPr>
+          <a:xfrm>
+            <a:off x="0" y="8685213"/>
+            <a:ext cx="2971800" cy="458787"/>
+          </a:xfrm>
+          <a:prstGeom prst="rect">
+            <a:avLst/>
+          </a:prstGeom>
+        </p:spPr>
+        <p:txBody>
+          <a:bodyPr vert="horz" lIns="91440" tIns="45720" rIns="91440" bIns="45720" rtlCol="0" anchor="b"/>
+          <a:lstStyle>
+            <a:lvl1pPr algn="l">
+              <a:defRPr sz="1200"/>
+            </a:lvl1pPr>
+          </a:lstStyle>
+          <a:p>
+            <a:endParaRPr kumimoji="1" lang="zh-CN" altLang="en-US"/>
+          </a:p>
+        </p:txBody>
+      </p:sp>
+      <p:sp>
+        <p:nvSpPr>
+          <p:cNvPr id="7" name="灯片编号占位符 6"/>
+          <p:cNvSpPr>
+            <a:spLocks noGrp="1"/>
+          </p:cNvSpPr>
+          <p:nvPr>
+            <p:ph type="sldNum" sz="quarter" idx="5"/>
+          </p:nvPr>
+        </p:nvSpPr>
+        <p:spPr>
+          <a:xfrm>
+            <a:off x="3884613" y="8685213"/>
+            <a:ext cx="2971800" cy="458787"/>
+          </a:xfrm>
+          <a:prstGeom prst="rect">
+            <a:avLst/>
+          </a:prstGeom>
+        </p:spPr>
+        <p:txBody>
+          <a:bodyPr vert="horz" lIns="91440" tIns="45720" rIns="91440" bIns="45720" rtlCol="0" anchor="b"/>
+          <a:lstStyle>
+            <a:lvl1pPr algn="r">
+              <a:defRPr sz="1200"/>
+            </a:lvl1pPr>
+          </a:lstStyle>
+          <a:p>
+            <a:fld id="{605BE05C-53DD-5C41-A24F-C8A2218CD8B9}" type="slidenum">
+              <a:rPr kumimoji="1" lang="zh-CN" altLang="en-US" smtClean="0"/>
+              <a:t>‹#›</a:t>
+            </a:fld>
+            <a:endParaRPr kumimoji="1" lang="zh-CN" altLang="en-US"/>
+          </a:p>
+        </p:txBody>
+      </p:sp>
+    </p:spTree>
+    <p:extLst>
+      <p:ext uri="{BB962C8B-B14F-4D97-AF65-F5344CB8AC3E}">
+        <p14:creationId xmlns:p14="http://schemas.microsoft.com/office/powerpoint/2010/main" val="493555533"/>
+      </p:ext>
+    </p:extLst>
+  </p:cSld>
+  <p:clrMap bg1="lt1" tx1="dk1" bg2="lt2" tx2="dk2" accent1="accent1" accent2="accent2" accent3="accent3" accent4="accent4" accent5="accent5" accent6="accent6" hlink="hlink" folHlink="folHlink"/>
+  <p:notesStyle>
+    <a:lvl1pPr marL="0" algn="l" defTabSz="914400" rtl="0" eaLnBrk="1" latinLnBrk="0" hangingPunct="1">
+      <a:defRPr sz="1200" kern="1200">
+        <a:solidFill>
+          <a:schemeClr val="tx1"/>
+        </a:solidFill>
+        <a:latin typeface="+mn-lt"/>
+        <a:ea typeface="+mn-ea"/>
+        <a:cs typeface="+mn-cs"/>
+      </a:defRPr>
+    </a:lvl1pPr>
+    <a:lvl2pPr marL="457200" algn="l" defTabSz="914400" rtl="0" eaLnBrk="1" latinLnBrk="0" hangingPunct="1">
+      <a:defRPr sz="1200" kern="1200">
+        <a:solidFill>
+          <a:schemeClr val="tx1"/>
+        </a:solidFill>
+        <a:latin typeface="+mn-lt"/>
+        <a:ea typeface="+mn-ea"/>
+        <a:cs typeface="+mn-cs"/>
+      </a:defRPr>
+    </a:lvl2pPr>
+    <a:lvl3pPr marL="914400" algn="l" defTabSz="914400" rtl="0" eaLnBrk="1" latinLnBrk="0" hangingPunct="1">
+      <a:defRPr sz="1200" kern="1200">
+        <a:solidFill>
+          <a:schemeClr val="tx1"/>
+        </a:solidFill>
+        <a:latin typeface="+mn-lt"/>
+        <a:ea typeface="+mn-ea"/>
+        <a:cs typeface="+mn-cs"/>
+      </a:defRPr>
+    </a:lvl3pPr>
+    <a:lvl4pPr marL="1371600" algn="l" defTabSz="914400" rtl="0" eaLnBrk="1" latinLnBrk="0" hangingPunct="1">
+      <a:defRPr sz="1200" kern="1200">
+        <a:solidFill>
+          <a:schemeClr val="tx1"/>
+        </a:solidFill>
+        <a:latin typeface="+mn-lt"/>
+        <a:ea typeface="+mn-ea"/>
+        <a:cs typeface="+mn-cs"/>
+      </a:defRPr>
+    </a:lvl4pPr>
+    <a:lvl5pPr marL="1828800" algn="l" defTabSz="914400" rtl="0" eaLnBrk="1" latinLnBrk="0" hangingPunct="1">
+      <a:defRPr sz="1200" kern="1200">
+        <a:solidFill>
+          <a:schemeClr val="tx1"/>
+        </a:solidFill>
+        <a:latin typeface="+mn-lt"/>
+        <a:ea typeface="+mn-ea"/>
+        <a:cs typeface="+mn-cs"/>
+      </a:defRPr>
+    </a:lvl5pPr>
+    <a:lvl6pPr marL="2286000" algn="l" defTabSz="914400" rtl="0" eaLnBrk="1" latinLnBrk="0" hangingPunct="1">
+      <a:defRPr sz="1200" kern="1200">
+        <a:solidFill>
+          <a:schemeClr val="tx1"/>
+        </a:solidFill>
+        <a:latin typeface="+mn-lt"/>
+        <a:ea typeface="+mn-ea"/>
+        <a:cs typeface="+mn-cs"/>
+      </a:defRPr>
+    </a:lvl6pPr>
+    <a:lvl7pPr marL="2743200" algn="l" defTabSz="914400" rtl="0" eaLnBrk="1" latinLnBrk="0" hangingPunct="1">
+      <a:defRPr sz="1200" kern="1200">
+        <a:solidFill>
+          <a:schemeClr val="tx1"/>
+        </a:solidFill>
+        <a:latin typeface="+mn-lt"/>
+        <a:ea typeface="+mn-ea"/>
+        <a:cs typeface="+mn-cs"/>
+      </a:defRPr>
+    </a:lvl7pPr>
+    <a:lvl8pPr marL="3200400" algn="l" defTabSz="914400" rtl="0" eaLnBrk="1" latinLnBrk="0" hangingPunct="1">
+      <a:defRPr sz="1200" kern="1200">
+        <a:solidFill>
+          <a:schemeClr val="tx1"/>
+        </a:solidFill>
+        <a:latin typeface="+mn-lt"/>
+        <a:ea typeface="+mn-ea"/>
+        <a:cs typeface="+mn-cs"/>
+      </a:defRPr>
+    </a:lvl8pPr>
+    <a:lvl9pPr marL="3657600" algn="l" defTabSz="914400" rtl="0" eaLnBrk="1" latinLnBrk="0" hangingPunct="1">
+      <a:defRPr sz="1200" kern="1200">
+        <a:solidFill>
+          <a:schemeClr val="tx1"/>
+        </a:solidFill>
+        <a:latin typeface="+mn-lt"/>
+        <a:ea typeface="+mn-ea"/>
+        <a:cs typeface="+mn-cs"/>
+      </a:defRPr>
+    </a:lvl9pPr>
+  </p:notesStyle>
+</p:notesMaster>
+</file>
+
+<file path=ppt/notesSlides/notesSlide1.xml><?xml version="1.0" encoding="utf-8"?>
+<p:notes xmlns:a="http://schemas.openxmlformats.org/drawingml/2006/main" xmlns:r="http://schemas.openxmlformats.org/officeDocument/2006/relationships" xmlns:p="http://schemas.openxmlformats.org/presentationml/2006/main">
+  <p:cSld>
+    <p:spTree>
+      <p:nvGrpSpPr>
+        <p:cNvPr id="1" name=""/>
+        <p:cNvGrpSpPr/>
+        <p:nvPr/>
+      </p:nvGrpSpPr>
+      <p:grpSpPr>
+        <a:xfrm>
+          <a:off x="0" y="0"/>
+          <a:ext cx="0" cy="0"/>
+          <a:chOff x="0" y="0"/>
+          <a:chExt cx="0" cy="0"/>
+        </a:xfrm>
+      </p:grpSpPr>
+      <p:sp>
+        <p:nvSpPr>
+          <p:cNvPr id="2" name="幻灯片图像占位符 1"/>
+          <p:cNvSpPr>
+            <a:spLocks noGrp="1" noRot="1" noChangeAspect="1"/>
+          </p:cNvSpPr>
+          <p:nvPr>
+            <p:ph type="sldImg"/>
+          </p:nvPr>
+        </p:nvSpPr>
+        <p:spPr/>
+      </p:sp>
+      <p:sp>
+        <p:nvSpPr>
+          <p:cNvPr id="3" name="备注占位符 2"/>
+          <p:cNvSpPr>
+            <a:spLocks noGrp="1"/>
+          </p:cNvSpPr>
+          <p:nvPr>
+            <p:ph type="body" idx="1"/>
+          </p:nvPr>
+        </p:nvSpPr>
+        <p:spPr/>
+        <p:txBody>
+          <a:bodyPr/>
+          <a:lstStyle/>
+          <a:p>
+            <a:endParaRPr kumimoji="1" lang="zh-CN" altLang="en-US" dirty="0"/>
+          </a:p>
+        </p:txBody>
+      </p:sp>
+      <p:sp>
+        <p:nvSpPr>
+          <p:cNvPr id="4" name="灯片编号占位符 3"/>
+          <p:cNvSpPr>
+            <a:spLocks noGrp="1"/>
+          </p:cNvSpPr>
+          <p:nvPr>
+            <p:ph type="sldNum" sz="quarter" idx="5"/>
+          </p:nvPr>
+        </p:nvSpPr>
+        <p:spPr/>
+        <p:txBody>
+          <a:bodyPr/>
+          <a:lstStyle/>
+          <a:p>
+            <a:fld id="{605BE05C-53DD-5C41-A24F-C8A2218CD8B9}" type="slidenum">
+              <a:rPr kumimoji="1" lang="zh-CN" altLang="en-US" smtClean="0"/>
+              <a:t>2</a:t>
+            </a:fld>
+            <a:endParaRPr kumimoji="1" lang="zh-CN" altLang="en-US"/>
+          </a:p>
+        </p:txBody>
+      </p:sp>
+    </p:spTree>
+    <p:extLst>
+      <p:ext uri="{BB962C8B-B14F-4D97-AF65-F5344CB8AC3E}">
+        <p14:creationId xmlns:p14="http://schemas.microsoft.com/office/powerpoint/2010/main" val="3835646374"/>
+      </p:ext>
+    </p:extLst>
+  </p:cSld>
+  <p:clrMapOvr>
+    <a:masterClrMapping/>
+  </p:clrMapOvr>
+</p:notes>
+</file>
+
+<file path=ppt/notesSlides/notesSlide2.xml><?xml version="1.0" encoding="utf-8"?>
+<p:notes xmlns:a="http://schemas.openxmlformats.org/drawingml/2006/main" xmlns:r="http://schemas.openxmlformats.org/officeDocument/2006/relationships" xmlns:p="http://schemas.openxmlformats.org/presentationml/2006/main">
+  <p:cSld>
+    <p:spTree>
+      <p:nvGrpSpPr>
+        <p:cNvPr id="1" name=""/>
+        <p:cNvGrpSpPr/>
+        <p:nvPr/>
+      </p:nvGrpSpPr>
+      <p:grpSpPr>
+        <a:xfrm>
+          <a:off x="0" y="0"/>
+          <a:ext cx="0" cy="0"/>
+          <a:chOff x="0" y="0"/>
+          <a:chExt cx="0" cy="0"/>
+        </a:xfrm>
+      </p:grpSpPr>
+      <p:sp>
+        <p:nvSpPr>
+          <p:cNvPr id="2" name="幻灯片图像占位符 1"/>
+          <p:cNvSpPr>
+            <a:spLocks noGrp="1" noRot="1" noChangeAspect="1"/>
+          </p:cNvSpPr>
+          <p:nvPr>
+            <p:ph type="sldImg"/>
+          </p:nvPr>
+        </p:nvSpPr>
+        <p:spPr/>
+      </p:sp>
+      <p:sp>
+        <p:nvSpPr>
+          <p:cNvPr id="3" name="备注占位符 2"/>
+          <p:cNvSpPr>
+            <a:spLocks noGrp="1"/>
+          </p:cNvSpPr>
+          <p:nvPr>
+            <p:ph type="body" idx="1"/>
+          </p:nvPr>
+        </p:nvSpPr>
+        <p:spPr/>
+        <p:txBody>
+          <a:bodyPr/>
+          <a:lstStyle/>
+          <a:p>
+            <a:endParaRPr kumimoji="1" lang="zh-CN" altLang="en-US" dirty="0"/>
+          </a:p>
+        </p:txBody>
+      </p:sp>
+      <p:sp>
+        <p:nvSpPr>
+          <p:cNvPr id="4" name="灯片编号占位符 3"/>
+          <p:cNvSpPr>
+            <a:spLocks noGrp="1"/>
+          </p:cNvSpPr>
+          <p:nvPr>
+            <p:ph type="sldNum" sz="quarter" idx="5"/>
+          </p:nvPr>
+        </p:nvSpPr>
+        <p:spPr/>
+        <p:txBody>
+          <a:bodyPr/>
+          <a:lstStyle/>
+          <a:p>
+            <a:fld id="{605BE05C-53DD-5C41-A24F-C8A2218CD8B9}" type="slidenum">
+              <a:rPr kumimoji="1" lang="zh-CN" altLang="en-US" smtClean="0"/>
+              <a:t>3</a:t>
+            </a:fld>
+            <a:endParaRPr kumimoji="1" lang="zh-CN" altLang="en-US"/>
+          </a:p>
+        </p:txBody>
+      </p:sp>
+    </p:spTree>
+    <p:extLst>
+      <p:ext uri="{BB962C8B-B14F-4D97-AF65-F5344CB8AC3E}">
+        <p14:creationId xmlns:p14="http://schemas.microsoft.com/office/powerpoint/2010/main" val="1388563198"/>
+      </p:ext>
+    </p:extLst>
+  </p:cSld>
+  <p:clrMapOvr>
+    <a:masterClrMapping/>
+  </p:clrMapOvr>
+</p:notes>
 </file>
 
 <file path=ppt/slideLayouts/slideLayout1.xml><?xml version="1.0" encoding="utf-8"?>
@@ -254,7 +783,7 @@
           <a:p>
             <a:fld id="{CC815592-B1F7-8B46-801D-F591E835BC0C}" type="datetimeFigureOut">
               <a:rPr kumimoji="1" lang="zh-CN" altLang="en-US" smtClean="0"/>
-              <a:t>2025/11/27</a:t>
+              <a:t>2025/12/8</a:t>
             </a:fld>
             <a:endParaRPr kumimoji="1" lang="zh-CN" altLang="en-US"/>
           </a:p>
@@ -452,7 +981,7 @@
           <a:p>
             <a:fld id="{CC815592-B1F7-8B46-801D-F591E835BC0C}" type="datetimeFigureOut">
               <a:rPr kumimoji="1" lang="zh-CN" altLang="en-US" smtClean="0"/>
-              <a:t>2025/11/27</a:t>
+              <a:t>2025/12/8</a:t>
             </a:fld>
             <a:endParaRPr kumimoji="1" lang="zh-CN" altLang="en-US"/>
           </a:p>
@@ -660,7 +1189,7 @@
           <a:p>
             <a:fld id="{CC815592-B1F7-8B46-801D-F591E835BC0C}" type="datetimeFigureOut">
               <a:rPr kumimoji="1" lang="zh-CN" altLang="en-US" smtClean="0"/>
-              <a:t>2025/11/27</a:t>
+              <a:t>2025/12/8</a:t>
             </a:fld>
             <a:endParaRPr kumimoji="1" lang="zh-CN" altLang="en-US"/>
           </a:p>
@@ -858,7 +1387,7 @@
           <a:p>
             <a:fld id="{CC815592-B1F7-8B46-801D-F591E835BC0C}" type="datetimeFigureOut">
               <a:rPr kumimoji="1" lang="zh-CN" altLang="en-US" smtClean="0"/>
-              <a:t>2025/11/27</a:t>
+              <a:t>2025/12/8</a:t>
             </a:fld>
             <a:endParaRPr kumimoji="1" lang="zh-CN" altLang="en-US"/>
           </a:p>
@@ -1133,7 +1662,7 @@
           <a:p>
             <a:fld id="{CC815592-B1F7-8B46-801D-F591E835BC0C}" type="datetimeFigureOut">
               <a:rPr kumimoji="1" lang="zh-CN" altLang="en-US" smtClean="0"/>
-              <a:t>2025/11/27</a:t>
+              <a:t>2025/12/8</a:t>
             </a:fld>
             <a:endParaRPr kumimoji="1" lang="zh-CN" altLang="en-US"/>
           </a:p>
@@ -1398,7 +1927,7 @@
           <a:p>
             <a:fld id="{CC815592-B1F7-8B46-801D-F591E835BC0C}" type="datetimeFigureOut">
               <a:rPr kumimoji="1" lang="zh-CN" altLang="en-US" smtClean="0"/>
-              <a:t>2025/11/27</a:t>
+              <a:t>2025/12/8</a:t>
             </a:fld>
             <a:endParaRPr kumimoji="1" lang="zh-CN" altLang="en-US"/>
           </a:p>
@@ -1810,7 +2339,7 @@
           <a:p>
             <a:fld id="{CC815592-B1F7-8B46-801D-F591E835BC0C}" type="datetimeFigureOut">
               <a:rPr kumimoji="1" lang="zh-CN" altLang="en-US" smtClean="0"/>
-              <a:t>2025/11/27</a:t>
+              <a:t>2025/12/8</a:t>
             </a:fld>
             <a:endParaRPr kumimoji="1" lang="zh-CN" altLang="en-US"/>
           </a:p>
@@ -1951,7 +2480,7 @@
           <a:p>
             <a:fld id="{CC815592-B1F7-8B46-801D-F591E835BC0C}" type="datetimeFigureOut">
               <a:rPr kumimoji="1" lang="zh-CN" altLang="en-US" smtClean="0"/>
-              <a:t>2025/11/27</a:t>
+              <a:t>2025/12/8</a:t>
             </a:fld>
             <a:endParaRPr kumimoji="1" lang="zh-CN" altLang="en-US"/>
           </a:p>
@@ -2064,7 +2593,7 @@
           <a:p>
             <a:fld id="{CC815592-B1F7-8B46-801D-F591E835BC0C}" type="datetimeFigureOut">
               <a:rPr kumimoji="1" lang="zh-CN" altLang="en-US" smtClean="0"/>
-              <a:t>2025/11/27</a:t>
+              <a:t>2025/12/8</a:t>
             </a:fld>
             <a:endParaRPr kumimoji="1" lang="zh-CN" altLang="en-US"/>
           </a:p>
@@ -2375,7 +2904,7 @@
           <a:p>
             <a:fld id="{CC815592-B1F7-8B46-801D-F591E835BC0C}" type="datetimeFigureOut">
               <a:rPr kumimoji="1" lang="zh-CN" altLang="en-US" smtClean="0"/>
-              <a:t>2025/11/27</a:t>
+              <a:t>2025/12/8</a:t>
             </a:fld>
             <a:endParaRPr kumimoji="1" lang="zh-CN" altLang="en-US"/>
           </a:p>
@@ -2663,7 +3192,7 @@
           <a:p>
             <a:fld id="{CC815592-B1F7-8B46-801D-F591E835BC0C}" type="datetimeFigureOut">
               <a:rPr kumimoji="1" lang="zh-CN" altLang="en-US" smtClean="0"/>
-              <a:t>2025/11/27</a:t>
+              <a:t>2025/12/8</a:t>
             </a:fld>
             <a:endParaRPr kumimoji="1" lang="zh-CN" altLang="en-US"/>
           </a:p>
@@ -2904,7 +3433,7 @@
           <a:p>
             <a:fld id="{CC815592-B1F7-8B46-801D-F591E835BC0C}" type="datetimeFigureOut">
               <a:rPr kumimoji="1" lang="zh-CN" altLang="en-US" smtClean="0"/>
-              <a:t>2025/11/27</a:t>
+              <a:t>2025/12/8</a:t>
             </a:fld>
             <a:endParaRPr kumimoji="1" lang="zh-CN" altLang="en-US"/>
           </a:p>
@@ -3672,7 +4201,7 @@
                 </a:rPr>
                 <a:t>//DBMS</a:t>
               </a:r>
-              <a:endParaRPr sz="1400">
+              <a:endParaRPr sz="1400" dirty="0">
                 <a:latin typeface="Lantinghei SC Heavy"/>
                 <a:cs typeface="Lantinghei SC Heavy"/>
               </a:endParaRPr>
@@ -3693,7 +4222,7 @@
                 </a:rPr>
                 <a:t>管理数据</a:t>
               </a:r>
-              <a:endParaRPr sz="2400">
+              <a:endParaRPr sz="2400" dirty="0">
                 <a:latin typeface="Lantinghei SC Heavy"/>
                 <a:cs typeface="Lantinghei SC Heavy"/>
               </a:endParaRPr>
@@ -3714,7 +4243,7 @@
                 </a:rPr>
                 <a:t>库的一种系统软件</a:t>
               </a:r>
-              <a:endParaRPr sz="2400">
+              <a:endParaRPr sz="2400" dirty="0">
                 <a:latin typeface="Lantinghei SC Heavy"/>
                 <a:cs typeface="Lantinghei SC Heavy"/>
               </a:endParaRPr>
@@ -4528,7 +5057,7 @@
                 </a:rPr>
                 <a:t>//DBAP</a:t>
               </a:r>
-              <a:endParaRPr sz="1600">
+              <a:endParaRPr sz="1600" dirty="0">
                 <a:latin typeface="Lantinghei SC Heavy"/>
                 <a:cs typeface="Lantinghei SC Heavy"/>
               </a:endParaRPr>
@@ -7980,7 +8509,7 @@
                 </a:rPr>
                 <a:t>1</a:t>
               </a:r>
-              <a:endParaRPr sz="2000">
+              <a:endParaRPr sz="2000" dirty="0">
                 <a:latin typeface="Arial"/>
                 <a:cs typeface="Arial"/>
               </a:endParaRPr>
@@ -20348,6 +20877,1925 @@
     <p:extLst>
       <p:ext uri="{BB962C8B-B14F-4D97-AF65-F5344CB8AC3E}">
         <p14:creationId xmlns:p14="http://schemas.microsoft.com/office/powerpoint/2010/main" val="3977137623"/>
+      </p:ext>
+    </p:extLst>
+  </p:cSld>
+  <p:clrMapOvr>
+    <a:masterClrMapping/>
+  </p:clrMapOvr>
+</p:sld>
+</file>
+
+<file path=ppt/slides/slide2.xml><?xml version="1.0" encoding="utf-8"?>
+<p:sld xmlns:a="http://schemas.openxmlformats.org/drawingml/2006/main" xmlns:r="http://schemas.openxmlformats.org/officeDocument/2006/relationships" xmlns:p="http://schemas.openxmlformats.org/presentationml/2006/main">
+  <p:cSld>
+    <p:spTree>
+      <p:nvGrpSpPr>
+        <p:cNvPr id="1" name=""/>
+        <p:cNvGrpSpPr/>
+        <p:nvPr/>
+      </p:nvGrpSpPr>
+      <p:grpSpPr>
+        <a:xfrm>
+          <a:off x="0" y="0"/>
+          <a:ext cx="0" cy="0"/>
+          <a:chOff x="0" y="0"/>
+          <a:chExt cx="0" cy="0"/>
+        </a:xfrm>
+      </p:grpSpPr>
+      <p:grpSp>
+        <p:nvGrpSpPr>
+          <p:cNvPr id="8" name="组合 7">
+            <a:extLst>
+              <a:ext uri="{FF2B5EF4-FFF2-40B4-BE49-F238E27FC236}">
+                <a16:creationId xmlns:a16="http://schemas.microsoft.com/office/drawing/2014/main" id="{CB993CFD-5762-309A-A73C-8AD06CB49BEC}"/>
+              </a:ext>
+            </a:extLst>
+          </p:cNvPr>
+          <p:cNvGrpSpPr/>
+          <p:nvPr/>
+        </p:nvGrpSpPr>
+        <p:grpSpPr>
+          <a:xfrm>
+            <a:off x="618498" y="3192883"/>
+            <a:ext cx="5235702" cy="3047217"/>
+            <a:chOff x="618498" y="3192883"/>
+            <a:chExt cx="5235702" cy="3047217"/>
+          </a:xfrm>
+        </p:grpSpPr>
+        <p:grpSp>
+          <p:nvGrpSpPr>
+            <p:cNvPr id="3" name="object 5">
+              <a:extLst>
+                <a:ext uri="{FF2B5EF4-FFF2-40B4-BE49-F238E27FC236}">
+                  <a16:creationId xmlns:a16="http://schemas.microsoft.com/office/drawing/2014/main" id="{62ED4459-326A-4FA6-87CA-94538FD29374}"/>
+                </a:ext>
+              </a:extLst>
+            </p:cNvPr>
+            <p:cNvGrpSpPr/>
+            <p:nvPr/>
+          </p:nvGrpSpPr>
+          <p:grpSpPr>
+            <a:xfrm>
+              <a:off x="618498" y="3192883"/>
+              <a:ext cx="5235702" cy="2827020"/>
+              <a:chOff x="693802" y="4892591"/>
+              <a:chExt cx="5235702" cy="2827020"/>
+            </a:xfrm>
+          </p:grpSpPr>
+          <p:pic>
+            <p:nvPicPr>
+              <p:cNvPr id="4" name="object 6">
+                <a:extLst>
+                  <a:ext uri="{FF2B5EF4-FFF2-40B4-BE49-F238E27FC236}">
+                    <a16:creationId xmlns:a16="http://schemas.microsoft.com/office/drawing/2014/main" id="{A05EB49A-8C99-BF4C-591B-7FFC2186FFF9}"/>
+                  </a:ext>
+                </a:extLst>
+              </p:cNvPr>
+              <p:cNvPicPr/>
+              <p:nvPr/>
+            </p:nvPicPr>
+            <p:blipFill>
+              <a:blip r:embed="rId3" cstate="print"/>
+              <a:stretch>
+                <a:fillRect/>
+              </a:stretch>
+            </p:blipFill>
+            <p:spPr>
+              <a:xfrm>
+                <a:off x="693802" y="4892591"/>
+                <a:ext cx="5235702" cy="2827020"/>
+              </a:xfrm>
+              <a:prstGeom prst="rect">
+                <a:avLst/>
+              </a:prstGeom>
+            </p:spPr>
+          </p:pic>
+          <p:sp>
+            <p:nvSpPr>
+              <p:cNvPr id="5" name="object 7">
+                <a:extLst>
+                  <a:ext uri="{FF2B5EF4-FFF2-40B4-BE49-F238E27FC236}">
+                    <a16:creationId xmlns:a16="http://schemas.microsoft.com/office/drawing/2014/main" id="{42726910-D9FF-C29A-50D7-EC4087F4FF7A}"/>
+                  </a:ext>
+                </a:extLst>
+              </p:cNvPr>
+              <p:cNvSpPr/>
+              <p:nvPr/>
+            </p:nvSpPr>
+            <p:spPr>
+              <a:xfrm>
+                <a:off x="1219329" y="5267433"/>
+                <a:ext cx="4472305" cy="1891030"/>
+              </a:xfrm>
+              <a:custGeom>
+                <a:avLst/>
+                <a:gdLst/>
+                <a:ahLst/>
+                <a:cxnLst/>
+                <a:rect l="l" t="t" r="r" b="b"/>
+                <a:pathLst>
+                  <a:path w="4472305" h="1891029">
+                    <a:moveTo>
+                      <a:pt x="749046" y="0"/>
+                    </a:moveTo>
+                    <a:lnTo>
+                      <a:pt x="680855" y="1133"/>
+                    </a:lnTo>
+                    <a:lnTo>
+                      <a:pt x="614383" y="4470"/>
+                    </a:lnTo>
+                    <a:lnTo>
+                      <a:pt x="549892" y="9913"/>
+                    </a:lnTo>
+                    <a:lnTo>
+                      <a:pt x="487647" y="17363"/>
+                    </a:lnTo>
+                    <a:lnTo>
+                      <a:pt x="427913" y="26726"/>
+                    </a:lnTo>
+                    <a:lnTo>
+                      <a:pt x="370952" y="37902"/>
+                    </a:lnTo>
+                    <a:lnTo>
+                      <a:pt x="317031" y="50795"/>
+                    </a:lnTo>
+                    <a:lnTo>
+                      <a:pt x="266412" y="65308"/>
+                    </a:lnTo>
+                    <a:lnTo>
+                      <a:pt x="219360" y="81343"/>
+                    </a:lnTo>
+                    <a:lnTo>
+                      <a:pt x="176140" y="98803"/>
+                    </a:lnTo>
+                    <a:lnTo>
+                      <a:pt x="137014" y="117592"/>
+                    </a:lnTo>
+                    <a:lnTo>
+                      <a:pt x="102249" y="137611"/>
+                    </a:lnTo>
+                    <a:lnTo>
+                      <a:pt x="46853" y="180953"/>
+                    </a:lnTo>
+                    <a:lnTo>
+                      <a:pt x="12065" y="228052"/>
+                    </a:lnTo>
+                    <a:lnTo>
+                      <a:pt x="0" y="278129"/>
+                    </a:lnTo>
+                    <a:lnTo>
+                      <a:pt x="3060" y="303372"/>
+                    </a:lnTo>
+                    <a:lnTo>
+                      <a:pt x="26751" y="351857"/>
+                    </a:lnTo>
+                    <a:lnTo>
+                      <a:pt x="72107" y="397020"/>
+                    </a:lnTo>
+                    <a:lnTo>
+                      <a:pt x="137014" y="438079"/>
+                    </a:lnTo>
+                    <a:lnTo>
+                      <a:pt x="176140" y="456824"/>
+                    </a:lnTo>
+                    <a:lnTo>
+                      <a:pt x="219360" y="474249"/>
+                    </a:lnTo>
+                    <a:lnTo>
+                      <a:pt x="266412" y="490256"/>
+                    </a:lnTo>
+                    <a:lnTo>
+                      <a:pt x="317031" y="504747"/>
+                    </a:lnTo>
+                    <a:lnTo>
+                      <a:pt x="370952" y="517623"/>
+                    </a:lnTo>
+                    <a:lnTo>
+                      <a:pt x="427913" y="528788"/>
+                    </a:lnTo>
+                    <a:lnTo>
+                      <a:pt x="487647" y="538142"/>
+                    </a:lnTo>
+                    <a:lnTo>
+                      <a:pt x="549892" y="545588"/>
+                    </a:lnTo>
+                    <a:lnTo>
+                      <a:pt x="614383" y="551028"/>
+                    </a:lnTo>
+                    <a:lnTo>
+                      <a:pt x="680855" y="554364"/>
+                    </a:lnTo>
+                    <a:lnTo>
+                      <a:pt x="749046" y="555497"/>
+                    </a:lnTo>
+                    <a:lnTo>
+                      <a:pt x="817116" y="554364"/>
+                    </a:lnTo>
+                    <a:lnTo>
+                      <a:pt x="883482" y="551028"/>
+                    </a:lnTo>
+                    <a:lnTo>
+                      <a:pt x="947878" y="545588"/>
+                    </a:lnTo>
+                    <a:lnTo>
+                      <a:pt x="1010040" y="538142"/>
+                    </a:lnTo>
+                    <a:lnTo>
+                      <a:pt x="1069704" y="528788"/>
+                    </a:lnTo>
+                    <a:lnTo>
+                      <a:pt x="1126602" y="517623"/>
+                    </a:lnTo>
+                    <a:lnTo>
+                      <a:pt x="1180472" y="504747"/>
+                    </a:lnTo>
+                    <a:lnTo>
+                      <a:pt x="1231048" y="490256"/>
+                    </a:lnTo>
+                    <a:lnTo>
+                      <a:pt x="1278064" y="474249"/>
+                    </a:lnTo>
+                    <a:lnTo>
+                      <a:pt x="1321256" y="456824"/>
+                    </a:lnTo>
+                    <a:lnTo>
+                      <a:pt x="1360359" y="438079"/>
+                    </a:lnTo>
+                    <a:lnTo>
+                      <a:pt x="1395109" y="418112"/>
+                    </a:lnTo>
+                    <a:lnTo>
+                      <a:pt x="1450485" y="374902"/>
+                    </a:lnTo>
+                    <a:lnTo>
+                      <a:pt x="1485265" y="327980"/>
+                    </a:lnTo>
+                    <a:lnTo>
+                      <a:pt x="1497330" y="278129"/>
+                    </a:lnTo>
+                    <a:lnTo>
+                      <a:pt x="1494269" y="252767"/>
+                    </a:lnTo>
+                    <a:lnTo>
+                      <a:pt x="1470582" y="204081"/>
+                    </a:lnTo>
+                    <a:lnTo>
+                      <a:pt x="1425239" y="158764"/>
+                    </a:lnTo>
+                    <a:lnTo>
+                      <a:pt x="1360359" y="117592"/>
+                    </a:lnTo>
+                    <a:lnTo>
+                      <a:pt x="1321256" y="98803"/>
+                    </a:lnTo>
+                    <a:lnTo>
+                      <a:pt x="1278064" y="81343"/>
+                    </a:lnTo>
+                    <a:lnTo>
+                      <a:pt x="1231048" y="65308"/>
+                    </a:lnTo>
+                    <a:lnTo>
+                      <a:pt x="1180472" y="50795"/>
+                    </a:lnTo>
+                    <a:lnTo>
+                      <a:pt x="1126602" y="37902"/>
+                    </a:lnTo>
+                    <a:lnTo>
+                      <a:pt x="1069704" y="26726"/>
+                    </a:lnTo>
+                    <a:lnTo>
+                      <a:pt x="1010040" y="17363"/>
+                    </a:lnTo>
+                    <a:lnTo>
+                      <a:pt x="947878" y="9913"/>
+                    </a:lnTo>
+                    <a:lnTo>
+                      <a:pt x="883482" y="4470"/>
+                    </a:lnTo>
+                    <a:lnTo>
+                      <a:pt x="817116" y="1133"/>
+                    </a:lnTo>
+                    <a:lnTo>
+                      <a:pt x="749046" y="0"/>
+                    </a:lnTo>
+                    <a:close/>
+                  </a:path>
+                  <a:path w="4472305" h="1891029">
+                    <a:moveTo>
+                      <a:pt x="3737609" y="1415795"/>
+                    </a:moveTo>
+                    <a:lnTo>
+                      <a:pt x="3666787" y="1416886"/>
+                    </a:lnTo>
+                    <a:lnTo>
+                      <a:pt x="3597870" y="1420091"/>
+                    </a:lnTo>
+                    <a:lnTo>
+                      <a:pt x="3531166" y="1425310"/>
+                    </a:lnTo>
+                    <a:lnTo>
+                      <a:pt x="3466985" y="1432442"/>
+                    </a:lnTo>
+                    <a:lnTo>
+                      <a:pt x="3405633" y="1441387"/>
+                    </a:lnTo>
+                    <a:lnTo>
+                      <a:pt x="3347419" y="1452044"/>
+                    </a:lnTo>
+                    <a:lnTo>
+                      <a:pt x="3292651" y="1464313"/>
+                    </a:lnTo>
+                    <a:lnTo>
+                      <a:pt x="3241636" y="1478093"/>
+                    </a:lnTo>
+                    <a:lnTo>
+                      <a:pt x="3194684" y="1493284"/>
+                    </a:lnTo>
+                    <a:lnTo>
+                      <a:pt x="3152102" y="1509785"/>
+                    </a:lnTo>
+                    <a:lnTo>
+                      <a:pt x="3114198" y="1527496"/>
+                    </a:lnTo>
+                    <a:lnTo>
+                      <a:pt x="3053657" y="1566146"/>
+                    </a:lnTo>
+                    <a:lnTo>
+                      <a:pt x="3015525" y="1608428"/>
+                    </a:lnTo>
+                    <a:lnTo>
+                      <a:pt x="3002267" y="1653539"/>
+                    </a:lnTo>
+                    <a:lnTo>
+                      <a:pt x="3005633" y="1676391"/>
+                    </a:lnTo>
+                    <a:lnTo>
+                      <a:pt x="3031636" y="1720133"/>
+                    </a:lnTo>
+                    <a:lnTo>
+                      <a:pt x="3081281" y="1760603"/>
+                    </a:lnTo>
+                    <a:lnTo>
+                      <a:pt x="3152102" y="1797012"/>
+                    </a:lnTo>
+                    <a:lnTo>
+                      <a:pt x="3194684" y="1813448"/>
+                    </a:lnTo>
+                    <a:lnTo>
+                      <a:pt x="3241636" y="1828571"/>
+                    </a:lnTo>
+                    <a:lnTo>
+                      <a:pt x="3292651" y="1842285"/>
+                    </a:lnTo>
+                    <a:lnTo>
+                      <a:pt x="3347419" y="1854491"/>
+                    </a:lnTo>
+                    <a:lnTo>
+                      <a:pt x="3405633" y="1865089"/>
+                    </a:lnTo>
+                    <a:lnTo>
+                      <a:pt x="3466985" y="1873982"/>
+                    </a:lnTo>
+                    <a:lnTo>
+                      <a:pt x="3531166" y="1881070"/>
+                    </a:lnTo>
+                    <a:lnTo>
+                      <a:pt x="3597870" y="1886255"/>
+                    </a:lnTo>
+                    <a:lnTo>
+                      <a:pt x="3666787" y="1889438"/>
+                    </a:lnTo>
+                    <a:lnTo>
+                      <a:pt x="3737609" y="1890521"/>
+                    </a:lnTo>
+                    <a:lnTo>
+                      <a:pt x="3808305" y="1889438"/>
+                    </a:lnTo>
+                    <a:lnTo>
+                      <a:pt x="3877110" y="1886255"/>
+                    </a:lnTo>
+                    <a:lnTo>
+                      <a:pt x="3943714" y="1881070"/>
+                    </a:lnTo>
+                    <a:lnTo>
+                      <a:pt x="4007810" y="1873982"/>
+                    </a:lnTo>
+                    <a:lnTo>
+                      <a:pt x="4069087" y="1865089"/>
+                    </a:lnTo>
+                    <a:lnTo>
+                      <a:pt x="4127237" y="1854491"/>
+                    </a:lnTo>
+                    <a:lnTo>
+                      <a:pt x="4181952" y="1842285"/>
+                    </a:lnTo>
+                    <a:lnTo>
+                      <a:pt x="4232922" y="1828571"/>
+                    </a:lnTo>
+                    <a:lnTo>
+                      <a:pt x="4279838" y="1813448"/>
+                    </a:lnTo>
+                    <a:lnTo>
+                      <a:pt x="4322392" y="1797012"/>
+                    </a:lnTo>
+                    <a:lnTo>
+                      <a:pt x="4360274" y="1779365"/>
+                    </a:lnTo>
+                    <a:lnTo>
+                      <a:pt x="4420788" y="1740827"/>
+                    </a:lnTo>
+                    <a:lnTo>
+                      <a:pt x="4458909" y="1698622"/>
+                    </a:lnTo>
+                    <a:lnTo>
+                      <a:pt x="4472165" y="1653539"/>
+                    </a:lnTo>
+                    <a:lnTo>
+                      <a:pt x="4468799" y="1630680"/>
+                    </a:lnTo>
+                    <a:lnTo>
+                      <a:pt x="4442802" y="1586883"/>
+                    </a:lnTo>
+                    <a:lnTo>
+                      <a:pt x="4393176" y="1546317"/>
+                    </a:lnTo>
+                    <a:lnTo>
+                      <a:pt x="4322392" y="1509785"/>
+                    </a:lnTo>
+                    <a:lnTo>
+                      <a:pt x="4279838" y="1493284"/>
+                    </a:lnTo>
+                    <a:lnTo>
+                      <a:pt x="4232922" y="1478093"/>
+                    </a:lnTo>
+                    <a:lnTo>
+                      <a:pt x="4181952" y="1464313"/>
+                    </a:lnTo>
+                    <a:lnTo>
+                      <a:pt x="4127237" y="1452044"/>
+                    </a:lnTo>
+                    <a:lnTo>
+                      <a:pt x="4069087" y="1441387"/>
+                    </a:lnTo>
+                    <a:lnTo>
+                      <a:pt x="4007810" y="1432442"/>
+                    </a:lnTo>
+                    <a:lnTo>
+                      <a:pt x="3943714" y="1425310"/>
+                    </a:lnTo>
+                    <a:lnTo>
+                      <a:pt x="3877110" y="1420091"/>
+                    </a:lnTo>
+                    <a:lnTo>
+                      <a:pt x="3808305" y="1416886"/>
+                    </a:lnTo>
+                    <a:lnTo>
+                      <a:pt x="3737609" y="1415795"/>
+                    </a:lnTo>
+                    <a:close/>
+                  </a:path>
+                </a:pathLst>
+              </a:custGeom>
+              <a:ln w="28575">
+                <a:solidFill>
+                  <a:srgbClr val="FF0066"/>
+                </a:solidFill>
+                <a:prstDash val="sysDot"/>
+              </a:ln>
+            </p:spPr>
+            <p:txBody>
+              <a:bodyPr wrap="square" lIns="0" tIns="0" rIns="0" bIns="0" rtlCol="0"/>
+              <a:lstStyle/>
+              <a:p>
+                <a:endParaRPr/>
+              </a:p>
+            </p:txBody>
+          </p:sp>
+        </p:grpSp>
+        <p:sp>
+          <p:nvSpPr>
+            <p:cNvPr id="7" name="object 8">
+              <a:extLst>
+                <a:ext uri="{FF2B5EF4-FFF2-40B4-BE49-F238E27FC236}">
+                  <a16:creationId xmlns:a16="http://schemas.microsoft.com/office/drawing/2014/main" id="{3C7BFFCE-7F79-5BD6-0195-5AE60B534002}"/>
+                </a:ext>
+              </a:extLst>
+            </p:cNvPr>
+            <p:cNvSpPr txBox="1"/>
+            <p:nvPr/>
+          </p:nvSpPr>
+          <p:spPr>
+            <a:xfrm>
+              <a:off x="1391802" y="5620975"/>
+              <a:ext cx="1802764" cy="619125"/>
+            </a:xfrm>
+            <a:prstGeom prst="rect">
+              <a:avLst/>
+            </a:prstGeom>
+          </p:spPr>
+          <p:txBody>
+            <a:bodyPr vert="horz" wrap="square" lIns="0" tIns="12065" rIns="0" bIns="0" rtlCol="0">
+              <a:spAutoFit/>
+            </a:bodyPr>
+            <a:lstStyle/>
+            <a:p>
+              <a:pPr algn="ctr">
+                <a:lnSpc>
+                  <a:spcPts val="2335"/>
+                </a:lnSpc>
+                <a:spcBef>
+                  <a:spcPts val="95"/>
+                </a:spcBef>
+              </a:pPr>
+              <a:r>
+                <a:rPr sz="2000" b="1" spc="-25" dirty="0">
+                  <a:solidFill>
+                    <a:srgbClr val="FF0065"/>
+                  </a:solidFill>
+                  <a:latin typeface="Kaiti SC Black"/>
+                  <a:cs typeface="Kaiti SC Black"/>
+                </a:rPr>
+                <a:t>不符合第一范式</a:t>
+              </a:r>
+              <a:endParaRPr sz="2000" dirty="0">
+                <a:latin typeface="Kaiti SC Black"/>
+                <a:cs typeface="Kaiti SC Black"/>
+              </a:endParaRPr>
+            </a:p>
+            <a:p>
+              <a:pPr algn="ctr">
+                <a:lnSpc>
+                  <a:spcPts val="2335"/>
+                </a:lnSpc>
+              </a:pPr>
+              <a:r>
+                <a:rPr sz="2000" b="1" dirty="0">
+                  <a:solidFill>
+                    <a:srgbClr val="FF0065"/>
+                  </a:solidFill>
+                  <a:latin typeface="Times New Roman"/>
+                  <a:cs typeface="Times New Roman"/>
+                </a:rPr>
+                <a:t>(</a:t>
+              </a:r>
+              <a:r>
+                <a:rPr sz="2000" b="1" dirty="0">
+                  <a:solidFill>
+                    <a:srgbClr val="FF0065"/>
+                  </a:solidFill>
+                  <a:latin typeface="Arial"/>
+                  <a:cs typeface="Arial"/>
+                </a:rPr>
+                <a:t>Not</a:t>
+              </a:r>
+              <a:r>
+                <a:rPr sz="2000" b="1" spc="-35" dirty="0">
+                  <a:solidFill>
+                    <a:srgbClr val="FF0065"/>
+                  </a:solidFill>
+                  <a:latin typeface="Arial"/>
+                  <a:cs typeface="Arial"/>
+                </a:rPr>
+                <a:t> </a:t>
+              </a:r>
+              <a:r>
+                <a:rPr sz="2000" b="1" spc="-10" dirty="0">
+                  <a:solidFill>
+                    <a:srgbClr val="FF0065"/>
+                  </a:solidFill>
+                  <a:latin typeface="Arial"/>
+                  <a:cs typeface="Arial"/>
+                </a:rPr>
+                <a:t>Table</a:t>
+              </a:r>
+              <a:r>
+                <a:rPr sz="2000" b="1" spc="-10" dirty="0">
+                  <a:solidFill>
+                    <a:srgbClr val="FF0065"/>
+                  </a:solidFill>
+                  <a:latin typeface="Times New Roman"/>
+                  <a:cs typeface="Times New Roman"/>
+                </a:rPr>
+                <a:t>)</a:t>
+              </a:r>
+              <a:endParaRPr sz="2000" dirty="0">
+                <a:latin typeface="Times New Roman"/>
+                <a:cs typeface="Times New Roman"/>
+              </a:endParaRPr>
+            </a:p>
+          </p:txBody>
+        </p:sp>
+      </p:grpSp>
+      <p:graphicFrame>
+        <p:nvGraphicFramePr>
+          <p:cNvPr id="9" name="表格 8">
+            <a:extLst>
+              <a:ext uri="{FF2B5EF4-FFF2-40B4-BE49-F238E27FC236}">
+                <a16:creationId xmlns:a16="http://schemas.microsoft.com/office/drawing/2014/main" id="{29EC982C-CE6A-8DCB-015E-305D79C0ADE4}"/>
+              </a:ext>
+            </a:extLst>
+          </p:cNvPr>
+          <p:cNvGraphicFramePr>
+            <a:graphicFrameLocks noGrp="1"/>
+          </p:cNvGraphicFramePr>
+          <p:nvPr>
+            <p:extLst>
+              <p:ext uri="{D42A27DB-BD31-4B8C-83A1-F6EECF244321}">
+                <p14:modId xmlns:p14="http://schemas.microsoft.com/office/powerpoint/2010/main" val="4185887751"/>
+              </p:ext>
+            </p:extLst>
+          </p:nvPr>
+        </p:nvGraphicFramePr>
+        <p:xfrm>
+          <a:off x="782682" y="331749"/>
+          <a:ext cx="3589447" cy="1574666"/>
+        </p:xfrm>
+        <a:graphic>
+          <a:graphicData uri="http://schemas.openxmlformats.org/drawingml/2006/table">
+            <a:tbl>
+              <a:tblPr firstRow="1" bandRow="1">
+                <a:tableStyleId>{3B4B98B0-60AC-42C2-AFA5-B58CD77FA1E5}</a:tableStyleId>
+              </a:tblPr>
+              <a:tblGrid>
+                <a:gridCol w="523163">
+                  <a:extLst>
+                    <a:ext uri="{9D8B030D-6E8A-4147-A177-3AD203B41FA5}">
+                      <a16:colId xmlns:a16="http://schemas.microsoft.com/office/drawing/2014/main" val="1459682515"/>
+                    </a:ext>
+                  </a:extLst>
+                </a:gridCol>
+                <a:gridCol w="753036">
+                  <a:extLst>
+                    <a:ext uri="{9D8B030D-6E8A-4147-A177-3AD203B41FA5}">
+                      <a16:colId xmlns:a16="http://schemas.microsoft.com/office/drawing/2014/main" val="3454614319"/>
+                    </a:ext>
+                  </a:extLst>
+                </a:gridCol>
+                <a:gridCol w="806823">
+                  <a:extLst>
+                    <a:ext uri="{9D8B030D-6E8A-4147-A177-3AD203B41FA5}">
+                      <a16:colId xmlns:a16="http://schemas.microsoft.com/office/drawing/2014/main" val="86062236"/>
+                    </a:ext>
+                  </a:extLst>
+                </a:gridCol>
+                <a:gridCol w="494852">
+                  <a:extLst>
+                    <a:ext uri="{9D8B030D-6E8A-4147-A177-3AD203B41FA5}">
+                      <a16:colId xmlns:a16="http://schemas.microsoft.com/office/drawing/2014/main" val="3990395669"/>
+                    </a:ext>
+                  </a:extLst>
+                </a:gridCol>
+                <a:gridCol w="1011573">
+                  <a:extLst>
+                    <a:ext uri="{9D8B030D-6E8A-4147-A177-3AD203B41FA5}">
+                      <a16:colId xmlns:a16="http://schemas.microsoft.com/office/drawing/2014/main" val="882775375"/>
+                    </a:ext>
+                  </a:extLst>
+                </a:gridCol>
+              </a:tblGrid>
+              <a:tr h="391986">
+                <a:tc>
+                  <a:txBody>
+                    <a:bodyPr/>
+                    <a:lstStyle/>
+                    <a:p>
+                      <a:r>
+                        <a:rPr lang="en-US" altLang="zh-CN" sz="1100" dirty="0" err="1"/>
+                        <a:t>sid</a:t>
+                      </a:r>
+                      <a:endParaRPr lang="zh-CN" altLang="en-US" sz="1100" dirty="0"/>
+                    </a:p>
+                  </a:txBody>
+                  <a:tcPr/>
+                </a:tc>
+                <a:tc>
+                  <a:txBody>
+                    <a:bodyPr/>
+                    <a:lstStyle/>
+                    <a:p>
+                      <a:r>
+                        <a:rPr lang="en-US" altLang="zh-CN" sz="1100" dirty="0" err="1"/>
+                        <a:t>Iname</a:t>
+                      </a:r>
+                      <a:endParaRPr lang="zh-CN" altLang="en-US" sz="1100" dirty="0"/>
+                    </a:p>
+                  </a:txBody>
+                  <a:tcPr/>
+                </a:tc>
+                <a:tc>
+                  <a:txBody>
+                    <a:bodyPr/>
+                    <a:lstStyle/>
+                    <a:p>
+                      <a:r>
+                        <a:rPr lang="en-US" altLang="zh-CN" sz="1100" dirty="0" err="1"/>
+                        <a:t>Fname</a:t>
+                      </a:r>
+                      <a:endParaRPr lang="zh-CN" altLang="en-US" sz="1100" dirty="0"/>
+                    </a:p>
+                  </a:txBody>
+                  <a:tcPr/>
+                </a:tc>
+                <a:tc>
+                  <a:txBody>
+                    <a:bodyPr/>
+                    <a:lstStyle/>
+                    <a:p>
+                      <a:r>
+                        <a:rPr lang="en-US" altLang="zh-CN" sz="1100" dirty="0"/>
+                        <a:t>class</a:t>
+                      </a:r>
+                      <a:endParaRPr lang="zh-CN" altLang="en-US" sz="1100" dirty="0"/>
+                    </a:p>
+                  </a:txBody>
+                  <a:tcPr/>
+                </a:tc>
+                <a:tc>
+                  <a:txBody>
+                    <a:bodyPr/>
+                    <a:lstStyle/>
+                    <a:p>
+                      <a:r>
+                        <a:rPr lang="en-US" altLang="zh-CN" sz="1100" dirty="0"/>
+                        <a:t>telephone</a:t>
+                      </a:r>
+                      <a:endParaRPr lang="zh-CN" altLang="en-US" sz="1100" dirty="0"/>
+                    </a:p>
+                  </a:txBody>
+                  <a:tcPr/>
+                </a:tc>
+                <a:extLst>
+                  <a:ext uri="{0D108BD9-81ED-4DB2-BD59-A6C34878D82A}">
+                    <a16:rowId xmlns:a16="http://schemas.microsoft.com/office/drawing/2014/main" val="533283098"/>
+                  </a:ext>
+                </a:extLst>
+              </a:tr>
+              <a:tr h="295670">
+                <a:tc>
+                  <a:txBody>
+                    <a:bodyPr/>
+                    <a:lstStyle/>
+                    <a:p>
+                      <a:r>
+                        <a:rPr lang="en-US" altLang="zh-CN" sz="1100" dirty="0"/>
+                        <a:t>1</a:t>
+                      </a:r>
+                      <a:endParaRPr lang="zh-CN" altLang="en-US" sz="1100" dirty="0"/>
+                    </a:p>
+                  </a:txBody>
+                  <a:tcPr/>
+                </a:tc>
+                <a:tc>
+                  <a:txBody>
+                    <a:bodyPr/>
+                    <a:lstStyle/>
+                    <a:p>
+                      <a:r>
+                        <a:rPr lang="en-US" altLang="zh-CN" sz="1100" dirty="0"/>
+                        <a:t>Jones</a:t>
+                      </a:r>
+                      <a:endParaRPr lang="zh-CN" altLang="en-US" sz="1100" dirty="0"/>
+                    </a:p>
+                  </a:txBody>
+                  <a:tcPr/>
+                </a:tc>
+                <a:tc>
+                  <a:txBody>
+                    <a:bodyPr/>
+                    <a:lstStyle/>
+                    <a:p>
+                      <a:r>
+                        <a:rPr lang="en-US" altLang="zh-CN" sz="1100" dirty="0"/>
+                        <a:t>Allan</a:t>
+                      </a:r>
+                      <a:endParaRPr lang="zh-CN" altLang="en-US" sz="1100" dirty="0"/>
+                    </a:p>
+                  </a:txBody>
+                  <a:tcPr/>
+                </a:tc>
+                <a:tc>
+                  <a:txBody>
+                    <a:bodyPr/>
+                    <a:lstStyle/>
+                    <a:p>
+                      <a:r>
+                        <a:rPr lang="en-US" altLang="zh-CN" sz="1100" dirty="0"/>
+                        <a:t>2</a:t>
+                      </a:r>
+                      <a:endParaRPr lang="zh-CN" altLang="en-US" sz="1100" dirty="0"/>
+                    </a:p>
+                  </a:txBody>
+                  <a:tcPr/>
+                </a:tc>
+                <a:tc>
+                  <a:txBody>
+                    <a:bodyPr/>
+                    <a:lstStyle/>
+                    <a:p>
+                      <a:r>
+                        <a:rPr lang="en-US" altLang="zh-CN" sz="1100" dirty="0"/>
+                        <a:t>555-1234</a:t>
+                      </a:r>
+                      <a:endParaRPr lang="zh-CN" altLang="en-US" sz="1100" dirty="0"/>
+                    </a:p>
+                  </a:txBody>
+                  <a:tcPr/>
+                </a:tc>
+                <a:extLst>
+                  <a:ext uri="{0D108BD9-81ED-4DB2-BD59-A6C34878D82A}">
+                    <a16:rowId xmlns:a16="http://schemas.microsoft.com/office/drawing/2014/main" val="1840377033"/>
+                  </a:ext>
+                </a:extLst>
+              </a:tr>
+              <a:tr h="295670">
+                <a:tc>
+                  <a:txBody>
+                    <a:bodyPr/>
+                    <a:lstStyle/>
+                    <a:p>
+                      <a:r>
+                        <a:rPr lang="en-US" altLang="zh-CN" sz="1100" dirty="0"/>
+                        <a:t>2</a:t>
+                      </a:r>
+                      <a:endParaRPr lang="zh-CN" altLang="en-US" sz="1100" dirty="0"/>
+                    </a:p>
+                  </a:txBody>
+                  <a:tcPr/>
+                </a:tc>
+                <a:tc>
+                  <a:txBody>
+                    <a:bodyPr/>
+                    <a:lstStyle/>
+                    <a:p>
+                      <a:r>
+                        <a:rPr lang="en-US" altLang="zh-CN" sz="1100" dirty="0"/>
+                        <a:t>Smith</a:t>
+                      </a:r>
+                      <a:endParaRPr lang="zh-CN" altLang="en-US" sz="1100" dirty="0"/>
+                    </a:p>
+                  </a:txBody>
+                  <a:tcPr/>
+                </a:tc>
+                <a:tc>
+                  <a:txBody>
+                    <a:bodyPr/>
+                    <a:lstStyle/>
+                    <a:p>
+                      <a:r>
+                        <a:rPr lang="en-US" altLang="zh-CN" sz="1100" dirty="0"/>
+                        <a:t>John</a:t>
+                      </a:r>
+                    </a:p>
+                  </a:txBody>
+                  <a:tcPr/>
+                </a:tc>
+                <a:tc>
+                  <a:txBody>
+                    <a:bodyPr/>
+                    <a:lstStyle/>
+                    <a:p>
+                      <a:r>
+                        <a:rPr lang="en-US" altLang="zh-CN" sz="1100" dirty="0"/>
+                        <a:t>3</a:t>
+                      </a:r>
+                      <a:endParaRPr lang="zh-CN" altLang="en-US" sz="1100" dirty="0"/>
+                    </a:p>
+                  </a:txBody>
+                  <a:tcPr/>
+                </a:tc>
+                <a:tc>
+                  <a:txBody>
+                    <a:bodyPr/>
+                    <a:lstStyle/>
+                    <a:p>
+                      <a:r>
+                        <a:rPr lang="en-US" altLang="zh-CN" sz="1100" dirty="0"/>
+                        <a:t>555-4321</a:t>
+                      </a:r>
+                      <a:endParaRPr lang="zh-CN" altLang="en-US" sz="1100" dirty="0"/>
+                    </a:p>
+                  </a:txBody>
+                  <a:tcPr/>
+                </a:tc>
+                <a:extLst>
+                  <a:ext uri="{0D108BD9-81ED-4DB2-BD59-A6C34878D82A}">
+                    <a16:rowId xmlns:a16="http://schemas.microsoft.com/office/drawing/2014/main" val="3233715852"/>
+                  </a:ext>
+                </a:extLst>
+              </a:tr>
+              <a:tr h="295670">
+                <a:tc>
+                  <a:txBody>
+                    <a:bodyPr/>
+                    <a:lstStyle/>
+                    <a:p>
+                      <a:r>
+                        <a:rPr lang="en-US" altLang="zh-CN" sz="1100" dirty="0"/>
+                        <a:t>3</a:t>
+                      </a:r>
+                      <a:endParaRPr lang="zh-CN" altLang="en-US" sz="1100" dirty="0"/>
+                    </a:p>
+                  </a:txBody>
+                  <a:tcPr/>
+                </a:tc>
+                <a:tc>
+                  <a:txBody>
+                    <a:bodyPr/>
+                    <a:lstStyle/>
+                    <a:p>
+                      <a:r>
+                        <a:rPr lang="en-US" altLang="zh-CN" sz="1100" dirty="0"/>
+                        <a:t>Brown</a:t>
+                      </a:r>
+                      <a:endParaRPr lang="zh-CN" altLang="en-US" sz="1100" dirty="0"/>
+                    </a:p>
+                  </a:txBody>
+                  <a:tcPr/>
+                </a:tc>
+                <a:tc>
+                  <a:txBody>
+                    <a:bodyPr/>
+                    <a:lstStyle/>
+                    <a:p>
+                      <a:r>
+                        <a:rPr lang="en-US" altLang="zh-CN" sz="1100" dirty="0"/>
+                        <a:t>Harry</a:t>
+                      </a:r>
+                      <a:endParaRPr lang="zh-CN" altLang="en-US" sz="1100" dirty="0"/>
+                    </a:p>
+                  </a:txBody>
+                  <a:tcPr/>
+                </a:tc>
+                <a:tc>
+                  <a:txBody>
+                    <a:bodyPr/>
+                    <a:lstStyle/>
+                    <a:p>
+                      <a:r>
+                        <a:rPr lang="en-US" altLang="zh-CN" sz="1100" dirty="0"/>
+                        <a:t>2</a:t>
+                      </a:r>
+                      <a:endParaRPr lang="zh-CN" altLang="en-US" sz="1100" dirty="0"/>
+                    </a:p>
+                  </a:txBody>
+                  <a:tcPr/>
+                </a:tc>
+                <a:tc>
+                  <a:txBody>
+                    <a:bodyPr/>
+                    <a:lstStyle/>
+                    <a:p>
+                      <a:r>
+                        <a:rPr lang="en-US" altLang="zh-CN" sz="1100" dirty="0"/>
+                        <a:t>555-1122</a:t>
+                      </a:r>
+                      <a:endParaRPr lang="zh-CN" altLang="en-US" sz="1100" dirty="0"/>
+                    </a:p>
+                  </a:txBody>
+                  <a:tcPr/>
+                </a:tc>
+                <a:extLst>
+                  <a:ext uri="{0D108BD9-81ED-4DB2-BD59-A6C34878D82A}">
+                    <a16:rowId xmlns:a16="http://schemas.microsoft.com/office/drawing/2014/main" val="127112655"/>
+                  </a:ext>
+                </a:extLst>
+              </a:tr>
+              <a:tr h="295670">
+                <a:tc>
+                  <a:txBody>
+                    <a:bodyPr/>
+                    <a:lstStyle/>
+                    <a:p>
+                      <a:r>
+                        <a:rPr lang="en-US" altLang="zh-CN" sz="1100" dirty="0"/>
+                        <a:t>5</a:t>
+                      </a:r>
+                      <a:endParaRPr lang="zh-CN" altLang="en-US" sz="1100" dirty="0"/>
+                    </a:p>
+                  </a:txBody>
+                  <a:tcPr/>
+                </a:tc>
+                <a:tc>
+                  <a:txBody>
+                    <a:bodyPr/>
+                    <a:lstStyle/>
+                    <a:p>
+                      <a:r>
+                        <a:rPr lang="en-US" altLang="zh-CN" sz="1100" dirty="0"/>
+                        <a:t>White</a:t>
+                      </a:r>
+                      <a:endParaRPr lang="zh-CN" altLang="en-US" sz="1100" dirty="0"/>
+                    </a:p>
+                  </a:txBody>
+                  <a:tcPr/>
+                </a:tc>
+                <a:tc>
+                  <a:txBody>
+                    <a:bodyPr/>
+                    <a:lstStyle/>
+                    <a:p>
+                      <a:r>
+                        <a:rPr lang="en-US" altLang="zh-CN" sz="1100" dirty="0"/>
+                        <a:t>Edward</a:t>
+                      </a:r>
+                      <a:endParaRPr lang="zh-CN" altLang="en-US" sz="1100" dirty="0"/>
+                    </a:p>
+                  </a:txBody>
+                  <a:tcPr/>
+                </a:tc>
+                <a:tc>
+                  <a:txBody>
+                    <a:bodyPr/>
+                    <a:lstStyle/>
+                    <a:p>
+                      <a:r>
+                        <a:rPr lang="en-US" altLang="zh-CN" sz="1100" dirty="0"/>
+                        <a:t>3</a:t>
+                      </a:r>
+                      <a:endParaRPr lang="zh-CN" altLang="en-US" sz="1100" dirty="0"/>
+                    </a:p>
+                  </a:txBody>
+                  <a:tcPr/>
+                </a:tc>
+                <a:tc>
+                  <a:txBody>
+                    <a:bodyPr/>
+                    <a:lstStyle/>
+                    <a:p>
+                      <a:r>
+                        <a:rPr lang="en-US" altLang="zh-CN" sz="1100" dirty="0"/>
+                        <a:t>555-3344</a:t>
+                      </a:r>
+                      <a:endParaRPr lang="zh-CN" altLang="en-US" sz="1100" dirty="0"/>
+                    </a:p>
+                  </a:txBody>
+                  <a:tcPr/>
+                </a:tc>
+                <a:extLst>
+                  <a:ext uri="{0D108BD9-81ED-4DB2-BD59-A6C34878D82A}">
+                    <a16:rowId xmlns:a16="http://schemas.microsoft.com/office/drawing/2014/main" val="3477810236"/>
+                  </a:ext>
+                </a:extLst>
+              </a:tr>
+            </a:tbl>
+          </a:graphicData>
+        </a:graphic>
+      </p:graphicFrame>
+      <p:sp>
+        <p:nvSpPr>
+          <p:cNvPr id="10" name="矩形 9">
+            <a:extLst>
+              <a:ext uri="{FF2B5EF4-FFF2-40B4-BE49-F238E27FC236}">
+                <a16:creationId xmlns:a16="http://schemas.microsoft.com/office/drawing/2014/main" id="{86E6F62E-0008-13D0-2AA9-7D5F0B28CCB1}"/>
+              </a:ext>
+            </a:extLst>
+          </p:cNvPr>
+          <p:cNvSpPr/>
+          <p:nvPr/>
+        </p:nvSpPr>
+        <p:spPr>
+          <a:xfrm>
+            <a:off x="782682" y="-44906"/>
+            <a:ext cx="1218240" cy="331749"/>
+          </a:xfrm>
+          <a:prstGeom prst="rect">
+            <a:avLst/>
+          </a:prstGeom>
+          <a:ln>
+            <a:noFill/>
+          </a:ln>
+        </p:spPr>
+        <p:style>
+          <a:lnRef idx="2">
+            <a:schemeClr val="accent6"/>
+          </a:lnRef>
+          <a:fillRef idx="1">
+            <a:schemeClr val="lt1"/>
+          </a:fillRef>
+          <a:effectRef idx="0">
+            <a:schemeClr val="accent6"/>
+          </a:effectRef>
+          <a:fontRef idx="minor">
+            <a:schemeClr val="dk1"/>
+          </a:fontRef>
+        </p:style>
+        <p:txBody>
+          <a:bodyPr rtlCol="0" anchor="ctr"/>
+          <a:lstStyle/>
+          <a:p>
+            <a:pPr algn="ctr"/>
+            <a:r>
+              <a:rPr kumimoji="1" lang="en-US" altLang="zh-CN" dirty="0"/>
+              <a:t>Students</a:t>
+            </a:r>
+            <a:endParaRPr kumimoji="1" lang="zh-CN" altLang="en-US" dirty="0"/>
+          </a:p>
+        </p:txBody>
+      </p:sp>
+      <p:sp>
+        <p:nvSpPr>
+          <p:cNvPr id="13" name="object 9">
+            <a:extLst>
+              <a:ext uri="{FF2B5EF4-FFF2-40B4-BE49-F238E27FC236}">
+                <a16:creationId xmlns:a16="http://schemas.microsoft.com/office/drawing/2014/main" id="{F29B4284-1BE1-D4BD-A8C8-2A91D3FCF36B}"/>
+              </a:ext>
+            </a:extLst>
+          </p:cNvPr>
+          <p:cNvSpPr txBox="1"/>
+          <p:nvPr/>
+        </p:nvSpPr>
+        <p:spPr>
+          <a:xfrm>
+            <a:off x="1303601" y="2021889"/>
+            <a:ext cx="2381885" cy="330200"/>
+          </a:xfrm>
+          <a:prstGeom prst="rect">
+            <a:avLst/>
+          </a:prstGeom>
+        </p:spPr>
+        <p:txBody>
+          <a:bodyPr vert="horz" wrap="square" lIns="0" tIns="12065" rIns="0" bIns="0" rtlCol="0">
+            <a:spAutoFit/>
+          </a:bodyPr>
+          <a:lstStyle/>
+          <a:p>
+            <a:pPr marL="12700">
+              <a:lnSpc>
+                <a:spcPct val="100000"/>
+              </a:lnSpc>
+              <a:spcBef>
+                <a:spcPts val="95"/>
+              </a:spcBef>
+            </a:pPr>
+            <a:r>
+              <a:rPr sz="2000" b="1" spc="-20" dirty="0">
+                <a:solidFill>
+                  <a:srgbClr val="FF0065"/>
+                </a:solidFill>
+                <a:latin typeface="Kaiti SC Black"/>
+                <a:cs typeface="Kaiti SC Black"/>
+              </a:rPr>
+              <a:t>符合第一范式</a:t>
+            </a:r>
+            <a:r>
+              <a:rPr sz="2000" b="1" spc="-10" dirty="0">
+                <a:solidFill>
+                  <a:srgbClr val="FF0065"/>
+                </a:solidFill>
+                <a:latin typeface="Times New Roman"/>
+                <a:cs typeface="Times New Roman"/>
+              </a:rPr>
+              <a:t>(</a:t>
+            </a:r>
+            <a:r>
+              <a:rPr sz="2000" b="1" spc="-10" dirty="0">
+                <a:solidFill>
+                  <a:srgbClr val="FF0065"/>
+                </a:solidFill>
+                <a:latin typeface="Arial"/>
+                <a:cs typeface="Arial"/>
+              </a:rPr>
+              <a:t>Table</a:t>
+            </a:r>
+            <a:r>
+              <a:rPr sz="2000" b="1" spc="-10" dirty="0">
+                <a:solidFill>
+                  <a:srgbClr val="FF0065"/>
+                </a:solidFill>
+                <a:latin typeface="Times New Roman"/>
+                <a:cs typeface="Times New Roman"/>
+              </a:rPr>
+              <a:t>)</a:t>
+            </a:r>
+            <a:endParaRPr sz="2000" dirty="0">
+              <a:latin typeface="Times New Roman"/>
+              <a:cs typeface="Times New Roman"/>
+            </a:endParaRPr>
+          </a:p>
+        </p:txBody>
+      </p:sp>
+    </p:spTree>
+    <p:extLst>
+      <p:ext uri="{BB962C8B-B14F-4D97-AF65-F5344CB8AC3E}">
+        <p14:creationId xmlns:p14="http://schemas.microsoft.com/office/powerpoint/2010/main" val="1385872162"/>
+      </p:ext>
+    </p:extLst>
+  </p:cSld>
+  <p:clrMapOvr>
+    <a:masterClrMapping/>
+  </p:clrMapOvr>
+</p:sld>
+</file>
+
+<file path=ppt/slides/slide3.xml><?xml version="1.0" encoding="utf-8"?>
+<p:sld xmlns:a="http://schemas.openxmlformats.org/drawingml/2006/main" xmlns:r="http://schemas.openxmlformats.org/officeDocument/2006/relationships" xmlns:p="http://schemas.openxmlformats.org/presentationml/2006/main">
+  <p:cSld>
+    <p:spTree>
+      <p:nvGrpSpPr>
+        <p:cNvPr id="1" name="">
+          <a:extLst>
+            <a:ext uri="{FF2B5EF4-FFF2-40B4-BE49-F238E27FC236}">
+              <a16:creationId xmlns:a16="http://schemas.microsoft.com/office/drawing/2014/main" id="{B454F721-C0E4-9438-4E4D-32CA1ABDA0DB}"/>
+            </a:ext>
+          </a:extLst>
+        </p:cNvPr>
+        <p:cNvGrpSpPr/>
+        <p:nvPr/>
+      </p:nvGrpSpPr>
+      <p:grpSpPr>
+        <a:xfrm>
+          <a:off x="0" y="0"/>
+          <a:ext cx="0" cy="0"/>
+          <a:chOff x="0" y="0"/>
+          <a:chExt cx="0" cy="0"/>
+        </a:xfrm>
+      </p:grpSpPr>
+      <p:grpSp>
+        <p:nvGrpSpPr>
+          <p:cNvPr id="11" name="组合 10">
+            <a:extLst>
+              <a:ext uri="{FF2B5EF4-FFF2-40B4-BE49-F238E27FC236}">
+                <a16:creationId xmlns:a16="http://schemas.microsoft.com/office/drawing/2014/main" id="{74378DE2-C6F1-292E-6CC4-138743C9D1B5}"/>
+              </a:ext>
+            </a:extLst>
+          </p:cNvPr>
+          <p:cNvGrpSpPr/>
+          <p:nvPr/>
+        </p:nvGrpSpPr>
+        <p:grpSpPr>
+          <a:xfrm>
+            <a:off x="781069" y="742278"/>
+            <a:ext cx="7927848" cy="4277957"/>
+            <a:chOff x="781069" y="742278"/>
+            <a:chExt cx="7927848" cy="4277957"/>
+          </a:xfrm>
+        </p:grpSpPr>
+        <p:pic>
+          <p:nvPicPr>
+            <p:cNvPr id="4" name="object 4">
+              <a:extLst>
+                <a:ext uri="{FF2B5EF4-FFF2-40B4-BE49-F238E27FC236}">
+                  <a16:creationId xmlns:a16="http://schemas.microsoft.com/office/drawing/2014/main" id="{7FC2ADAC-9798-B441-1196-902D472585D1}"/>
+                </a:ext>
+              </a:extLst>
+            </p:cNvPr>
+            <p:cNvPicPr/>
+            <p:nvPr/>
+          </p:nvPicPr>
+          <p:blipFill>
+            <a:blip r:embed="rId3" cstate="print"/>
+            <a:stretch>
+              <a:fillRect/>
+            </a:stretch>
+          </p:blipFill>
+          <p:spPr>
+            <a:xfrm>
+              <a:off x="3830593" y="2496491"/>
+              <a:ext cx="2114549" cy="2523744"/>
+            </a:xfrm>
+            <a:prstGeom prst="rect">
+              <a:avLst/>
+            </a:prstGeom>
+          </p:spPr>
+        </p:pic>
+        <p:grpSp>
+          <p:nvGrpSpPr>
+            <p:cNvPr id="5" name="object 5">
+              <a:extLst>
+                <a:ext uri="{FF2B5EF4-FFF2-40B4-BE49-F238E27FC236}">
+                  <a16:creationId xmlns:a16="http://schemas.microsoft.com/office/drawing/2014/main" id="{A29985F4-46CF-BD2D-4EB0-5A6649BF5161}"/>
+                </a:ext>
+              </a:extLst>
+            </p:cNvPr>
+            <p:cNvGrpSpPr/>
+            <p:nvPr/>
+          </p:nvGrpSpPr>
+          <p:grpSpPr>
+            <a:xfrm>
+              <a:off x="781069" y="1605713"/>
+              <a:ext cx="2613025" cy="1562100"/>
+              <a:chOff x="1405013" y="2498598"/>
+              <a:chExt cx="2613025" cy="1562100"/>
+            </a:xfrm>
+          </p:grpSpPr>
+          <p:pic>
+            <p:nvPicPr>
+              <p:cNvPr id="6" name="object 6">
+                <a:extLst>
+                  <a:ext uri="{FF2B5EF4-FFF2-40B4-BE49-F238E27FC236}">
+                    <a16:creationId xmlns:a16="http://schemas.microsoft.com/office/drawing/2014/main" id="{82BED2A1-3BF6-CAA5-D21C-9B0604B81205}"/>
+                  </a:ext>
+                </a:extLst>
+              </p:cNvPr>
+              <p:cNvPicPr/>
+              <p:nvPr/>
+            </p:nvPicPr>
+            <p:blipFill>
+              <a:blip r:embed="rId4" cstate="print"/>
+              <a:stretch>
+                <a:fillRect/>
+              </a:stretch>
+            </p:blipFill>
+            <p:spPr>
+              <a:xfrm>
+                <a:off x="1405013" y="2498598"/>
+                <a:ext cx="1075944" cy="1257300"/>
+              </a:xfrm>
+              <a:prstGeom prst="rect">
+                <a:avLst/>
+              </a:prstGeom>
+            </p:spPr>
+          </p:pic>
+          <p:pic>
+            <p:nvPicPr>
+              <p:cNvPr id="7" name="object 7">
+                <a:extLst>
+                  <a:ext uri="{FF2B5EF4-FFF2-40B4-BE49-F238E27FC236}">
+                    <a16:creationId xmlns:a16="http://schemas.microsoft.com/office/drawing/2014/main" id="{490D0EB4-65F6-7049-CF26-85747315DB71}"/>
+                  </a:ext>
+                </a:extLst>
+              </p:cNvPr>
+              <p:cNvPicPr/>
+              <p:nvPr/>
+            </p:nvPicPr>
+            <p:blipFill>
+              <a:blip r:embed="rId5" cstate="print"/>
+              <a:stretch>
+                <a:fillRect/>
+              </a:stretch>
+            </p:blipFill>
+            <p:spPr>
+              <a:xfrm>
+                <a:off x="2941967" y="2498598"/>
+                <a:ext cx="1075944" cy="1562100"/>
+              </a:xfrm>
+              <a:prstGeom prst="rect">
+                <a:avLst/>
+              </a:prstGeom>
+            </p:spPr>
+          </p:pic>
+          <p:sp>
+            <p:nvSpPr>
+              <p:cNvPr id="8" name="object 8">
+                <a:extLst>
+                  <a:ext uri="{FF2B5EF4-FFF2-40B4-BE49-F238E27FC236}">
+                    <a16:creationId xmlns:a16="http://schemas.microsoft.com/office/drawing/2014/main" id="{05AF9323-703A-2C99-9783-1A390659EB0D}"/>
+                  </a:ext>
+                </a:extLst>
+              </p:cNvPr>
+              <p:cNvSpPr/>
+              <p:nvPr/>
+            </p:nvSpPr>
+            <p:spPr>
+              <a:xfrm>
+                <a:off x="2045093" y="3165348"/>
+                <a:ext cx="1358900" cy="825500"/>
+              </a:xfrm>
+              <a:custGeom>
+                <a:avLst/>
+                <a:gdLst/>
+                <a:ahLst/>
+                <a:cxnLst/>
+                <a:rect l="l" t="t" r="r" b="b"/>
+                <a:pathLst>
+                  <a:path w="1358900" h="825500">
+                    <a:moveTo>
+                      <a:pt x="171450" y="12191"/>
+                    </a:moveTo>
+                    <a:lnTo>
+                      <a:pt x="117043" y="17739"/>
+                    </a:lnTo>
+                    <a:lnTo>
+                      <a:pt x="69951" y="33162"/>
+                    </a:lnTo>
+                    <a:lnTo>
+                      <a:pt x="32918" y="56631"/>
+                    </a:lnTo>
+                    <a:lnTo>
+                      <a:pt x="8686" y="86319"/>
+                    </a:lnTo>
+                    <a:lnTo>
+                      <a:pt x="0" y="120396"/>
+                    </a:lnTo>
+                    <a:lnTo>
+                      <a:pt x="8686" y="154472"/>
+                    </a:lnTo>
+                    <a:lnTo>
+                      <a:pt x="32918" y="184160"/>
+                    </a:lnTo>
+                    <a:lnTo>
+                      <a:pt x="69951" y="207629"/>
+                    </a:lnTo>
+                    <a:lnTo>
+                      <a:pt x="117043" y="223052"/>
+                    </a:lnTo>
+                    <a:lnTo>
+                      <a:pt x="171450" y="228600"/>
+                    </a:lnTo>
+                    <a:lnTo>
+                      <a:pt x="225564" y="223052"/>
+                    </a:lnTo>
+                    <a:lnTo>
+                      <a:pt x="272619" y="207629"/>
+                    </a:lnTo>
+                    <a:lnTo>
+                      <a:pt x="309762" y="184160"/>
+                    </a:lnTo>
+                    <a:lnTo>
+                      <a:pt x="334140" y="154472"/>
+                    </a:lnTo>
+                    <a:lnTo>
+                      <a:pt x="342900" y="120396"/>
+                    </a:lnTo>
+                    <a:lnTo>
+                      <a:pt x="334140" y="86319"/>
+                    </a:lnTo>
+                    <a:lnTo>
+                      <a:pt x="309762" y="56631"/>
+                    </a:lnTo>
+                    <a:lnTo>
+                      <a:pt x="272619" y="33162"/>
+                    </a:lnTo>
+                    <a:lnTo>
+                      <a:pt x="225564" y="17739"/>
+                    </a:lnTo>
+                    <a:lnTo>
+                      <a:pt x="171450" y="12191"/>
+                    </a:lnTo>
+                    <a:close/>
+                  </a:path>
+                  <a:path w="1358900" h="825500">
+                    <a:moveTo>
+                      <a:pt x="171450" y="329946"/>
+                    </a:moveTo>
+                    <a:lnTo>
+                      <a:pt x="117043" y="335493"/>
+                    </a:lnTo>
+                    <a:lnTo>
+                      <a:pt x="69951" y="350916"/>
+                    </a:lnTo>
+                    <a:lnTo>
+                      <a:pt x="32918" y="374385"/>
+                    </a:lnTo>
+                    <a:lnTo>
+                      <a:pt x="8686" y="404073"/>
+                    </a:lnTo>
+                    <a:lnTo>
+                      <a:pt x="0" y="438150"/>
+                    </a:lnTo>
+                    <a:lnTo>
+                      <a:pt x="8686" y="472147"/>
+                    </a:lnTo>
+                    <a:lnTo>
+                      <a:pt x="32918" y="501645"/>
+                    </a:lnTo>
+                    <a:lnTo>
+                      <a:pt x="69951" y="524889"/>
+                    </a:lnTo>
+                    <a:lnTo>
+                      <a:pt x="117043" y="540123"/>
+                    </a:lnTo>
+                    <a:lnTo>
+                      <a:pt x="171450" y="545591"/>
+                    </a:lnTo>
+                    <a:lnTo>
+                      <a:pt x="225564" y="540123"/>
+                    </a:lnTo>
+                    <a:lnTo>
+                      <a:pt x="272619" y="524889"/>
+                    </a:lnTo>
+                    <a:lnTo>
+                      <a:pt x="309762" y="501645"/>
+                    </a:lnTo>
+                    <a:lnTo>
+                      <a:pt x="334140" y="472147"/>
+                    </a:lnTo>
+                    <a:lnTo>
+                      <a:pt x="342900" y="438150"/>
+                    </a:lnTo>
+                    <a:lnTo>
+                      <a:pt x="334140" y="404073"/>
+                    </a:lnTo>
+                    <a:lnTo>
+                      <a:pt x="309762" y="374385"/>
+                    </a:lnTo>
+                    <a:lnTo>
+                      <a:pt x="272619" y="350916"/>
+                    </a:lnTo>
+                    <a:lnTo>
+                      <a:pt x="225564" y="335493"/>
+                    </a:lnTo>
+                    <a:lnTo>
+                      <a:pt x="171450" y="329946"/>
+                    </a:lnTo>
+                    <a:close/>
+                  </a:path>
+                  <a:path w="1358900" h="825500">
+                    <a:moveTo>
+                      <a:pt x="1174242" y="0"/>
+                    </a:moveTo>
+                    <a:lnTo>
+                      <a:pt x="1120127" y="5468"/>
+                    </a:lnTo>
+                    <a:lnTo>
+                      <a:pt x="1073072" y="20702"/>
+                    </a:lnTo>
+                    <a:lnTo>
+                      <a:pt x="1035929" y="43946"/>
+                    </a:lnTo>
+                    <a:lnTo>
+                      <a:pt x="1011551" y="73444"/>
+                    </a:lnTo>
+                    <a:lnTo>
+                      <a:pt x="1002792" y="107441"/>
+                    </a:lnTo>
+                    <a:lnTo>
+                      <a:pt x="1011551" y="141811"/>
+                    </a:lnTo>
+                    <a:lnTo>
+                      <a:pt x="1035929" y="171535"/>
+                    </a:lnTo>
+                    <a:lnTo>
+                      <a:pt x="1073072" y="194895"/>
+                    </a:lnTo>
+                    <a:lnTo>
+                      <a:pt x="1120127" y="210171"/>
+                    </a:lnTo>
+                    <a:lnTo>
+                      <a:pt x="1174242" y="215646"/>
+                    </a:lnTo>
+                    <a:lnTo>
+                      <a:pt x="1228648" y="210171"/>
+                    </a:lnTo>
+                    <a:lnTo>
+                      <a:pt x="1275740" y="194895"/>
+                    </a:lnTo>
+                    <a:lnTo>
+                      <a:pt x="1312773" y="171535"/>
+                    </a:lnTo>
+                    <a:lnTo>
+                      <a:pt x="1337005" y="141811"/>
+                    </a:lnTo>
+                    <a:lnTo>
+                      <a:pt x="1345691" y="107441"/>
+                    </a:lnTo>
+                    <a:lnTo>
+                      <a:pt x="1337005" y="73444"/>
+                    </a:lnTo>
+                    <a:lnTo>
+                      <a:pt x="1312773" y="43946"/>
+                    </a:lnTo>
+                    <a:lnTo>
+                      <a:pt x="1275740" y="20702"/>
+                    </a:lnTo>
+                    <a:lnTo>
+                      <a:pt x="1228648" y="5468"/>
+                    </a:lnTo>
+                    <a:lnTo>
+                      <a:pt x="1174242" y="0"/>
+                    </a:lnTo>
+                    <a:close/>
+                  </a:path>
+                  <a:path w="1358900" h="825500">
+                    <a:moveTo>
+                      <a:pt x="1187195" y="304800"/>
+                    </a:moveTo>
+                    <a:lnTo>
+                      <a:pt x="1133081" y="310268"/>
+                    </a:lnTo>
+                    <a:lnTo>
+                      <a:pt x="1086026" y="325502"/>
+                    </a:lnTo>
+                    <a:lnTo>
+                      <a:pt x="1048883" y="348746"/>
+                    </a:lnTo>
+                    <a:lnTo>
+                      <a:pt x="1024505" y="378244"/>
+                    </a:lnTo>
+                    <a:lnTo>
+                      <a:pt x="1015745" y="412241"/>
+                    </a:lnTo>
+                    <a:lnTo>
+                      <a:pt x="1024505" y="446611"/>
+                    </a:lnTo>
+                    <a:lnTo>
+                      <a:pt x="1048883" y="476335"/>
+                    </a:lnTo>
+                    <a:lnTo>
+                      <a:pt x="1086026" y="499695"/>
+                    </a:lnTo>
+                    <a:lnTo>
+                      <a:pt x="1133081" y="514971"/>
+                    </a:lnTo>
+                    <a:lnTo>
+                      <a:pt x="1187195" y="520446"/>
+                    </a:lnTo>
+                    <a:lnTo>
+                      <a:pt x="1241310" y="514971"/>
+                    </a:lnTo>
+                    <a:lnTo>
+                      <a:pt x="1288365" y="499695"/>
+                    </a:lnTo>
+                    <a:lnTo>
+                      <a:pt x="1325508" y="476335"/>
+                    </a:lnTo>
+                    <a:lnTo>
+                      <a:pt x="1349886" y="446611"/>
+                    </a:lnTo>
+                    <a:lnTo>
+                      <a:pt x="1358645" y="412241"/>
+                    </a:lnTo>
+                    <a:lnTo>
+                      <a:pt x="1349886" y="378244"/>
+                    </a:lnTo>
+                    <a:lnTo>
+                      <a:pt x="1325508" y="348746"/>
+                    </a:lnTo>
+                    <a:lnTo>
+                      <a:pt x="1288365" y="325502"/>
+                    </a:lnTo>
+                    <a:lnTo>
+                      <a:pt x="1241310" y="310268"/>
+                    </a:lnTo>
+                    <a:lnTo>
+                      <a:pt x="1187195" y="304800"/>
+                    </a:lnTo>
+                    <a:close/>
+                  </a:path>
+                  <a:path w="1358900" h="825500">
+                    <a:moveTo>
+                      <a:pt x="1174242" y="609600"/>
+                    </a:moveTo>
+                    <a:lnTo>
+                      <a:pt x="1120127" y="615068"/>
+                    </a:lnTo>
+                    <a:lnTo>
+                      <a:pt x="1073072" y="630302"/>
+                    </a:lnTo>
+                    <a:lnTo>
+                      <a:pt x="1035929" y="653546"/>
+                    </a:lnTo>
+                    <a:lnTo>
+                      <a:pt x="1011551" y="683044"/>
+                    </a:lnTo>
+                    <a:lnTo>
+                      <a:pt x="1002792" y="717041"/>
+                    </a:lnTo>
+                    <a:lnTo>
+                      <a:pt x="1011551" y="751411"/>
+                    </a:lnTo>
+                    <a:lnTo>
+                      <a:pt x="1035929" y="781135"/>
+                    </a:lnTo>
+                    <a:lnTo>
+                      <a:pt x="1073072" y="804495"/>
+                    </a:lnTo>
+                    <a:lnTo>
+                      <a:pt x="1120127" y="819771"/>
+                    </a:lnTo>
+                    <a:lnTo>
+                      <a:pt x="1174242" y="825246"/>
+                    </a:lnTo>
+                    <a:lnTo>
+                      <a:pt x="1228648" y="819771"/>
+                    </a:lnTo>
+                    <a:lnTo>
+                      <a:pt x="1275740" y="804495"/>
+                    </a:lnTo>
+                    <a:lnTo>
+                      <a:pt x="1312773" y="781135"/>
+                    </a:lnTo>
+                    <a:lnTo>
+                      <a:pt x="1337005" y="751411"/>
+                    </a:lnTo>
+                    <a:lnTo>
+                      <a:pt x="1345691" y="717041"/>
+                    </a:lnTo>
+                    <a:lnTo>
+                      <a:pt x="1337005" y="683044"/>
+                    </a:lnTo>
+                    <a:lnTo>
+                      <a:pt x="1312773" y="653546"/>
+                    </a:lnTo>
+                    <a:lnTo>
+                      <a:pt x="1275740" y="630302"/>
+                    </a:lnTo>
+                    <a:lnTo>
+                      <a:pt x="1228648" y="615068"/>
+                    </a:lnTo>
+                    <a:lnTo>
+                      <a:pt x="1174242" y="609600"/>
+                    </a:lnTo>
+                    <a:close/>
+                  </a:path>
+                  <a:path w="1358900" h="825500">
+                    <a:moveTo>
+                      <a:pt x="368045" y="126491"/>
+                    </a:moveTo>
+                    <a:lnTo>
+                      <a:pt x="1002792" y="126491"/>
+                    </a:lnTo>
+                  </a:path>
+                  <a:path w="1358900" h="825500">
+                    <a:moveTo>
+                      <a:pt x="368045" y="126491"/>
+                    </a:moveTo>
+                    <a:lnTo>
+                      <a:pt x="1015745" y="419100"/>
+                    </a:lnTo>
+                  </a:path>
+                  <a:path w="1358900" h="825500">
+                    <a:moveTo>
+                      <a:pt x="329945" y="469391"/>
+                    </a:moveTo>
+                    <a:lnTo>
+                      <a:pt x="1002792" y="749046"/>
+                    </a:lnTo>
+                  </a:path>
+                  <a:path w="1358900" h="825500">
+                    <a:moveTo>
+                      <a:pt x="339089" y="133350"/>
+                    </a:moveTo>
+                    <a:lnTo>
+                      <a:pt x="1034795" y="675893"/>
+                    </a:lnTo>
+                  </a:path>
+                </a:pathLst>
+              </a:custGeom>
+              <a:ln w="28575">
+                <a:solidFill>
+                  <a:srgbClr val="FF00FF"/>
+                </a:solidFill>
+                <a:prstDash val="sysDot"/>
+              </a:ln>
+            </p:spPr>
+            <p:txBody>
+              <a:bodyPr wrap="square" lIns="0" tIns="0" rIns="0" bIns="0" rtlCol="0"/>
+              <a:lstStyle/>
+              <a:p>
+                <a:endParaRPr/>
+              </a:p>
+            </p:txBody>
+          </p:sp>
+        </p:grpSp>
+        <p:pic>
+          <p:nvPicPr>
+            <p:cNvPr id="9" name="object 9">
+              <a:extLst>
+                <a:ext uri="{FF2B5EF4-FFF2-40B4-BE49-F238E27FC236}">
+                  <a16:creationId xmlns:a16="http://schemas.microsoft.com/office/drawing/2014/main" id="{2ADBDBAE-48F8-8A72-7D50-ED6FA3350DBA}"/>
+                </a:ext>
+              </a:extLst>
+            </p:cNvPr>
+            <p:cNvPicPr/>
+            <p:nvPr/>
+          </p:nvPicPr>
+          <p:blipFill>
+            <a:blip r:embed="rId6" cstate="print"/>
+            <a:stretch>
+              <a:fillRect/>
+            </a:stretch>
+          </p:blipFill>
+          <p:spPr>
+            <a:xfrm>
+              <a:off x="6566173" y="1591235"/>
+              <a:ext cx="2142744" cy="1933955"/>
+            </a:xfrm>
+            <a:prstGeom prst="rect">
+              <a:avLst/>
+            </a:prstGeom>
+          </p:spPr>
+        </p:pic>
+        <p:sp>
+          <p:nvSpPr>
+            <p:cNvPr id="10" name="文本框 9">
+              <a:extLst>
+                <a:ext uri="{FF2B5EF4-FFF2-40B4-BE49-F238E27FC236}">
+                  <a16:creationId xmlns:a16="http://schemas.microsoft.com/office/drawing/2014/main" id="{168E938C-648C-1282-A690-0D50B7C421FB}"/>
+                </a:ext>
+              </a:extLst>
+            </p:cNvPr>
+            <p:cNvSpPr txBox="1"/>
+            <p:nvPr/>
+          </p:nvSpPr>
+          <p:spPr>
+            <a:xfrm>
+              <a:off x="4294595" y="742278"/>
+              <a:ext cx="1186543" cy="461665"/>
+            </a:xfrm>
+            <a:prstGeom prst="rect">
+              <a:avLst/>
+            </a:prstGeom>
+            <a:noFill/>
+          </p:spPr>
+          <p:txBody>
+            <a:bodyPr wrap="none" rtlCol="0">
+              <a:spAutoFit/>
+            </a:bodyPr>
+            <a:lstStyle/>
+            <a:p>
+              <a:r>
+                <a:rPr lang="el-GR" altLang="zh-CN" sz="2400" b="1" dirty="0">
+                  <a:effectLst/>
+                  <a:latin typeface="Microsoft YaHei" panose="020B0503020204020204" pitchFamily="34" charset="-122"/>
+                  <a:ea typeface="Microsoft YaHei" panose="020B0503020204020204" pitchFamily="34" charset="-122"/>
+                </a:rPr>
+                <a:t>Θ-</a:t>
+              </a:r>
+              <a:r>
+                <a:rPr kumimoji="1" lang="zh-CN" altLang="en-US" sz="2400" b="1" dirty="0">
+                  <a:effectLst/>
+                  <a:latin typeface="Microsoft YaHei" panose="020B0503020204020204" pitchFamily="34" charset="-122"/>
+                  <a:ea typeface="Microsoft YaHei" panose="020B0503020204020204" pitchFamily="34" charset="-122"/>
+                </a:rPr>
+                <a:t>连接</a:t>
+              </a:r>
+              <a:endParaRPr lang="el-GR" altLang="zh-CN" sz="2400" b="1" dirty="0">
+                <a:effectLst/>
+                <a:latin typeface="Microsoft YaHei" panose="020B0503020204020204" pitchFamily="34" charset="-122"/>
+                <a:ea typeface="Microsoft YaHei" panose="020B0503020204020204" pitchFamily="34" charset="-122"/>
+              </a:endParaRPr>
+            </a:p>
+          </p:txBody>
+        </p:sp>
+      </p:grpSp>
+    </p:spTree>
+    <p:extLst>
+      <p:ext uri="{BB962C8B-B14F-4D97-AF65-F5344CB8AC3E}">
+        <p14:creationId xmlns:p14="http://schemas.microsoft.com/office/powerpoint/2010/main" val="3741675582"/>
+      </p:ext>
+    </p:extLst>
+  </p:cSld>
+  <p:clrMapOvr>
+    <a:masterClrMapping/>
+  </p:clrMapOvr>
+</p:sld>
+</file>
+
+<file path=ppt/slides/slide4.xml><?xml version="1.0" encoding="utf-8"?>
+<p:sld xmlns:a="http://schemas.openxmlformats.org/drawingml/2006/main" xmlns:r="http://schemas.openxmlformats.org/officeDocument/2006/relationships" xmlns:p="http://schemas.openxmlformats.org/presentationml/2006/main">
+  <p:cSld>
+    <p:spTree>
+      <p:nvGrpSpPr>
+        <p:cNvPr id="1" name="">
+          <a:extLst>
+            <a:ext uri="{FF2B5EF4-FFF2-40B4-BE49-F238E27FC236}">
+              <a16:creationId xmlns:a16="http://schemas.microsoft.com/office/drawing/2014/main" id="{DFCAEFD8-0B8E-44F2-76A6-8AFEDE2FB244}"/>
+            </a:ext>
+          </a:extLst>
+        </p:cNvPr>
+        <p:cNvGrpSpPr/>
+        <p:nvPr/>
+      </p:nvGrpSpPr>
+      <p:grpSpPr>
+        <a:xfrm>
+          <a:off x="0" y="0"/>
+          <a:ext cx="0" cy="0"/>
+          <a:chOff x="0" y="0"/>
+          <a:chExt cx="0" cy="0"/>
+        </a:xfrm>
+      </p:grpSpPr>
+    </p:spTree>
+    <p:extLst>
+      <p:ext uri="{BB962C8B-B14F-4D97-AF65-F5344CB8AC3E}">
+        <p14:creationId xmlns:p14="http://schemas.microsoft.com/office/powerpoint/2010/main" val="2840659754"/>
+      </p:ext>
+    </p:extLst>
+  </p:cSld>
+  <p:clrMapOvr>
+    <a:masterClrMapping/>
+  </p:clrMapOvr>
+</p:sld>
+</file>
+
+<file path=ppt/slides/slide5.xml><?xml version="1.0" encoding="utf-8"?>
+<p:sld xmlns:a="http://schemas.openxmlformats.org/drawingml/2006/main" xmlns:r="http://schemas.openxmlformats.org/officeDocument/2006/relationships" xmlns:p="http://schemas.openxmlformats.org/presentationml/2006/main">
+  <p:cSld>
+    <p:spTree>
+      <p:nvGrpSpPr>
+        <p:cNvPr id="1" name="">
+          <a:extLst>
+            <a:ext uri="{FF2B5EF4-FFF2-40B4-BE49-F238E27FC236}">
+              <a16:creationId xmlns:a16="http://schemas.microsoft.com/office/drawing/2014/main" id="{443423EC-A1C7-9979-A425-3F1FD393E71B}"/>
+            </a:ext>
+          </a:extLst>
+        </p:cNvPr>
+        <p:cNvGrpSpPr/>
+        <p:nvPr/>
+      </p:nvGrpSpPr>
+      <p:grpSpPr>
+        <a:xfrm>
+          <a:off x="0" y="0"/>
+          <a:ext cx="0" cy="0"/>
+          <a:chOff x="0" y="0"/>
+          <a:chExt cx="0" cy="0"/>
+        </a:xfrm>
+      </p:grpSpPr>
+    </p:spTree>
+    <p:extLst>
+      <p:ext uri="{BB962C8B-B14F-4D97-AF65-F5344CB8AC3E}">
+        <p14:creationId xmlns:p14="http://schemas.microsoft.com/office/powerpoint/2010/main" val="3999040655"/>
       </p:ext>
     </p:extLst>
   </p:cSld>
@@ -20650,4 +23098,319 @@
     </a:ext>
   </a:extLst>
 </a:theme>
+</file>
+
+<file path=ppt/theme/theme2.xml><?xml version="1.0" encoding="utf-8"?>
+<a:theme xmlns:a="http://schemas.openxmlformats.org/drawingml/2006/main" name="Office 主题​​">
+  <a:themeElements>
+    <a:clrScheme name="Office">
+      <a:dk1>
+        <a:sysClr val="windowText" lastClr="000000"/>
+      </a:dk1>
+      <a:lt1>
+        <a:sysClr val="window" lastClr="FFFFFF"/>
+      </a:lt1>
+      <a:dk2>
+        <a:srgbClr val="0E2841"/>
+      </a:dk2>
+      <a:lt2>
+        <a:srgbClr val="E8E8E8"/>
+      </a:lt2>
+      <a:accent1>
+        <a:srgbClr val="156082"/>
+      </a:accent1>
+      <a:accent2>
+        <a:srgbClr val="E97132"/>
+      </a:accent2>
+      <a:accent3>
+        <a:srgbClr val="196B24"/>
+      </a:accent3>
+      <a:accent4>
+        <a:srgbClr val="0F9ED5"/>
+      </a:accent4>
+      <a:accent5>
+        <a:srgbClr val="A02B93"/>
+      </a:accent5>
+      <a:accent6>
+        <a:srgbClr val="4EA72E"/>
+      </a:accent6>
+      <a:hlink>
+        <a:srgbClr val="467886"/>
+      </a:hlink>
+      <a:folHlink>
+        <a:srgbClr val="96607D"/>
+      </a:folHlink>
+    </a:clrScheme>
+    <a:fontScheme name="Office">
+      <a:majorFont>
+        <a:latin typeface="等线 Light" panose="02110004020202020204"/>
+        <a:ea typeface=""/>
+        <a:cs typeface=""/>
+        <a:font script="Jpan" typeface="游ゴシック Light"/>
+        <a:font script="Hang" typeface="맑은 고딕"/>
+        <a:font script="Hans" typeface="等线 Light"/>
+        <a:font script="Hant" typeface="新細明體"/>
+        <a:font script="Arab" typeface="Times New Roman"/>
+        <a:font script="Hebr" typeface="Times New Roman"/>
+        <a:font script="Thai" typeface="Angsana New"/>
+        <a:font script="Ethi" typeface="Nyala"/>
+        <a:font script="Beng" typeface="Vrinda"/>
+        <a:font script="Gujr" typeface="Shruti"/>
+        <a:font script="Khmr" typeface="MoolBoran"/>
+        <a:font script="Knda" typeface="Tunga"/>
+        <a:font script="Guru" typeface="Raavi"/>
+        <a:font script="Cans" typeface="Euphemia"/>
+        <a:font script="Cher" typeface="Plantagenet Cherokee"/>
+        <a:font script="Yiii" typeface="Microsoft Yi Baiti"/>
+        <a:font script="Tibt" typeface="Microsoft Himalaya"/>
+        <a:font script="Thaa" typeface="MV Boli"/>
+        <a:font script="Deva" typeface="Mangal"/>
+        <a:font script="Telu" typeface="Gautami"/>
+        <a:font script="Taml" typeface="Latha"/>
+        <a:font script="Syrc" typeface="Estrangelo Edessa"/>
+        <a:font script="Orya" typeface="Kalinga"/>
+        <a:font script="Mlym" typeface="Kartika"/>
+        <a:font script="Laoo" typeface="DokChampa"/>
+        <a:font script="Sinh" typeface="Iskoola Pota"/>
+        <a:font script="Mong" typeface="Mongolian Baiti"/>
+        <a:font script="Viet" typeface="Times New Roman"/>
+        <a:font script="Uigh" typeface="Microsoft Uighur"/>
+        <a:font script="Geor" typeface="Sylfaen"/>
+        <a:font script="Armn" typeface="Arial"/>
+        <a:font script="Bugi" typeface="Leelawadee UI"/>
+        <a:font script="Bopo" typeface="Microsoft JhengHei"/>
+        <a:font script="Java" typeface="Javanese Text"/>
+        <a:font script="Lisu" typeface="Segoe UI"/>
+        <a:font script="Mymr" typeface="Myanmar Text"/>
+        <a:font script="Nkoo" typeface="Ebrima"/>
+        <a:font script="Olck" typeface="Nirmala UI"/>
+        <a:font script="Osma" typeface="Ebrima"/>
+        <a:font script="Phag" typeface="Phagspa"/>
+        <a:font script="Syrn" typeface="Estrangelo Edessa"/>
+        <a:font script="Syrj" typeface="Estrangelo Edessa"/>
+        <a:font script="Syre" typeface="Estrangelo Edessa"/>
+        <a:font script="Sora" typeface="Nirmala UI"/>
+        <a:font script="Tale" typeface="Microsoft Tai Le"/>
+        <a:font script="Talu" typeface="Microsoft New Tai Lue"/>
+        <a:font script="Tfng" typeface="Ebrima"/>
+      </a:majorFont>
+      <a:minorFont>
+        <a:latin typeface="等线" panose="02110004020202020204"/>
+        <a:ea typeface=""/>
+        <a:cs typeface=""/>
+        <a:font script="Jpan" typeface="游ゴシック"/>
+        <a:font script="Hang" typeface="맑은 고딕"/>
+        <a:font script="Hans" typeface="等线"/>
+        <a:font script="Hant" typeface="新細明體"/>
+        <a:font script="Arab" typeface="Arial"/>
+        <a:font script="Hebr" typeface="Arial"/>
+        <a:font script="Thai" typeface="Cordia New"/>
+        <a:font script="Ethi" typeface="Nyala"/>
+        <a:font script="Beng" typeface="Vrinda"/>
+        <a:font script="Gujr" typeface="Shruti"/>
+        <a:font script="Khmr" typeface="DaunPenh"/>
+        <a:font script="Knda" typeface="Tunga"/>
+        <a:font script="Guru" typeface="Raavi"/>
+        <a:font script="Cans" typeface="Euphemia"/>
+        <a:font script="Cher" typeface="Plantagenet Cherokee"/>
+        <a:font script="Yiii" typeface="Microsoft Yi Baiti"/>
+        <a:font script="Tibt" typeface="Microsoft Himalaya"/>
+        <a:font script="Thaa" typeface="MV Boli"/>
+        <a:font script="Deva" typeface="Mangal"/>
+        <a:font script="Telu" typeface="Gautami"/>
+        <a:font script="Taml" typeface="Latha"/>
+        <a:font script="Syrc" typeface="Estrangelo Edessa"/>
+        <a:font script="Orya" typeface="Kalinga"/>
+        <a:font script="Mlym" typeface="Kartika"/>
+        <a:font script="Laoo" typeface="DokChampa"/>
+        <a:font script="Sinh" typeface="Iskoola Pota"/>
+        <a:font script="Mong" typeface="Mongolian Baiti"/>
+        <a:font script="Viet" typeface="Arial"/>
+        <a:font script="Uigh" typeface="Microsoft Uighur"/>
+        <a:font script="Geor" typeface="Sylfaen"/>
+        <a:font script="Armn" typeface="Arial"/>
+        <a:font script="Bugi" typeface="Leelawadee UI"/>
+        <a:font script="Bopo" typeface="Microsoft JhengHei"/>
+        <a:font script="Java" typeface="Javanese Text"/>
+        <a:font script="Lisu" typeface="Segoe UI"/>
+        <a:font script="Mymr" typeface="Myanmar Text"/>
+        <a:font script="Nkoo" typeface="Ebrima"/>
+        <a:font script="Olck" typeface="Nirmala UI"/>
+        <a:font script="Osma" typeface="Ebrima"/>
+        <a:font script="Phag" typeface="Phagspa"/>
+        <a:font script="Syrn" typeface="Estrangelo Edessa"/>
+        <a:font script="Syrj" typeface="Estrangelo Edessa"/>
+        <a:font script="Syre" typeface="Estrangelo Edessa"/>
+        <a:font script="Sora" typeface="Nirmala UI"/>
+        <a:font script="Tale" typeface="Microsoft Tai Le"/>
+        <a:font script="Talu" typeface="Microsoft New Tai Lue"/>
+        <a:font script="Tfng" typeface="Ebrima"/>
+      </a:minorFont>
+    </a:fontScheme>
+    <a:fmtScheme name="Office">
+      <a:fillStyleLst>
+        <a:solidFill>
+          <a:schemeClr val="phClr"/>
+        </a:solidFill>
+        <a:gradFill rotWithShape="1">
+          <a:gsLst>
+            <a:gs pos="0">
+              <a:schemeClr val="phClr">
+                <a:lumMod val="110000"/>
+                <a:satMod val="105000"/>
+                <a:tint val="67000"/>
+              </a:schemeClr>
+            </a:gs>
+            <a:gs pos="50000">
+              <a:schemeClr val="phClr">
+                <a:lumMod val="105000"/>
+                <a:satMod val="103000"/>
+                <a:tint val="73000"/>
+              </a:schemeClr>
+            </a:gs>
+            <a:gs pos="100000">
+              <a:schemeClr val="phClr">
+                <a:lumMod val="105000"/>
+                <a:satMod val="109000"/>
+                <a:tint val="81000"/>
+              </a:schemeClr>
+            </a:gs>
+          </a:gsLst>
+          <a:lin ang="5400000" scaled="0"/>
+        </a:gradFill>
+        <a:gradFill rotWithShape="1">
+          <a:gsLst>
+            <a:gs pos="0">
+              <a:schemeClr val="phClr">
+                <a:satMod val="103000"/>
+                <a:lumMod val="102000"/>
+                <a:tint val="94000"/>
+              </a:schemeClr>
+            </a:gs>
+            <a:gs pos="50000">
+              <a:schemeClr val="phClr">
+                <a:satMod val="110000"/>
+                <a:lumMod val="100000"/>
+                <a:shade val="100000"/>
+              </a:schemeClr>
+            </a:gs>
+            <a:gs pos="100000">
+              <a:schemeClr val="phClr">
+                <a:lumMod val="99000"/>
+                <a:satMod val="120000"/>
+                <a:shade val="78000"/>
+              </a:schemeClr>
+            </a:gs>
+          </a:gsLst>
+          <a:lin ang="5400000" scaled="0"/>
+        </a:gradFill>
+      </a:fillStyleLst>
+      <a:lnStyleLst>
+        <a:ln w="12700" cap="flat" cmpd="sng" algn="ctr">
+          <a:solidFill>
+            <a:schemeClr val="phClr"/>
+          </a:solidFill>
+          <a:prstDash val="solid"/>
+          <a:miter lim="800000"/>
+        </a:ln>
+        <a:ln w="19050" cap="flat" cmpd="sng" algn="ctr">
+          <a:solidFill>
+            <a:schemeClr val="phClr"/>
+          </a:solidFill>
+          <a:prstDash val="solid"/>
+          <a:miter lim="800000"/>
+        </a:ln>
+        <a:ln w="25400" cap="flat" cmpd="sng" algn="ctr">
+          <a:solidFill>
+            <a:schemeClr val="phClr"/>
+          </a:solidFill>
+          <a:prstDash val="solid"/>
+          <a:miter lim="800000"/>
+        </a:ln>
+      </a:lnStyleLst>
+      <a:effectStyleLst>
+        <a:effectStyle>
+          <a:effectLst/>
+        </a:effectStyle>
+        <a:effectStyle>
+          <a:effectLst/>
+        </a:effectStyle>
+        <a:effectStyle>
+          <a:effectLst>
+            <a:outerShdw blurRad="57150" dist="19050" dir="5400000" algn="ctr" rotWithShape="0">
+              <a:srgbClr val="000000">
+                <a:alpha val="63000"/>
+              </a:srgbClr>
+            </a:outerShdw>
+          </a:effectLst>
+        </a:effectStyle>
+      </a:effectStyleLst>
+      <a:bgFillStyleLst>
+        <a:solidFill>
+          <a:schemeClr val="phClr"/>
+        </a:solidFill>
+        <a:solidFill>
+          <a:schemeClr val="phClr">
+            <a:tint val="95000"/>
+            <a:satMod val="170000"/>
+          </a:schemeClr>
+        </a:solidFill>
+        <a:gradFill rotWithShape="1">
+          <a:gsLst>
+            <a:gs pos="0">
+              <a:schemeClr val="phClr">
+                <a:tint val="93000"/>
+                <a:satMod val="150000"/>
+                <a:shade val="98000"/>
+                <a:lumMod val="102000"/>
+              </a:schemeClr>
+            </a:gs>
+            <a:gs pos="50000">
+              <a:schemeClr val="phClr">
+                <a:tint val="98000"/>
+                <a:satMod val="130000"/>
+                <a:shade val="90000"/>
+                <a:lumMod val="103000"/>
+              </a:schemeClr>
+            </a:gs>
+            <a:gs pos="100000">
+              <a:schemeClr val="phClr">
+                <a:shade val="63000"/>
+                <a:satMod val="120000"/>
+              </a:schemeClr>
+            </a:gs>
+          </a:gsLst>
+          <a:lin ang="5400000" scaled="0"/>
+        </a:gradFill>
+      </a:bgFillStyleLst>
+    </a:fmtScheme>
+  </a:themeElements>
+  <a:objectDefaults>
+    <a:lnDef>
+      <a:spPr/>
+      <a:bodyPr/>
+      <a:lstStyle/>
+      <a:style>
+        <a:lnRef idx="2">
+          <a:schemeClr val="accent1"/>
+        </a:lnRef>
+        <a:fillRef idx="0">
+          <a:schemeClr val="accent1"/>
+        </a:fillRef>
+        <a:effectRef idx="1">
+          <a:schemeClr val="accent1"/>
+        </a:effectRef>
+        <a:fontRef idx="minor">
+          <a:schemeClr val="tx1"/>
+        </a:fontRef>
+      </a:style>
+    </a:lnDef>
+  </a:objectDefaults>
+  <a:extraClrSchemeLst/>
+  <a:extLst>
+    <a:ext uri="{05A4C25C-085E-4340-85A3-A5531E510DB2}">
+      <thm15:themeFamily xmlns:thm15="http://schemas.microsoft.com/office/thememl/2012/main" name="Office Theme" id="{2E142A2C-CD16-42D6-873A-C26D2A0506FA}" vid="{1BDDFF52-6CD6-40A5-AB3C-68EB2F1E4D0A}"/>
+    </a:ext>
+  </a:extLst>
+</a:theme>
 </file>
--- a/computer/database/database.pptx
+++ b/computer/database/database.pptx
@@ -201,7 +201,7 @@
           <a:p>
             <a:fld id="{4B34EB50-FBFF-D34A-A715-7643877794B6}" type="datetimeFigureOut">
               <a:rPr kumimoji="1" lang="zh-CN" altLang="en-US" smtClean="0"/>
-              <a:t>2025/12/8</a:t>
+              <a:t>2025/12/13</a:t>
             </a:fld>
             <a:endParaRPr kumimoji="1" lang="zh-CN" altLang="en-US"/>
           </a:p>
@@ -783,7 +783,7 @@
           <a:p>
             <a:fld id="{CC815592-B1F7-8B46-801D-F591E835BC0C}" type="datetimeFigureOut">
               <a:rPr kumimoji="1" lang="zh-CN" altLang="en-US" smtClean="0"/>
-              <a:t>2025/12/8</a:t>
+              <a:t>2025/12/13</a:t>
             </a:fld>
             <a:endParaRPr kumimoji="1" lang="zh-CN" altLang="en-US"/>
           </a:p>
@@ -981,7 +981,7 @@
           <a:p>
             <a:fld id="{CC815592-B1F7-8B46-801D-F591E835BC0C}" type="datetimeFigureOut">
               <a:rPr kumimoji="1" lang="zh-CN" altLang="en-US" smtClean="0"/>
-              <a:t>2025/12/8</a:t>
+              <a:t>2025/12/13</a:t>
             </a:fld>
             <a:endParaRPr kumimoji="1" lang="zh-CN" altLang="en-US"/>
           </a:p>
@@ -1189,7 +1189,7 @@
           <a:p>
             <a:fld id="{CC815592-B1F7-8B46-801D-F591E835BC0C}" type="datetimeFigureOut">
               <a:rPr kumimoji="1" lang="zh-CN" altLang="en-US" smtClean="0"/>
-              <a:t>2025/12/8</a:t>
+              <a:t>2025/12/13</a:t>
             </a:fld>
             <a:endParaRPr kumimoji="1" lang="zh-CN" altLang="en-US"/>
           </a:p>
@@ -1387,7 +1387,7 @@
           <a:p>
             <a:fld id="{CC815592-B1F7-8B46-801D-F591E835BC0C}" type="datetimeFigureOut">
               <a:rPr kumimoji="1" lang="zh-CN" altLang="en-US" smtClean="0"/>
-              <a:t>2025/12/8</a:t>
+              <a:t>2025/12/13</a:t>
             </a:fld>
             <a:endParaRPr kumimoji="1" lang="zh-CN" altLang="en-US"/>
           </a:p>
@@ -1662,7 +1662,7 @@
           <a:p>
             <a:fld id="{CC815592-B1F7-8B46-801D-F591E835BC0C}" type="datetimeFigureOut">
               <a:rPr kumimoji="1" lang="zh-CN" altLang="en-US" smtClean="0"/>
-              <a:t>2025/12/8</a:t>
+              <a:t>2025/12/13</a:t>
             </a:fld>
             <a:endParaRPr kumimoji="1" lang="zh-CN" altLang="en-US"/>
           </a:p>
@@ -1927,7 +1927,7 @@
           <a:p>
             <a:fld id="{CC815592-B1F7-8B46-801D-F591E835BC0C}" type="datetimeFigureOut">
               <a:rPr kumimoji="1" lang="zh-CN" altLang="en-US" smtClean="0"/>
-              <a:t>2025/12/8</a:t>
+              <a:t>2025/12/13</a:t>
             </a:fld>
             <a:endParaRPr kumimoji="1" lang="zh-CN" altLang="en-US"/>
           </a:p>
@@ -2339,7 +2339,7 @@
           <a:p>
             <a:fld id="{CC815592-B1F7-8B46-801D-F591E835BC0C}" type="datetimeFigureOut">
               <a:rPr kumimoji="1" lang="zh-CN" altLang="en-US" smtClean="0"/>
-              <a:t>2025/12/8</a:t>
+              <a:t>2025/12/13</a:t>
             </a:fld>
             <a:endParaRPr kumimoji="1" lang="zh-CN" altLang="en-US"/>
           </a:p>
@@ -2480,7 +2480,7 @@
           <a:p>
             <a:fld id="{CC815592-B1F7-8B46-801D-F591E835BC0C}" type="datetimeFigureOut">
               <a:rPr kumimoji="1" lang="zh-CN" altLang="en-US" smtClean="0"/>
-              <a:t>2025/12/8</a:t>
+              <a:t>2025/12/13</a:t>
             </a:fld>
             <a:endParaRPr kumimoji="1" lang="zh-CN" altLang="en-US"/>
           </a:p>
@@ -2593,7 +2593,7 @@
           <a:p>
             <a:fld id="{CC815592-B1F7-8B46-801D-F591E835BC0C}" type="datetimeFigureOut">
               <a:rPr kumimoji="1" lang="zh-CN" altLang="en-US" smtClean="0"/>
-              <a:t>2025/12/8</a:t>
+              <a:t>2025/12/13</a:t>
             </a:fld>
             <a:endParaRPr kumimoji="1" lang="zh-CN" altLang="en-US"/>
           </a:p>
@@ -2904,7 +2904,7 @@
           <a:p>
             <a:fld id="{CC815592-B1F7-8B46-801D-F591E835BC0C}" type="datetimeFigureOut">
               <a:rPr kumimoji="1" lang="zh-CN" altLang="en-US" smtClean="0"/>
-              <a:t>2025/12/8</a:t>
+              <a:t>2025/12/13</a:t>
             </a:fld>
             <a:endParaRPr kumimoji="1" lang="zh-CN" altLang="en-US"/>
           </a:p>
@@ -3192,7 +3192,7 @@
           <a:p>
             <a:fld id="{CC815592-B1F7-8B46-801D-F591E835BC0C}" type="datetimeFigureOut">
               <a:rPr kumimoji="1" lang="zh-CN" altLang="en-US" smtClean="0"/>
-              <a:t>2025/12/8</a:t>
+              <a:t>2025/12/13</a:t>
             </a:fld>
             <a:endParaRPr kumimoji="1" lang="zh-CN" altLang="en-US"/>
           </a:p>
@@ -3433,7 +3433,7 @@
           <a:p>
             <a:fld id="{CC815592-B1F7-8B46-801D-F591E835BC0C}" type="datetimeFigureOut">
               <a:rPr kumimoji="1" lang="zh-CN" altLang="en-US" smtClean="0"/>
-              <a:t>2025/12/8</a:t>
+              <a:t>2025/12/13</a:t>
             </a:fld>
             <a:endParaRPr kumimoji="1" lang="zh-CN" altLang="en-US"/>
           </a:p>
@@ -20917,7 +20917,7 @@
         </p:nvGrpSpPr>
         <p:grpSpPr>
           <a:xfrm>
-            <a:off x="618498" y="3192883"/>
+            <a:off x="558863" y="3810783"/>
             <a:ext cx="5235702" cy="3047217"/>
             <a:chOff x="618498" y="3192883"/>
             <a:chExt cx="5235702" cy="3047217"/>
@@ -21502,13 +21502,13 @@
           <p:nvPr>
             <p:extLst>
               <p:ext uri="{D42A27DB-BD31-4B8C-83A1-F6EECF244321}">
-                <p14:modId xmlns:p14="http://schemas.microsoft.com/office/powerpoint/2010/main" val="4185887751"/>
+                <p14:modId xmlns:p14="http://schemas.microsoft.com/office/powerpoint/2010/main" val="883396164"/>
               </p:ext>
             </p:extLst>
           </p:nvPr>
         </p:nvGraphicFramePr>
         <p:xfrm>
-          <a:off x="782682" y="331749"/>
+          <a:off x="1863020" y="885678"/>
           <a:ext cx="3589447" cy="1574666"/>
         </p:xfrm>
         <a:graphic>
@@ -21956,7 +21956,7 @@
         </p:nvSpPr>
         <p:spPr>
           <a:xfrm>
-            <a:off x="782682" y="-44906"/>
+            <a:off x="1863020" y="509023"/>
             <a:ext cx="1218240" cy="331749"/>
           </a:xfrm>
           <a:prstGeom prst="rect">
@@ -22007,7 +22007,7 @@
         </p:nvSpPr>
         <p:spPr>
           <a:xfrm>
-            <a:off x="1303601" y="2021889"/>
+            <a:off x="2383939" y="2575818"/>
             <a:ext cx="2381885" cy="330200"/>
           </a:xfrm>
           <a:prstGeom prst="rect">
@@ -22072,6 +22072,808 @@
               <a:latin typeface="Times New Roman"/>
               <a:cs typeface="Times New Roman"/>
             </a:endParaRPr>
+          </a:p>
+        </p:txBody>
+      </p:sp>
+      <p:graphicFrame>
+        <p:nvGraphicFramePr>
+          <p:cNvPr id="2" name="表格 1">
+            <a:extLst>
+              <a:ext uri="{FF2B5EF4-FFF2-40B4-BE49-F238E27FC236}">
+                <a16:creationId xmlns:a16="http://schemas.microsoft.com/office/drawing/2014/main" id="{AE1E76FC-5874-3018-0EA3-804F55AD1EFA}"/>
+              </a:ext>
+            </a:extLst>
+          </p:cNvPr>
+          <p:cNvGraphicFramePr>
+            <a:graphicFrameLocks noGrp="1"/>
+          </p:cNvGraphicFramePr>
+          <p:nvPr>
+            <p:extLst>
+              <p:ext uri="{D42A27DB-BD31-4B8C-83A1-F6EECF244321}">
+                <p14:modId xmlns:p14="http://schemas.microsoft.com/office/powerpoint/2010/main" val="4216670402"/>
+              </p:ext>
+            </p:extLst>
+          </p:nvPr>
+        </p:nvGraphicFramePr>
+        <p:xfrm>
+          <a:off x="6096000" y="539602"/>
+          <a:ext cx="3589447" cy="2189142"/>
+        </p:xfrm>
+        <a:graphic>
+          <a:graphicData uri="http://schemas.openxmlformats.org/drawingml/2006/table">
+            <a:tbl>
+              <a:tblPr firstRow="1" bandRow="1">
+                <a:tableStyleId>{3B4B98B0-60AC-42C2-AFA5-B58CD77FA1E5}</a:tableStyleId>
+              </a:tblPr>
+              <a:tblGrid>
+                <a:gridCol w="523163">
+                  <a:extLst>
+                    <a:ext uri="{9D8B030D-6E8A-4147-A177-3AD203B41FA5}">
+                      <a16:colId xmlns:a16="http://schemas.microsoft.com/office/drawing/2014/main" val="1459682515"/>
+                    </a:ext>
+                  </a:extLst>
+                </a:gridCol>
+                <a:gridCol w="753036">
+                  <a:extLst>
+                    <a:ext uri="{9D8B030D-6E8A-4147-A177-3AD203B41FA5}">
+                      <a16:colId xmlns:a16="http://schemas.microsoft.com/office/drawing/2014/main" val="3454614319"/>
+                    </a:ext>
+                  </a:extLst>
+                </a:gridCol>
+                <a:gridCol w="806823">
+                  <a:extLst>
+                    <a:ext uri="{9D8B030D-6E8A-4147-A177-3AD203B41FA5}">
+                      <a16:colId xmlns:a16="http://schemas.microsoft.com/office/drawing/2014/main" val="86062236"/>
+                    </a:ext>
+                  </a:extLst>
+                </a:gridCol>
+                <a:gridCol w="494852">
+                  <a:extLst>
+                    <a:ext uri="{9D8B030D-6E8A-4147-A177-3AD203B41FA5}">
+                      <a16:colId xmlns:a16="http://schemas.microsoft.com/office/drawing/2014/main" val="3990395669"/>
+                    </a:ext>
+                  </a:extLst>
+                </a:gridCol>
+                <a:gridCol w="1011573">
+                  <a:extLst>
+                    <a:ext uri="{9D8B030D-6E8A-4147-A177-3AD203B41FA5}">
+                      <a16:colId xmlns:a16="http://schemas.microsoft.com/office/drawing/2014/main" val="882775375"/>
+                    </a:ext>
+                  </a:extLst>
+                </a:gridCol>
+              </a:tblGrid>
+              <a:tr h="391986">
+                <a:tc rowSpan="2">
+                  <a:txBody>
+                    <a:bodyPr/>
+                    <a:lstStyle/>
+                    <a:p>
+                      <a:pPr algn="ctr"/>
+                      <a:r>
+                        <a:rPr lang="en-US" altLang="zh-CN" sz="1100" dirty="0" err="1"/>
+                        <a:t>sid</a:t>
+                      </a:r>
+                      <a:endParaRPr lang="zh-CN" altLang="en-US" sz="1100" dirty="0"/>
+                    </a:p>
+                  </a:txBody>
+                  <a:tcPr/>
+                </a:tc>
+                <a:tc gridSpan="2">
+                  <a:txBody>
+                    <a:bodyPr/>
+                    <a:lstStyle/>
+                    <a:p>
+                      <a:pPr algn="ctr"/>
+                      <a:r>
+                        <a:rPr lang="en-US" altLang="zh-CN" sz="1100" dirty="0"/>
+                        <a:t>name</a:t>
+                      </a:r>
+                      <a:endParaRPr lang="zh-CN" altLang="en-US" sz="1100" dirty="0"/>
+                    </a:p>
+                  </a:txBody>
+                  <a:tcPr/>
+                </a:tc>
+                <a:tc hMerge="1">
+                  <a:txBody>
+                    <a:bodyPr/>
+                    <a:lstStyle/>
+                    <a:p>
+                      <a:endParaRPr lang="zh-CN" altLang="en-US" sz="1100" dirty="0"/>
+                    </a:p>
+                  </a:txBody>
+                  <a:tcPr/>
+                </a:tc>
+                <a:tc rowSpan="2">
+                  <a:txBody>
+                    <a:bodyPr/>
+                    <a:lstStyle/>
+                    <a:p>
+                      <a:pPr algn="ctr"/>
+                      <a:r>
+                        <a:rPr lang="en-US" altLang="zh-CN" sz="1100" dirty="0"/>
+                        <a:t>class</a:t>
+                      </a:r>
+                      <a:endParaRPr lang="zh-CN" altLang="en-US" sz="1100" dirty="0"/>
+                    </a:p>
+                  </a:txBody>
+                  <a:tcPr/>
+                </a:tc>
+                <a:tc rowSpan="2">
+                  <a:txBody>
+                    <a:bodyPr/>
+                    <a:lstStyle/>
+                    <a:p>
+                      <a:pPr algn="ctr"/>
+                      <a:r>
+                        <a:rPr lang="en-US" altLang="zh-CN" sz="1100" dirty="0"/>
+                        <a:t>telephone</a:t>
+                      </a:r>
+                      <a:endParaRPr lang="zh-CN" altLang="en-US" sz="1100" dirty="0"/>
+                    </a:p>
+                  </a:txBody>
+                  <a:tcPr/>
+                </a:tc>
+                <a:extLst>
+                  <a:ext uri="{0D108BD9-81ED-4DB2-BD59-A6C34878D82A}">
+                    <a16:rowId xmlns:a16="http://schemas.microsoft.com/office/drawing/2014/main" val="119705065"/>
+                  </a:ext>
+                </a:extLst>
+              </a:tr>
+              <a:tr h="391986">
+                <a:tc vMerge="1">
+                  <a:txBody>
+                    <a:bodyPr/>
+                    <a:lstStyle/>
+                    <a:p>
+                      <a:endParaRPr dirty="0"/>
+                    </a:p>
+                  </a:txBody>
+                  <a:tcPr/>
+                </a:tc>
+                <a:tc>
+                  <a:txBody>
+                    <a:bodyPr/>
+                    <a:lstStyle/>
+                    <a:p>
+                      <a:pPr algn="ctr"/>
+                      <a:r>
+                        <a:rPr lang="en-US" altLang="zh-CN" sz="1100" dirty="0" err="1"/>
+                        <a:t>Iname</a:t>
+                      </a:r>
+                      <a:endParaRPr lang="zh-CN" altLang="en-US" sz="1100" dirty="0"/>
+                    </a:p>
+                  </a:txBody>
+                  <a:tcPr/>
+                </a:tc>
+                <a:tc>
+                  <a:txBody>
+                    <a:bodyPr/>
+                    <a:lstStyle/>
+                    <a:p>
+                      <a:pPr algn="ctr"/>
+                      <a:r>
+                        <a:rPr lang="en-US" altLang="zh-CN" sz="1100" dirty="0" err="1"/>
+                        <a:t>Fname</a:t>
+                      </a:r>
+                      <a:endParaRPr lang="zh-CN" altLang="en-US" sz="1100" dirty="0"/>
+                    </a:p>
+                  </a:txBody>
+                  <a:tcPr/>
+                </a:tc>
+                <a:tc vMerge="1">
+                  <a:txBody>
+                    <a:bodyPr/>
+                    <a:lstStyle/>
+                    <a:p>
+                      <a:endParaRPr dirty="0"/>
+                    </a:p>
+                  </a:txBody>
+                  <a:tcPr/>
+                </a:tc>
+                <a:tc vMerge="1">
+                  <a:txBody>
+                    <a:bodyPr/>
+                    <a:lstStyle/>
+                    <a:p>
+                      <a:endParaRPr dirty="0"/>
+                    </a:p>
+                  </a:txBody>
+                  <a:tcPr/>
+                </a:tc>
+                <a:extLst>
+                  <a:ext uri="{0D108BD9-81ED-4DB2-BD59-A6C34878D82A}">
+                    <a16:rowId xmlns:a16="http://schemas.microsoft.com/office/drawing/2014/main" val="533283098"/>
+                  </a:ext>
+                </a:extLst>
+              </a:tr>
+              <a:tr h="295670">
+                <a:tc>
+                  <a:txBody>
+                    <a:bodyPr/>
+                    <a:lstStyle/>
+                    <a:p>
+                      <a:r>
+                        <a:rPr lang="en-US" altLang="zh-CN" sz="1100" dirty="0"/>
+                        <a:t>1</a:t>
+                      </a:r>
+                      <a:endParaRPr lang="zh-CN" altLang="en-US" sz="1100" dirty="0"/>
+                    </a:p>
+                  </a:txBody>
+                  <a:tcPr/>
+                </a:tc>
+                <a:tc>
+                  <a:txBody>
+                    <a:bodyPr/>
+                    <a:lstStyle/>
+                    <a:p>
+                      <a:r>
+                        <a:rPr lang="en-US" altLang="zh-CN" sz="1100" dirty="0"/>
+                        <a:t>Jones</a:t>
+                      </a:r>
+                      <a:endParaRPr lang="zh-CN" altLang="en-US" sz="1100" dirty="0"/>
+                    </a:p>
+                  </a:txBody>
+                  <a:tcPr/>
+                </a:tc>
+                <a:tc>
+                  <a:txBody>
+                    <a:bodyPr/>
+                    <a:lstStyle/>
+                    <a:p>
+                      <a:r>
+                        <a:rPr lang="en-US" altLang="zh-CN" sz="1100" dirty="0"/>
+                        <a:t>Allan</a:t>
+                      </a:r>
+                      <a:endParaRPr lang="zh-CN" altLang="en-US" sz="1100" dirty="0"/>
+                    </a:p>
+                  </a:txBody>
+                  <a:tcPr/>
+                </a:tc>
+                <a:tc>
+                  <a:txBody>
+                    <a:bodyPr/>
+                    <a:lstStyle/>
+                    <a:p>
+                      <a:r>
+                        <a:rPr lang="en-US" altLang="zh-CN" sz="1100" dirty="0"/>
+                        <a:t>2</a:t>
+                      </a:r>
+                      <a:endParaRPr lang="zh-CN" altLang="en-US" sz="1100" dirty="0"/>
+                    </a:p>
+                  </a:txBody>
+                  <a:tcPr/>
+                </a:tc>
+                <a:tc>
+                  <a:txBody>
+                    <a:bodyPr/>
+                    <a:lstStyle/>
+                    <a:p>
+                      <a:r>
+                        <a:rPr lang="en-US" altLang="zh-CN" sz="1100" dirty="0"/>
+                        <a:t>555-1234</a:t>
+                      </a:r>
+                      <a:endParaRPr lang="zh-CN" altLang="en-US" sz="1100" dirty="0"/>
+                    </a:p>
+                  </a:txBody>
+                  <a:tcPr/>
+                </a:tc>
+                <a:extLst>
+                  <a:ext uri="{0D108BD9-81ED-4DB2-BD59-A6C34878D82A}">
+                    <a16:rowId xmlns:a16="http://schemas.microsoft.com/office/drawing/2014/main" val="1840377033"/>
+                  </a:ext>
+                </a:extLst>
+              </a:tr>
+              <a:tr h="295670">
+                <a:tc>
+                  <a:txBody>
+                    <a:bodyPr/>
+                    <a:lstStyle/>
+                    <a:p>
+                      <a:r>
+                        <a:rPr lang="en-US" altLang="zh-CN" sz="1100" dirty="0"/>
+                        <a:t>2</a:t>
+                      </a:r>
+                      <a:endParaRPr lang="zh-CN" altLang="en-US" sz="1100" dirty="0"/>
+                    </a:p>
+                  </a:txBody>
+                  <a:tcPr/>
+                </a:tc>
+                <a:tc>
+                  <a:txBody>
+                    <a:bodyPr/>
+                    <a:lstStyle/>
+                    <a:p>
+                      <a:r>
+                        <a:rPr lang="en-US" altLang="zh-CN" sz="1100" dirty="0"/>
+                        <a:t>Smith</a:t>
+                      </a:r>
+                      <a:endParaRPr lang="zh-CN" altLang="en-US" sz="1100" dirty="0"/>
+                    </a:p>
+                  </a:txBody>
+                  <a:tcPr/>
+                </a:tc>
+                <a:tc>
+                  <a:txBody>
+                    <a:bodyPr/>
+                    <a:lstStyle/>
+                    <a:p>
+                      <a:r>
+                        <a:rPr lang="en-US" altLang="zh-CN" sz="1100" dirty="0"/>
+                        <a:t>John</a:t>
+                      </a:r>
+                    </a:p>
+                  </a:txBody>
+                  <a:tcPr/>
+                </a:tc>
+                <a:tc>
+                  <a:txBody>
+                    <a:bodyPr/>
+                    <a:lstStyle/>
+                    <a:p>
+                      <a:r>
+                        <a:rPr lang="en-US" altLang="zh-CN" sz="1100" dirty="0"/>
+                        <a:t>3</a:t>
+                      </a:r>
+                      <a:endParaRPr lang="zh-CN" altLang="en-US" sz="1100" dirty="0"/>
+                    </a:p>
+                  </a:txBody>
+                  <a:tcPr/>
+                </a:tc>
+                <a:tc>
+                  <a:txBody>
+                    <a:bodyPr/>
+                    <a:lstStyle/>
+                    <a:p>
+                      <a:r>
+                        <a:rPr lang="en-US" altLang="zh-CN" sz="1100" dirty="0"/>
+                        <a:t>555-4321</a:t>
+                      </a:r>
+                      <a:endParaRPr lang="zh-CN" altLang="en-US" sz="1100" dirty="0"/>
+                    </a:p>
+                  </a:txBody>
+                  <a:tcPr/>
+                </a:tc>
+                <a:extLst>
+                  <a:ext uri="{0D108BD9-81ED-4DB2-BD59-A6C34878D82A}">
+                    <a16:rowId xmlns:a16="http://schemas.microsoft.com/office/drawing/2014/main" val="3233715852"/>
+                  </a:ext>
+                </a:extLst>
+              </a:tr>
+              <a:tr h="295670">
+                <a:tc>
+                  <a:txBody>
+                    <a:bodyPr/>
+                    <a:lstStyle/>
+                    <a:p>
+                      <a:r>
+                        <a:rPr lang="en-US" altLang="zh-CN" sz="1100" dirty="0"/>
+                        <a:t>3</a:t>
+                      </a:r>
+                      <a:endParaRPr lang="zh-CN" altLang="en-US" sz="1100" dirty="0"/>
+                    </a:p>
+                  </a:txBody>
+                  <a:tcPr/>
+                </a:tc>
+                <a:tc>
+                  <a:txBody>
+                    <a:bodyPr/>
+                    <a:lstStyle/>
+                    <a:p>
+                      <a:r>
+                        <a:rPr lang="en-US" altLang="zh-CN" sz="1100" dirty="0"/>
+                        <a:t>Brown</a:t>
+                      </a:r>
+                      <a:endParaRPr lang="zh-CN" altLang="en-US" sz="1100" dirty="0"/>
+                    </a:p>
+                  </a:txBody>
+                  <a:tcPr/>
+                </a:tc>
+                <a:tc>
+                  <a:txBody>
+                    <a:bodyPr/>
+                    <a:lstStyle/>
+                    <a:p>
+                      <a:r>
+                        <a:rPr lang="en-US" altLang="zh-CN" sz="1100" dirty="0"/>
+                        <a:t>Harry</a:t>
+                      </a:r>
+                      <a:endParaRPr lang="zh-CN" altLang="en-US" sz="1100" dirty="0"/>
+                    </a:p>
+                  </a:txBody>
+                  <a:tcPr/>
+                </a:tc>
+                <a:tc>
+                  <a:txBody>
+                    <a:bodyPr/>
+                    <a:lstStyle/>
+                    <a:p>
+                      <a:r>
+                        <a:rPr lang="en-US" altLang="zh-CN" sz="1100" dirty="0"/>
+                        <a:t>2</a:t>
+                      </a:r>
+                      <a:endParaRPr lang="zh-CN" altLang="en-US" sz="1100" dirty="0"/>
+                    </a:p>
+                  </a:txBody>
+                  <a:tcPr/>
+                </a:tc>
+                <a:tc>
+                  <a:txBody>
+                    <a:bodyPr/>
+                    <a:lstStyle/>
+                    <a:p>
+                      <a:r>
+                        <a:rPr lang="en-US" altLang="zh-CN" sz="1100" dirty="0"/>
+                        <a:t>555-1122</a:t>
+                      </a:r>
+                      <a:endParaRPr lang="zh-CN" altLang="en-US" sz="1100" dirty="0"/>
+                    </a:p>
+                  </a:txBody>
+                  <a:tcPr/>
+                </a:tc>
+                <a:extLst>
+                  <a:ext uri="{0D108BD9-81ED-4DB2-BD59-A6C34878D82A}">
+                    <a16:rowId xmlns:a16="http://schemas.microsoft.com/office/drawing/2014/main" val="127112655"/>
+                  </a:ext>
+                </a:extLst>
+              </a:tr>
+              <a:tr h="147835">
+                <a:tc rowSpan="2">
+                  <a:txBody>
+                    <a:bodyPr/>
+                    <a:lstStyle/>
+                    <a:p>
+                      <a:r>
+                        <a:rPr lang="en-US" altLang="zh-CN" sz="1100" dirty="0"/>
+                        <a:t>5</a:t>
+                      </a:r>
+                      <a:endParaRPr lang="zh-CN" altLang="en-US" sz="1100" dirty="0"/>
+                    </a:p>
+                  </a:txBody>
+                  <a:tcPr/>
+                </a:tc>
+                <a:tc rowSpan="2">
+                  <a:txBody>
+                    <a:bodyPr/>
+                    <a:lstStyle/>
+                    <a:p>
+                      <a:r>
+                        <a:rPr lang="en-US" altLang="zh-CN" sz="1100" dirty="0"/>
+                        <a:t>White</a:t>
+                      </a:r>
+                      <a:endParaRPr lang="zh-CN" altLang="en-US" sz="1100" dirty="0"/>
+                    </a:p>
+                  </a:txBody>
+                  <a:tcPr/>
+                </a:tc>
+                <a:tc rowSpan="2">
+                  <a:txBody>
+                    <a:bodyPr/>
+                    <a:lstStyle/>
+                    <a:p>
+                      <a:r>
+                        <a:rPr lang="en-US" altLang="zh-CN" sz="1100" dirty="0"/>
+                        <a:t>Edward</a:t>
+                      </a:r>
+                      <a:endParaRPr lang="zh-CN" altLang="en-US" sz="1100" dirty="0"/>
+                    </a:p>
+                  </a:txBody>
+                  <a:tcPr/>
+                </a:tc>
+                <a:tc rowSpan="2">
+                  <a:txBody>
+                    <a:bodyPr/>
+                    <a:lstStyle/>
+                    <a:p>
+                      <a:r>
+                        <a:rPr lang="en-US" altLang="zh-CN" sz="1100" dirty="0"/>
+                        <a:t>3</a:t>
+                      </a:r>
+                      <a:endParaRPr lang="zh-CN" altLang="en-US" sz="1100" dirty="0"/>
+                    </a:p>
+                  </a:txBody>
+                  <a:tcPr/>
+                </a:tc>
+                <a:tc>
+                  <a:txBody>
+                    <a:bodyPr/>
+                    <a:lstStyle/>
+                    <a:p>
+                      <a:r>
+                        <a:rPr lang="en-US" altLang="zh-CN" sz="1100" dirty="0"/>
+                        <a:t>555-3344</a:t>
+                      </a:r>
+                      <a:endParaRPr lang="zh-CN" altLang="en-US" sz="1100" dirty="0"/>
+                    </a:p>
+                  </a:txBody>
+                  <a:tcPr/>
+                </a:tc>
+                <a:extLst>
+                  <a:ext uri="{0D108BD9-81ED-4DB2-BD59-A6C34878D82A}">
+                    <a16:rowId xmlns:a16="http://schemas.microsoft.com/office/drawing/2014/main" val="3477810236"/>
+                  </a:ext>
+                </a:extLst>
+              </a:tr>
+              <a:tr h="147835">
+                <a:tc vMerge="1">
+                  <a:txBody>
+                    <a:bodyPr/>
+                    <a:lstStyle/>
+                    <a:p>
+                      <a:endParaRPr lang="zh-CN" altLang="en-US"/>
+                    </a:p>
+                  </a:txBody>
+                  <a:tcPr/>
+                </a:tc>
+                <a:tc vMerge="1">
+                  <a:txBody>
+                    <a:bodyPr/>
+                    <a:lstStyle/>
+                    <a:p>
+                      <a:endParaRPr lang="zh-CN" altLang="en-US"/>
+                    </a:p>
+                  </a:txBody>
+                  <a:tcPr/>
+                </a:tc>
+                <a:tc vMerge="1">
+                  <a:txBody>
+                    <a:bodyPr/>
+                    <a:lstStyle/>
+                    <a:p>
+                      <a:endParaRPr lang="zh-CN" altLang="en-US"/>
+                    </a:p>
+                  </a:txBody>
+                  <a:tcPr/>
+                </a:tc>
+                <a:tc vMerge="1">
+                  <a:txBody>
+                    <a:bodyPr/>
+                    <a:lstStyle/>
+                    <a:p>
+                      <a:endParaRPr lang="zh-CN" altLang="en-US"/>
+                    </a:p>
+                  </a:txBody>
+                  <a:tcPr/>
+                </a:tc>
+                <a:tc>
+                  <a:txBody>
+                    <a:bodyPr/>
+                    <a:lstStyle/>
+                    <a:p>
+                      <a:r>
+                        <a:rPr lang="en-US" altLang="zh-CN" sz="1100" dirty="0"/>
+                        <a:t>555-3456</a:t>
+                      </a:r>
+                      <a:endParaRPr lang="zh-CN" altLang="en-US" sz="1100" dirty="0"/>
+                    </a:p>
+                  </a:txBody>
+                  <a:tcPr/>
+                </a:tc>
+                <a:extLst>
+                  <a:ext uri="{0D108BD9-81ED-4DB2-BD59-A6C34878D82A}">
+                    <a16:rowId xmlns:a16="http://schemas.microsoft.com/office/drawing/2014/main" val="3193535152"/>
+                  </a:ext>
+                </a:extLst>
+              </a:tr>
+            </a:tbl>
+          </a:graphicData>
+        </a:graphic>
+      </p:graphicFrame>
+      <p:sp>
+        <p:nvSpPr>
+          <p:cNvPr id="6" name="object 8">
+            <a:extLst>
+              <a:ext uri="{FF2B5EF4-FFF2-40B4-BE49-F238E27FC236}">
+                <a16:creationId xmlns:a16="http://schemas.microsoft.com/office/drawing/2014/main" id="{4EE1AEBE-E8BF-D7A9-5AFD-F8DF154A4115}"/>
+              </a:ext>
+            </a:extLst>
+          </p:cNvPr>
+          <p:cNvSpPr txBox="1"/>
+          <p:nvPr/>
+        </p:nvSpPr>
+        <p:spPr>
+          <a:xfrm>
+            <a:off x="6989341" y="2895691"/>
+            <a:ext cx="1802764" cy="619125"/>
+          </a:xfrm>
+          <a:prstGeom prst="rect">
+            <a:avLst/>
+          </a:prstGeom>
+        </p:spPr>
+        <p:txBody>
+          <a:bodyPr vert="horz" wrap="square" lIns="0" tIns="12065" rIns="0" bIns="0" rtlCol="0">
+            <a:spAutoFit/>
+          </a:bodyPr>
+          <a:lstStyle/>
+          <a:p>
+            <a:pPr algn="ctr">
+              <a:lnSpc>
+                <a:spcPts val="2335"/>
+              </a:lnSpc>
+              <a:spcBef>
+                <a:spcPts val="95"/>
+              </a:spcBef>
+            </a:pPr>
+            <a:r>
+              <a:rPr sz="2000" b="1" spc="-25" dirty="0">
+                <a:solidFill>
+                  <a:srgbClr val="FF0065"/>
+                </a:solidFill>
+                <a:latin typeface="Kaiti SC Black"/>
+                <a:cs typeface="Kaiti SC Black"/>
+              </a:rPr>
+              <a:t>不符合第一范式</a:t>
+            </a:r>
+            <a:endParaRPr sz="2000" dirty="0">
+              <a:latin typeface="Kaiti SC Black"/>
+              <a:cs typeface="Kaiti SC Black"/>
+            </a:endParaRPr>
+          </a:p>
+          <a:p>
+            <a:pPr algn="ctr">
+              <a:lnSpc>
+                <a:spcPts val="2335"/>
+              </a:lnSpc>
+            </a:pPr>
+            <a:r>
+              <a:rPr sz="2000" b="1" dirty="0">
+                <a:solidFill>
+                  <a:srgbClr val="FF0065"/>
+                </a:solidFill>
+                <a:latin typeface="Times New Roman"/>
+                <a:cs typeface="Times New Roman"/>
+              </a:rPr>
+              <a:t>(</a:t>
+            </a:r>
+            <a:r>
+              <a:rPr sz="2000" b="1" dirty="0">
+                <a:solidFill>
+                  <a:srgbClr val="FF0065"/>
+                </a:solidFill>
+                <a:latin typeface="Arial"/>
+                <a:cs typeface="Arial"/>
+              </a:rPr>
+              <a:t>Not</a:t>
+            </a:r>
+            <a:r>
+              <a:rPr sz="2000" b="1" spc="-35" dirty="0">
+                <a:solidFill>
+                  <a:srgbClr val="FF0065"/>
+                </a:solidFill>
+                <a:latin typeface="Arial"/>
+                <a:cs typeface="Arial"/>
+              </a:rPr>
+              <a:t> </a:t>
+            </a:r>
+            <a:r>
+              <a:rPr sz="2000" b="1" spc="-10" dirty="0">
+                <a:solidFill>
+                  <a:srgbClr val="FF0065"/>
+                </a:solidFill>
+                <a:latin typeface="Arial"/>
+                <a:cs typeface="Arial"/>
+              </a:rPr>
+              <a:t>Table</a:t>
+            </a:r>
+            <a:r>
+              <a:rPr sz="2000" b="1" spc="-10" dirty="0">
+                <a:solidFill>
+                  <a:srgbClr val="FF0065"/>
+                </a:solidFill>
+                <a:latin typeface="Times New Roman"/>
+                <a:cs typeface="Times New Roman"/>
+              </a:rPr>
+              <a:t>)</a:t>
+            </a:r>
+            <a:endParaRPr sz="2000" dirty="0">
+              <a:latin typeface="Times New Roman"/>
+              <a:cs typeface="Times New Roman"/>
+            </a:endParaRPr>
+          </a:p>
+        </p:txBody>
+      </p:sp>
+      <p:sp>
+        <p:nvSpPr>
+          <p:cNvPr id="11" name="椭圆 10">
+            <a:extLst>
+              <a:ext uri="{FF2B5EF4-FFF2-40B4-BE49-F238E27FC236}">
+                <a16:creationId xmlns:a16="http://schemas.microsoft.com/office/drawing/2014/main" id="{508F7C8F-C76D-57B1-C1EF-F53361B24131}"/>
+              </a:ext>
+            </a:extLst>
+          </p:cNvPr>
+          <p:cNvSpPr/>
+          <p:nvPr/>
+        </p:nvSpPr>
+        <p:spPr>
+          <a:xfrm>
+            <a:off x="6589304" y="432453"/>
+            <a:ext cx="1624405" cy="902807"/>
+          </a:xfrm>
+          <a:prstGeom prst="ellipse">
+            <a:avLst/>
+          </a:prstGeom>
+          <a:noFill/>
+          <a:ln w="28575">
+            <a:solidFill>
+              <a:srgbClr val="FF0000"/>
+            </a:solidFill>
+            <a:prstDash val="sysDash"/>
+          </a:ln>
+        </p:spPr>
+        <p:style>
+          <a:lnRef idx="2">
+            <a:schemeClr val="accent1">
+              <a:shade val="15000"/>
+            </a:schemeClr>
+          </a:lnRef>
+          <a:fillRef idx="1">
+            <a:schemeClr val="accent1"/>
+          </a:fillRef>
+          <a:effectRef idx="0">
+            <a:schemeClr val="accent1"/>
+          </a:effectRef>
+          <a:fontRef idx="minor">
+            <a:schemeClr val="lt1"/>
+          </a:fontRef>
+        </p:style>
+        <p:txBody>
+          <a:bodyPr rtlCol="0" anchor="ctr"/>
+          <a:lstStyle/>
+          <a:p>
+            <a:pPr algn="ctr"/>
+            <a:endParaRPr kumimoji="1" lang="zh-CN" altLang="en-US"/>
+          </a:p>
+        </p:txBody>
+      </p:sp>
+      <p:sp>
+        <p:nvSpPr>
+          <p:cNvPr id="12" name="椭圆 11">
+            <a:extLst>
+              <a:ext uri="{FF2B5EF4-FFF2-40B4-BE49-F238E27FC236}">
+                <a16:creationId xmlns:a16="http://schemas.microsoft.com/office/drawing/2014/main" id="{9A124B2C-D2FF-2B0A-FDC4-1AC5F54D2143}"/>
+              </a:ext>
+            </a:extLst>
+          </p:cNvPr>
+          <p:cNvSpPr/>
+          <p:nvPr/>
+        </p:nvSpPr>
+        <p:spPr>
+          <a:xfrm>
+            <a:off x="8398381" y="2195533"/>
+            <a:ext cx="1624405" cy="533211"/>
+          </a:xfrm>
+          <a:prstGeom prst="ellipse">
+            <a:avLst/>
+          </a:prstGeom>
+          <a:noFill/>
+          <a:ln w="28575">
+            <a:solidFill>
+              <a:srgbClr val="FF0000"/>
+            </a:solidFill>
+            <a:prstDash val="sysDash"/>
+          </a:ln>
+        </p:spPr>
+        <p:style>
+          <a:lnRef idx="2">
+            <a:schemeClr val="accent1">
+              <a:shade val="15000"/>
+            </a:schemeClr>
+          </a:lnRef>
+          <a:fillRef idx="1">
+            <a:schemeClr val="accent1"/>
+          </a:fillRef>
+          <a:effectRef idx="0">
+            <a:schemeClr val="accent1"/>
+          </a:effectRef>
+          <a:fontRef idx="minor">
+            <a:schemeClr val="lt1"/>
+          </a:fontRef>
+        </p:style>
+        <p:txBody>
+          <a:bodyPr rtlCol="0" anchor="ctr"/>
+          <a:lstStyle/>
+          <a:p>
+            <a:pPr algn="ctr"/>
+            <a:endParaRPr kumimoji="1" lang="zh-CN" altLang="en-US"/>
           </a:p>
         </p:txBody>
       </p:sp>
@@ -22756,6 +23558,1364 @@
           <a:chExt cx="0" cy="0"/>
         </a:xfrm>
       </p:grpSpPr>
+      <p:grpSp>
+        <p:nvGrpSpPr>
+          <p:cNvPr id="24" name="组合 23">
+            <a:extLst>
+              <a:ext uri="{FF2B5EF4-FFF2-40B4-BE49-F238E27FC236}">
+                <a16:creationId xmlns:a16="http://schemas.microsoft.com/office/drawing/2014/main" id="{C5D78D89-7EBE-8E6E-4FF1-894E2A815946}"/>
+              </a:ext>
+            </a:extLst>
+          </p:cNvPr>
+          <p:cNvGrpSpPr/>
+          <p:nvPr/>
+        </p:nvGrpSpPr>
+        <p:grpSpPr>
+          <a:xfrm>
+            <a:off x="1453152" y="1325027"/>
+            <a:ext cx="7972349" cy="4552569"/>
+            <a:chOff x="1453152" y="1325027"/>
+            <a:chExt cx="7972349" cy="4552569"/>
+          </a:xfrm>
+        </p:grpSpPr>
+        <p:pic>
+          <p:nvPicPr>
+            <p:cNvPr id="2" name="object 4">
+              <a:extLst>
+                <a:ext uri="{FF2B5EF4-FFF2-40B4-BE49-F238E27FC236}">
+                  <a16:creationId xmlns:a16="http://schemas.microsoft.com/office/drawing/2014/main" id="{5C54C2F2-35F4-5DCE-C657-611D01589DEB}"/>
+                </a:ext>
+              </a:extLst>
+            </p:cNvPr>
+            <p:cNvPicPr/>
+            <p:nvPr/>
+          </p:nvPicPr>
+          <p:blipFill>
+            <a:blip r:embed="rId2" cstate="print"/>
+            <a:stretch>
+              <a:fillRect/>
+            </a:stretch>
+          </p:blipFill>
+          <p:spPr>
+            <a:xfrm>
+              <a:off x="1453152" y="2387445"/>
+              <a:ext cx="1619250" cy="3095244"/>
+            </a:xfrm>
+            <a:prstGeom prst="rect">
+              <a:avLst/>
+            </a:prstGeom>
+          </p:spPr>
+        </p:pic>
+        <p:grpSp>
+          <p:nvGrpSpPr>
+            <p:cNvPr id="3" name="object 5">
+              <a:extLst>
+                <a:ext uri="{FF2B5EF4-FFF2-40B4-BE49-F238E27FC236}">
+                  <a16:creationId xmlns:a16="http://schemas.microsoft.com/office/drawing/2014/main" id="{30F37324-5FFD-7483-801D-6FA586FF55A4}"/>
+                </a:ext>
+              </a:extLst>
+            </p:cNvPr>
+            <p:cNvGrpSpPr/>
+            <p:nvPr/>
+          </p:nvGrpSpPr>
+          <p:grpSpPr>
+            <a:xfrm>
+              <a:off x="3527888" y="2094647"/>
+              <a:ext cx="2701925" cy="1672589"/>
+              <a:chOff x="3259531" y="2979229"/>
+              <a:chExt cx="2701925" cy="1672589"/>
+            </a:xfrm>
+          </p:grpSpPr>
+          <p:pic>
+            <p:nvPicPr>
+              <p:cNvPr id="4" name="object 6">
+                <a:extLst>
+                  <a:ext uri="{FF2B5EF4-FFF2-40B4-BE49-F238E27FC236}">
+                    <a16:creationId xmlns:a16="http://schemas.microsoft.com/office/drawing/2014/main" id="{AAAEA5C5-0942-70AD-3D33-4EE476330E07}"/>
+                  </a:ext>
+                </a:extLst>
+              </p:cNvPr>
+              <p:cNvPicPr/>
+              <p:nvPr/>
+            </p:nvPicPr>
+            <p:blipFill>
+              <a:blip r:embed="rId3" cstate="print"/>
+              <a:stretch>
+                <a:fillRect/>
+              </a:stretch>
+            </p:blipFill>
+            <p:spPr>
+              <a:xfrm>
+                <a:off x="3575189" y="3022092"/>
+                <a:ext cx="571500" cy="952500"/>
+              </a:xfrm>
+              <a:prstGeom prst="rect">
+                <a:avLst/>
+              </a:prstGeom>
+            </p:spPr>
+          </p:pic>
+          <p:pic>
+            <p:nvPicPr>
+              <p:cNvPr id="5" name="object 7">
+                <a:extLst>
+                  <a:ext uri="{FF2B5EF4-FFF2-40B4-BE49-F238E27FC236}">
+                    <a16:creationId xmlns:a16="http://schemas.microsoft.com/office/drawing/2014/main" id="{B5EB2ADC-82F7-9273-B3DD-33FE972C546D}"/>
+                  </a:ext>
+                </a:extLst>
+              </p:cNvPr>
+              <p:cNvPicPr/>
+              <p:nvPr/>
+            </p:nvPicPr>
+            <p:blipFill>
+              <a:blip r:embed="rId4" cstate="print"/>
+              <a:stretch>
+                <a:fillRect/>
+              </a:stretch>
+            </p:blipFill>
+            <p:spPr>
+              <a:xfrm>
+                <a:off x="4545215" y="3028950"/>
+                <a:ext cx="1095755" cy="1600200"/>
+              </a:xfrm>
+              <a:prstGeom prst="rect">
+                <a:avLst/>
+              </a:prstGeom>
+            </p:spPr>
+          </p:pic>
+          <p:sp>
+            <p:nvSpPr>
+              <p:cNvPr id="6" name="object 8">
+                <a:extLst>
+                  <a:ext uri="{FF2B5EF4-FFF2-40B4-BE49-F238E27FC236}">
+                    <a16:creationId xmlns:a16="http://schemas.microsoft.com/office/drawing/2014/main" id="{2E506484-7F50-C6A8-071E-49F3D899564D}"/>
+                  </a:ext>
+                </a:extLst>
+              </p:cNvPr>
+              <p:cNvSpPr/>
+              <p:nvPr/>
+            </p:nvSpPr>
+            <p:spPr>
+              <a:xfrm>
+                <a:off x="3264293" y="2983992"/>
+                <a:ext cx="2692400" cy="1663064"/>
+              </a:xfrm>
+              <a:custGeom>
+                <a:avLst/>
+                <a:gdLst/>
+                <a:ahLst/>
+                <a:cxnLst/>
+                <a:rect l="l" t="t" r="r" b="b"/>
+                <a:pathLst>
+                  <a:path w="2692400" h="1663064">
+                    <a:moveTo>
+                      <a:pt x="276606" y="0"/>
+                    </a:moveTo>
+                    <a:lnTo>
+                      <a:pt x="226781" y="4469"/>
+                    </a:lnTo>
+                    <a:lnTo>
+                      <a:pt x="179929" y="17355"/>
+                    </a:lnTo>
+                    <a:lnTo>
+                      <a:pt x="136821" y="37874"/>
+                    </a:lnTo>
+                    <a:lnTo>
+                      <a:pt x="98229" y="65241"/>
+                    </a:lnTo>
+                    <a:lnTo>
+                      <a:pt x="64923" y="98673"/>
+                    </a:lnTo>
+                    <a:lnTo>
+                      <a:pt x="37676" y="137385"/>
+                    </a:lnTo>
+                    <a:lnTo>
+                      <a:pt x="17259" y="180595"/>
+                    </a:lnTo>
+                    <a:lnTo>
+                      <a:pt x="4443" y="227517"/>
+                    </a:lnTo>
+                    <a:lnTo>
+                      <a:pt x="0" y="277368"/>
+                    </a:lnTo>
+                    <a:lnTo>
+                      <a:pt x="0" y="1385316"/>
+                    </a:lnTo>
+                    <a:lnTo>
+                      <a:pt x="4443" y="1435166"/>
+                    </a:lnTo>
+                    <a:lnTo>
+                      <a:pt x="17259" y="1482088"/>
+                    </a:lnTo>
+                    <a:lnTo>
+                      <a:pt x="37676" y="1525298"/>
+                    </a:lnTo>
+                    <a:lnTo>
+                      <a:pt x="64923" y="1564010"/>
+                    </a:lnTo>
+                    <a:lnTo>
+                      <a:pt x="98229" y="1597442"/>
+                    </a:lnTo>
+                    <a:lnTo>
+                      <a:pt x="136821" y="1624809"/>
+                    </a:lnTo>
+                    <a:lnTo>
+                      <a:pt x="179929" y="1645328"/>
+                    </a:lnTo>
+                    <a:lnTo>
+                      <a:pt x="226781" y="1658214"/>
+                    </a:lnTo>
+                    <a:lnTo>
+                      <a:pt x="276606" y="1662683"/>
+                    </a:lnTo>
+                    <a:lnTo>
+                      <a:pt x="2414778" y="1662683"/>
+                    </a:lnTo>
+                    <a:lnTo>
+                      <a:pt x="2464628" y="1658214"/>
+                    </a:lnTo>
+                    <a:lnTo>
+                      <a:pt x="2511550" y="1645328"/>
+                    </a:lnTo>
+                    <a:lnTo>
+                      <a:pt x="2554760" y="1624809"/>
+                    </a:lnTo>
+                    <a:lnTo>
+                      <a:pt x="2593472" y="1597442"/>
+                    </a:lnTo>
+                    <a:lnTo>
+                      <a:pt x="2626904" y="1564010"/>
+                    </a:lnTo>
+                    <a:lnTo>
+                      <a:pt x="2654271" y="1525298"/>
+                    </a:lnTo>
+                    <a:lnTo>
+                      <a:pt x="2674790" y="1482088"/>
+                    </a:lnTo>
+                    <a:lnTo>
+                      <a:pt x="2687676" y="1435166"/>
+                    </a:lnTo>
+                    <a:lnTo>
+                      <a:pt x="2692146" y="1385315"/>
+                    </a:lnTo>
+                    <a:lnTo>
+                      <a:pt x="2692146" y="277367"/>
+                    </a:lnTo>
+                    <a:lnTo>
+                      <a:pt x="2687676" y="227517"/>
+                    </a:lnTo>
+                    <a:lnTo>
+                      <a:pt x="2674790" y="180595"/>
+                    </a:lnTo>
+                    <a:lnTo>
+                      <a:pt x="2654271" y="137385"/>
+                    </a:lnTo>
+                    <a:lnTo>
+                      <a:pt x="2626904" y="98673"/>
+                    </a:lnTo>
+                    <a:lnTo>
+                      <a:pt x="2593472" y="65241"/>
+                    </a:lnTo>
+                    <a:lnTo>
+                      <a:pt x="2554760" y="37874"/>
+                    </a:lnTo>
+                    <a:lnTo>
+                      <a:pt x="2511550" y="17355"/>
+                    </a:lnTo>
+                    <a:lnTo>
+                      <a:pt x="2464628" y="4469"/>
+                    </a:lnTo>
+                    <a:lnTo>
+                      <a:pt x="2414778" y="0"/>
+                    </a:lnTo>
+                    <a:lnTo>
+                      <a:pt x="276606" y="0"/>
+                    </a:lnTo>
+                    <a:close/>
+                  </a:path>
+                </a:pathLst>
+              </a:custGeom>
+              <a:ln w="9525">
+                <a:solidFill>
+                  <a:srgbClr val="FF0066"/>
+                </a:solidFill>
+              </a:ln>
+            </p:spPr>
+            <p:txBody>
+              <a:bodyPr wrap="square" lIns="0" tIns="0" rIns="0" bIns="0" rtlCol="0"/>
+              <a:lstStyle/>
+              <a:p>
+                <a:endParaRPr/>
+              </a:p>
+            </p:txBody>
+          </p:sp>
+        </p:grpSp>
+        <p:grpSp>
+          <p:nvGrpSpPr>
+            <p:cNvPr id="7" name="object 9">
+              <a:extLst>
+                <a:ext uri="{FF2B5EF4-FFF2-40B4-BE49-F238E27FC236}">
+                  <a16:creationId xmlns:a16="http://schemas.microsoft.com/office/drawing/2014/main" id="{F5607CA5-9A72-6C9D-12ED-F71153868175}"/>
+                </a:ext>
+              </a:extLst>
+            </p:cNvPr>
+            <p:cNvGrpSpPr/>
+            <p:nvPr/>
+          </p:nvGrpSpPr>
+          <p:grpSpPr>
+            <a:xfrm>
+              <a:off x="3540080" y="4104803"/>
+              <a:ext cx="2716530" cy="1769745"/>
+              <a:chOff x="3271723" y="4989385"/>
+              <a:chExt cx="2716530" cy="1769745"/>
+            </a:xfrm>
+          </p:grpSpPr>
+          <p:pic>
+            <p:nvPicPr>
+              <p:cNvPr id="8" name="object 10">
+                <a:extLst>
+                  <a:ext uri="{FF2B5EF4-FFF2-40B4-BE49-F238E27FC236}">
+                    <a16:creationId xmlns:a16="http://schemas.microsoft.com/office/drawing/2014/main" id="{362C16E4-D015-F1BE-DBB2-058E1633AC88}"/>
+                  </a:ext>
+                </a:extLst>
+              </p:cNvPr>
+              <p:cNvPicPr/>
+              <p:nvPr/>
+            </p:nvPicPr>
+            <p:blipFill>
+              <a:blip r:embed="rId5" cstate="print"/>
+              <a:stretch>
+                <a:fillRect/>
+              </a:stretch>
+            </p:blipFill>
+            <p:spPr>
+              <a:xfrm>
+                <a:off x="3562235" y="5130545"/>
+                <a:ext cx="571500" cy="1257300"/>
+              </a:xfrm>
+              <a:prstGeom prst="rect">
+                <a:avLst/>
+              </a:prstGeom>
+            </p:spPr>
+          </p:pic>
+          <p:pic>
+            <p:nvPicPr>
+              <p:cNvPr id="9" name="object 11">
+                <a:extLst>
+                  <a:ext uri="{FF2B5EF4-FFF2-40B4-BE49-F238E27FC236}">
+                    <a16:creationId xmlns:a16="http://schemas.microsoft.com/office/drawing/2014/main" id="{C12005C1-C567-2AFF-4D84-ABCF47C64DEB}"/>
+                  </a:ext>
+                </a:extLst>
+              </p:cNvPr>
+              <p:cNvPicPr/>
+              <p:nvPr/>
+            </p:nvPicPr>
+            <p:blipFill>
+              <a:blip r:embed="rId6" cstate="print"/>
+              <a:stretch>
+                <a:fillRect/>
+              </a:stretch>
+            </p:blipFill>
+            <p:spPr>
+              <a:xfrm>
+                <a:off x="4608461" y="5103113"/>
+                <a:ext cx="1095755" cy="1286255"/>
+              </a:xfrm>
+              <a:prstGeom prst="rect">
+                <a:avLst/>
+              </a:prstGeom>
+            </p:spPr>
+          </p:pic>
+          <p:sp>
+            <p:nvSpPr>
+              <p:cNvPr id="10" name="object 12">
+                <a:extLst>
+                  <a:ext uri="{FF2B5EF4-FFF2-40B4-BE49-F238E27FC236}">
+                    <a16:creationId xmlns:a16="http://schemas.microsoft.com/office/drawing/2014/main" id="{26E922AC-1A92-E172-0F5C-6231DE806AB6}"/>
+                  </a:ext>
+                </a:extLst>
+              </p:cNvPr>
+              <p:cNvSpPr/>
+              <p:nvPr/>
+            </p:nvSpPr>
+            <p:spPr>
+              <a:xfrm>
+                <a:off x="3276485" y="4994147"/>
+                <a:ext cx="2707005" cy="1760220"/>
+              </a:xfrm>
+              <a:custGeom>
+                <a:avLst/>
+                <a:gdLst/>
+                <a:ahLst/>
+                <a:cxnLst/>
+                <a:rect l="l" t="t" r="r" b="b"/>
+                <a:pathLst>
+                  <a:path w="2707004" h="1760220">
+                    <a:moveTo>
+                      <a:pt x="293370" y="0"/>
+                    </a:moveTo>
+                    <a:lnTo>
+                      <a:pt x="245900" y="3832"/>
+                    </a:lnTo>
+                    <a:lnTo>
+                      <a:pt x="200826" y="14929"/>
+                    </a:lnTo>
+                    <a:lnTo>
+                      <a:pt x="158761" y="32692"/>
+                    </a:lnTo>
+                    <a:lnTo>
+                      <a:pt x="120316" y="56522"/>
+                    </a:lnTo>
+                    <a:lnTo>
+                      <a:pt x="86106" y="85820"/>
+                    </a:lnTo>
+                    <a:lnTo>
+                      <a:pt x="56741" y="119987"/>
+                    </a:lnTo>
+                    <a:lnTo>
+                      <a:pt x="32836" y="158425"/>
+                    </a:lnTo>
+                    <a:lnTo>
+                      <a:pt x="15002" y="200534"/>
+                    </a:lnTo>
+                    <a:lnTo>
+                      <a:pt x="3852" y="245715"/>
+                    </a:lnTo>
+                    <a:lnTo>
+                      <a:pt x="0" y="293370"/>
+                    </a:lnTo>
+                    <a:lnTo>
+                      <a:pt x="0" y="1466850"/>
+                    </a:lnTo>
+                    <a:lnTo>
+                      <a:pt x="3852" y="1514504"/>
+                    </a:lnTo>
+                    <a:lnTo>
+                      <a:pt x="15002" y="1559685"/>
+                    </a:lnTo>
+                    <a:lnTo>
+                      <a:pt x="32836" y="1601794"/>
+                    </a:lnTo>
+                    <a:lnTo>
+                      <a:pt x="56741" y="1640232"/>
+                    </a:lnTo>
+                    <a:lnTo>
+                      <a:pt x="86106" y="1674399"/>
+                    </a:lnTo>
+                    <a:lnTo>
+                      <a:pt x="120316" y="1703697"/>
+                    </a:lnTo>
+                    <a:lnTo>
+                      <a:pt x="158761" y="1727527"/>
+                    </a:lnTo>
+                    <a:lnTo>
+                      <a:pt x="200826" y="1745290"/>
+                    </a:lnTo>
+                    <a:lnTo>
+                      <a:pt x="245900" y="1756387"/>
+                    </a:lnTo>
+                    <a:lnTo>
+                      <a:pt x="293370" y="1760220"/>
+                    </a:lnTo>
+                    <a:lnTo>
+                      <a:pt x="2413254" y="1760220"/>
+                    </a:lnTo>
+                    <a:lnTo>
+                      <a:pt x="2460908" y="1756387"/>
+                    </a:lnTo>
+                    <a:lnTo>
+                      <a:pt x="2506089" y="1745290"/>
+                    </a:lnTo>
+                    <a:lnTo>
+                      <a:pt x="2548198" y="1727527"/>
+                    </a:lnTo>
+                    <a:lnTo>
+                      <a:pt x="2586636" y="1703697"/>
+                    </a:lnTo>
+                    <a:lnTo>
+                      <a:pt x="2620803" y="1674399"/>
+                    </a:lnTo>
+                    <a:lnTo>
+                      <a:pt x="2650101" y="1640232"/>
+                    </a:lnTo>
+                    <a:lnTo>
+                      <a:pt x="2673931" y="1601794"/>
+                    </a:lnTo>
+                    <a:lnTo>
+                      <a:pt x="2691694" y="1559685"/>
+                    </a:lnTo>
+                    <a:lnTo>
+                      <a:pt x="2702791" y="1514504"/>
+                    </a:lnTo>
+                    <a:lnTo>
+                      <a:pt x="2706624" y="1466849"/>
+                    </a:lnTo>
+                    <a:lnTo>
+                      <a:pt x="2706624" y="293369"/>
+                    </a:lnTo>
+                    <a:lnTo>
+                      <a:pt x="2702791" y="245715"/>
+                    </a:lnTo>
+                    <a:lnTo>
+                      <a:pt x="2691694" y="200534"/>
+                    </a:lnTo>
+                    <a:lnTo>
+                      <a:pt x="2673931" y="158425"/>
+                    </a:lnTo>
+                    <a:lnTo>
+                      <a:pt x="2650101" y="119987"/>
+                    </a:lnTo>
+                    <a:lnTo>
+                      <a:pt x="2620803" y="85820"/>
+                    </a:lnTo>
+                    <a:lnTo>
+                      <a:pt x="2586636" y="56522"/>
+                    </a:lnTo>
+                    <a:lnTo>
+                      <a:pt x="2548198" y="32692"/>
+                    </a:lnTo>
+                    <a:lnTo>
+                      <a:pt x="2506089" y="14929"/>
+                    </a:lnTo>
+                    <a:lnTo>
+                      <a:pt x="2460908" y="3832"/>
+                    </a:lnTo>
+                    <a:lnTo>
+                      <a:pt x="2413254" y="0"/>
+                    </a:lnTo>
+                    <a:lnTo>
+                      <a:pt x="293370" y="0"/>
+                    </a:lnTo>
+                    <a:close/>
+                  </a:path>
+                </a:pathLst>
+              </a:custGeom>
+              <a:ln w="9525">
+                <a:solidFill>
+                  <a:srgbClr val="FF0066"/>
+                </a:solidFill>
+              </a:ln>
+            </p:spPr>
+            <p:txBody>
+              <a:bodyPr wrap="square" lIns="0" tIns="0" rIns="0" bIns="0" rtlCol="0"/>
+              <a:lstStyle/>
+              <a:p>
+                <a:endParaRPr/>
+              </a:p>
+            </p:txBody>
+          </p:sp>
+        </p:grpSp>
+        <p:grpSp>
+          <p:nvGrpSpPr>
+            <p:cNvPr id="11" name="object 13">
+              <a:extLst>
+                <a:ext uri="{FF2B5EF4-FFF2-40B4-BE49-F238E27FC236}">
+                  <a16:creationId xmlns:a16="http://schemas.microsoft.com/office/drawing/2014/main" id="{5CE5A51C-730B-F4E0-2774-F90765BF795E}"/>
+                </a:ext>
+              </a:extLst>
+            </p:cNvPr>
+            <p:cNvGrpSpPr/>
+            <p:nvPr/>
+          </p:nvGrpSpPr>
+          <p:grpSpPr>
+            <a:xfrm>
+              <a:off x="6996499" y="1325027"/>
+              <a:ext cx="2397125" cy="2348230"/>
+              <a:chOff x="6728142" y="2209609"/>
+              <a:chExt cx="2397125" cy="2348230"/>
+            </a:xfrm>
+          </p:grpSpPr>
+          <p:pic>
+            <p:nvPicPr>
+              <p:cNvPr id="12" name="object 14">
+                <a:extLst>
+                  <a:ext uri="{FF2B5EF4-FFF2-40B4-BE49-F238E27FC236}">
+                    <a16:creationId xmlns:a16="http://schemas.microsoft.com/office/drawing/2014/main" id="{03BCCF1D-B5B2-2CB4-A97A-4EE3267957B6}"/>
+                  </a:ext>
+                </a:extLst>
+              </p:cNvPr>
+              <p:cNvPicPr/>
+              <p:nvPr/>
+            </p:nvPicPr>
+            <p:blipFill>
+              <a:blip r:embed="rId7" cstate="print"/>
+              <a:stretch>
+                <a:fillRect/>
+              </a:stretch>
+            </p:blipFill>
+            <p:spPr>
+              <a:xfrm>
+                <a:off x="6953123" y="2514600"/>
+                <a:ext cx="571500" cy="1866900"/>
+              </a:xfrm>
+              <a:prstGeom prst="rect">
+                <a:avLst/>
+              </a:prstGeom>
+            </p:spPr>
+          </p:pic>
+          <p:pic>
+            <p:nvPicPr>
+              <p:cNvPr id="13" name="object 15">
+                <a:extLst>
+                  <a:ext uri="{FF2B5EF4-FFF2-40B4-BE49-F238E27FC236}">
+                    <a16:creationId xmlns:a16="http://schemas.microsoft.com/office/drawing/2014/main" id="{FECE1F4C-8B19-A54A-9549-67FB7CFC489A}"/>
+                  </a:ext>
+                </a:extLst>
+              </p:cNvPr>
+              <p:cNvPicPr/>
+              <p:nvPr/>
+            </p:nvPicPr>
+            <p:blipFill>
+              <a:blip r:embed="rId8" cstate="print"/>
+              <a:stretch>
+                <a:fillRect/>
+              </a:stretch>
+            </p:blipFill>
+            <p:spPr>
+              <a:xfrm>
+                <a:off x="7910207" y="2538222"/>
+                <a:ext cx="1095755" cy="981455"/>
+              </a:xfrm>
+              <a:prstGeom prst="rect">
+                <a:avLst/>
+              </a:prstGeom>
+            </p:spPr>
+          </p:pic>
+          <p:sp>
+            <p:nvSpPr>
+              <p:cNvPr id="14" name="object 16">
+                <a:extLst>
+                  <a:ext uri="{FF2B5EF4-FFF2-40B4-BE49-F238E27FC236}">
+                    <a16:creationId xmlns:a16="http://schemas.microsoft.com/office/drawing/2014/main" id="{409B30E9-6AC1-E28B-18F9-4308639ECF68}"/>
+                  </a:ext>
+                </a:extLst>
+              </p:cNvPr>
+              <p:cNvSpPr/>
+              <p:nvPr/>
+            </p:nvSpPr>
+            <p:spPr>
+              <a:xfrm>
+                <a:off x="6732905" y="2214372"/>
+                <a:ext cx="2387600" cy="2338705"/>
+              </a:xfrm>
+              <a:custGeom>
+                <a:avLst/>
+                <a:gdLst/>
+                <a:ahLst/>
+                <a:cxnLst/>
+                <a:rect l="l" t="t" r="r" b="b"/>
+                <a:pathLst>
+                  <a:path w="2387600" h="2338704">
+                    <a:moveTo>
+                      <a:pt x="389381" y="0"/>
+                    </a:moveTo>
+                    <a:lnTo>
+                      <a:pt x="340571" y="3036"/>
+                    </a:lnTo>
+                    <a:lnTo>
+                      <a:pt x="293560" y="11902"/>
+                    </a:lnTo>
+                    <a:lnTo>
+                      <a:pt x="248716" y="26230"/>
+                    </a:lnTo>
+                    <a:lnTo>
+                      <a:pt x="206404" y="45654"/>
+                    </a:lnTo>
+                    <a:lnTo>
+                      <a:pt x="166992" y="69809"/>
+                    </a:lnTo>
+                    <a:lnTo>
+                      <a:pt x="130844" y="98328"/>
+                    </a:lnTo>
+                    <a:lnTo>
+                      <a:pt x="98328" y="130844"/>
+                    </a:lnTo>
+                    <a:lnTo>
+                      <a:pt x="69809" y="166992"/>
+                    </a:lnTo>
+                    <a:lnTo>
+                      <a:pt x="45654" y="206404"/>
+                    </a:lnTo>
+                    <a:lnTo>
+                      <a:pt x="26230" y="248716"/>
+                    </a:lnTo>
+                    <a:lnTo>
+                      <a:pt x="11902" y="293560"/>
+                    </a:lnTo>
+                    <a:lnTo>
+                      <a:pt x="3036" y="340571"/>
+                    </a:lnTo>
+                    <a:lnTo>
+                      <a:pt x="0" y="389382"/>
+                    </a:lnTo>
+                    <a:lnTo>
+                      <a:pt x="0" y="1948433"/>
+                    </a:lnTo>
+                    <a:lnTo>
+                      <a:pt x="3036" y="1997407"/>
+                    </a:lnTo>
+                    <a:lnTo>
+                      <a:pt x="11902" y="2044555"/>
+                    </a:lnTo>
+                    <a:lnTo>
+                      <a:pt x="26230" y="2089514"/>
+                    </a:lnTo>
+                    <a:lnTo>
+                      <a:pt x="45654" y="2131920"/>
+                    </a:lnTo>
+                    <a:lnTo>
+                      <a:pt x="69809" y="2171408"/>
+                    </a:lnTo>
+                    <a:lnTo>
+                      <a:pt x="98328" y="2207614"/>
+                    </a:lnTo>
+                    <a:lnTo>
+                      <a:pt x="130844" y="2240174"/>
+                    </a:lnTo>
+                    <a:lnTo>
+                      <a:pt x="166992" y="2268725"/>
+                    </a:lnTo>
+                    <a:lnTo>
+                      <a:pt x="206404" y="2292901"/>
+                    </a:lnTo>
+                    <a:lnTo>
+                      <a:pt x="248716" y="2312338"/>
+                    </a:lnTo>
+                    <a:lnTo>
+                      <a:pt x="293560" y="2326673"/>
+                    </a:lnTo>
+                    <a:lnTo>
+                      <a:pt x="340571" y="2335541"/>
+                    </a:lnTo>
+                    <a:lnTo>
+                      <a:pt x="389381" y="2338578"/>
+                    </a:lnTo>
+                    <a:lnTo>
+                      <a:pt x="1997964" y="2338578"/>
+                    </a:lnTo>
+                    <a:lnTo>
+                      <a:pt x="2046774" y="2335541"/>
+                    </a:lnTo>
+                    <a:lnTo>
+                      <a:pt x="2093785" y="2326673"/>
+                    </a:lnTo>
+                    <a:lnTo>
+                      <a:pt x="2138629" y="2312338"/>
+                    </a:lnTo>
+                    <a:lnTo>
+                      <a:pt x="2180941" y="2292901"/>
+                    </a:lnTo>
+                    <a:lnTo>
+                      <a:pt x="2220353" y="2268725"/>
+                    </a:lnTo>
+                    <a:lnTo>
+                      <a:pt x="2256501" y="2240174"/>
+                    </a:lnTo>
+                    <a:lnTo>
+                      <a:pt x="2289017" y="2207614"/>
+                    </a:lnTo>
+                    <a:lnTo>
+                      <a:pt x="2317536" y="2171408"/>
+                    </a:lnTo>
+                    <a:lnTo>
+                      <a:pt x="2341691" y="2131920"/>
+                    </a:lnTo>
+                    <a:lnTo>
+                      <a:pt x="2361115" y="2089514"/>
+                    </a:lnTo>
+                    <a:lnTo>
+                      <a:pt x="2375443" y="2044555"/>
+                    </a:lnTo>
+                    <a:lnTo>
+                      <a:pt x="2384309" y="1997407"/>
+                    </a:lnTo>
+                    <a:lnTo>
+                      <a:pt x="2387345" y="1948433"/>
+                    </a:lnTo>
+                    <a:lnTo>
+                      <a:pt x="2387345" y="389381"/>
+                    </a:lnTo>
+                    <a:lnTo>
+                      <a:pt x="2384309" y="340571"/>
+                    </a:lnTo>
+                    <a:lnTo>
+                      <a:pt x="2375443" y="293560"/>
+                    </a:lnTo>
+                    <a:lnTo>
+                      <a:pt x="2361115" y="248716"/>
+                    </a:lnTo>
+                    <a:lnTo>
+                      <a:pt x="2341691" y="206404"/>
+                    </a:lnTo>
+                    <a:lnTo>
+                      <a:pt x="2317536" y="166992"/>
+                    </a:lnTo>
+                    <a:lnTo>
+                      <a:pt x="2289017" y="130844"/>
+                    </a:lnTo>
+                    <a:lnTo>
+                      <a:pt x="2256501" y="98328"/>
+                    </a:lnTo>
+                    <a:lnTo>
+                      <a:pt x="2220353" y="69809"/>
+                    </a:lnTo>
+                    <a:lnTo>
+                      <a:pt x="2180941" y="45654"/>
+                    </a:lnTo>
+                    <a:lnTo>
+                      <a:pt x="2138629" y="26230"/>
+                    </a:lnTo>
+                    <a:lnTo>
+                      <a:pt x="2093785" y="11902"/>
+                    </a:lnTo>
+                    <a:lnTo>
+                      <a:pt x="2046774" y="3036"/>
+                    </a:lnTo>
+                    <a:lnTo>
+                      <a:pt x="1997963" y="0"/>
+                    </a:lnTo>
+                    <a:lnTo>
+                      <a:pt x="389381" y="0"/>
+                    </a:lnTo>
+                    <a:close/>
+                  </a:path>
+                </a:pathLst>
+              </a:custGeom>
+              <a:ln w="9525">
+                <a:solidFill>
+                  <a:srgbClr val="FF0066"/>
+                </a:solidFill>
+              </a:ln>
+            </p:spPr>
+            <p:txBody>
+              <a:bodyPr wrap="square" lIns="0" tIns="0" rIns="0" bIns="0" rtlCol="0"/>
+              <a:lstStyle/>
+              <a:p>
+                <a:endParaRPr/>
+              </a:p>
+            </p:txBody>
+          </p:sp>
+        </p:grpSp>
+        <p:grpSp>
+          <p:nvGrpSpPr>
+            <p:cNvPr id="15" name="object 17">
+              <a:extLst>
+                <a:ext uri="{FF2B5EF4-FFF2-40B4-BE49-F238E27FC236}">
+                  <a16:creationId xmlns:a16="http://schemas.microsoft.com/office/drawing/2014/main" id="{F2EBD4F0-BF9D-6AD7-DBFF-D55F44293FE6}"/>
+                </a:ext>
+              </a:extLst>
+            </p:cNvPr>
+            <p:cNvGrpSpPr/>
+            <p:nvPr/>
+          </p:nvGrpSpPr>
+          <p:grpSpPr>
+            <a:xfrm>
+              <a:off x="6951541" y="4001171"/>
+              <a:ext cx="2473960" cy="1876425"/>
+              <a:chOff x="6683184" y="4885753"/>
+              <a:chExt cx="2473960" cy="1876425"/>
+            </a:xfrm>
+          </p:grpSpPr>
+          <p:pic>
+            <p:nvPicPr>
+              <p:cNvPr id="16" name="object 18">
+                <a:extLst>
+                  <a:ext uri="{FF2B5EF4-FFF2-40B4-BE49-F238E27FC236}">
+                    <a16:creationId xmlns:a16="http://schemas.microsoft.com/office/drawing/2014/main" id="{5D4BDE44-A643-F052-426F-383406C8B540}"/>
+                  </a:ext>
+                </a:extLst>
+              </p:cNvPr>
+              <p:cNvPicPr/>
+              <p:nvPr/>
+            </p:nvPicPr>
+            <p:blipFill>
+              <a:blip r:embed="rId9" cstate="print"/>
+              <a:stretch>
+                <a:fillRect/>
+              </a:stretch>
+            </p:blipFill>
+            <p:spPr>
+              <a:xfrm>
+                <a:off x="6917321" y="5117591"/>
+                <a:ext cx="1075944" cy="952500"/>
+              </a:xfrm>
+              <a:prstGeom prst="rect">
+                <a:avLst/>
+              </a:prstGeom>
+            </p:spPr>
+          </p:pic>
+          <p:pic>
+            <p:nvPicPr>
+              <p:cNvPr id="17" name="object 19">
+                <a:extLst>
+                  <a:ext uri="{FF2B5EF4-FFF2-40B4-BE49-F238E27FC236}">
+                    <a16:creationId xmlns:a16="http://schemas.microsoft.com/office/drawing/2014/main" id="{FDBADEDD-D93C-BA61-A1A2-4BF331F2C5C4}"/>
+                  </a:ext>
+                </a:extLst>
+              </p:cNvPr>
+              <p:cNvPicPr/>
+              <p:nvPr/>
+            </p:nvPicPr>
+            <p:blipFill>
+              <a:blip r:embed="rId10" cstate="print"/>
+              <a:stretch>
+                <a:fillRect/>
+              </a:stretch>
+            </p:blipFill>
+            <p:spPr>
+              <a:xfrm>
+                <a:off x="8255393" y="5090921"/>
+                <a:ext cx="762000" cy="1286255"/>
+              </a:xfrm>
+              <a:prstGeom prst="rect">
+                <a:avLst/>
+              </a:prstGeom>
+            </p:spPr>
+          </p:pic>
+          <p:sp>
+            <p:nvSpPr>
+              <p:cNvPr id="18" name="object 20">
+                <a:extLst>
+                  <a:ext uri="{FF2B5EF4-FFF2-40B4-BE49-F238E27FC236}">
+                    <a16:creationId xmlns:a16="http://schemas.microsoft.com/office/drawing/2014/main" id="{FFF25072-14C2-40C0-AE02-6F488C69F3B9}"/>
+                  </a:ext>
+                </a:extLst>
+              </p:cNvPr>
+              <p:cNvSpPr/>
+              <p:nvPr/>
+            </p:nvSpPr>
+            <p:spPr>
+              <a:xfrm>
+                <a:off x="6687946" y="4890515"/>
+                <a:ext cx="2464435" cy="1866900"/>
+              </a:xfrm>
+              <a:custGeom>
+                <a:avLst/>
+                <a:gdLst/>
+                <a:ahLst/>
+                <a:cxnLst/>
+                <a:rect l="l" t="t" r="r" b="b"/>
+                <a:pathLst>
+                  <a:path w="2464434" h="1866900">
+                    <a:moveTo>
+                      <a:pt x="311657" y="0"/>
+                    </a:moveTo>
+                    <a:lnTo>
+                      <a:pt x="265583" y="3377"/>
+                    </a:lnTo>
+                    <a:lnTo>
+                      <a:pt x="221614" y="13188"/>
+                    </a:lnTo>
+                    <a:lnTo>
+                      <a:pt x="180232" y="28951"/>
+                    </a:lnTo>
+                    <a:lnTo>
+                      <a:pt x="141918" y="50187"/>
+                    </a:lnTo>
+                    <a:lnTo>
+                      <a:pt x="107151" y="76414"/>
+                    </a:lnTo>
+                    <a:lnTo>
+                      <a:pt x="76414" y="107151"/>
+                    </a:lnTo>
+                    <a:lnTo>
+                      <a:pt x="50187" y="141918"/>
+                    </a:lnTo>
+                    <a:lnTo>
+                      <a:pt x="28951" y="180232"/>
+                    </a:lnTo>
+                    <a:lnTo>
+                      <a:pt x="13188" y="221614"/>
+                    </a:lnTo>
+                    <a:lnTo>
+                      <a:pt x="3377" y="265583"/>
+                    </a:lnTo>
+                    <a:lnTo>
+                      <a:pt x="0" y="311657"/>
+                    </a:lnTo>
+                    <a:lnTo>
+                      <a:pt x="0" y="1556003"/>
+                    </a:lnTo>
+                    <a:lnTo>
+                      <a:pt x="3377" y="1602060"/>
+                    </a:lnTo>
+                    <a:lnTo>
+                      <a:pt x="13188" y="1645980"/>
+                    </a:lnTo>
+                    <a:lnTo>
+                      <a:pt x="28951" y="1687290"/>
+                    </a:lnTo>
+                    <a:lnTo>
+                      <a:pt x="50187" y="1725514"/>
+                    </a:lnTo>
+                    <a:lnTo>
+                      <a:pt x="76414" y="1760181"/>
+                    </a:lnTo>
+                    <a:lnTo>
+                      <a:pt x="107151" y="1790814"/>
+                    </a:lnTo>
+                    <a:lnTo>
+                      <a:pt x="141918" y="1816941"/>
+                    </a:lnTo>
+                    <a:lnTo>
+                      <a:pt x="180232" y="1838087"/>
+                    </a:lnTo>
+                    <a:lnTo>
+                      <a:pt x="221614" y="1853778"/>
+                    </a:lnTo>
+                    <a:lnTo>
+                      <a:pt x="265583" y="1863540"/>
+                    </a:lnTo>
+                    <a:lnTo>
+                      <a:pt x="311657" y="1866899"/>
+                    </a:lnTo>
+                    <a:lnTo>
+                      <a:pt x="2152649" y="1866899"/>
+                    </a:lnTo>
+                    <a:lnTo>
+                      <a:pt x="2198724" y="1863540"/>
+                    </a:lnTo>
+                    <a:lnTo>
+                      <a:pt x="2242693" y="1853778"/>
+                    </a:lnTo>
+                    <a:lnTo>
+                      <a:pt x="2284075" y="1838087"/>
+                    </a:lnTo>
+                    <a:lnTo>
+                      <a:pt x="2322389" y="1816941"/>
+                    </a:lnTo>
+                    <a:lnTo>
+                      <a:pt x="2357156" y="1790814"/>
+                    </a:lnTo>
+                    <a:lnTo>
+                      <a:pt x="2387893" y="1760181"/>
+                    </a:lnTo>
+                    <a:lnTo>
+                      <a:pt x="2414120" y="1725514"/>
+                    </a:lnTo>
+                    <a:lnTo>
+                      <a:pt x="2435356" y="1687290"/>
+                    </a:lnTo>
+                    <a:lnTo>
+                      <a:pt x="2451119" y="1645980"/>
+                    </a:lnTo>
+                    <a:lnTo>
+                      <a:pt x="2460930" y="1602060"/>
+                    </a:lnTo>
+                    <a:lnTo>
+                      <a:pt x="2464307" y="1556003"/>
+                    </a:lnTo>
+                    <a:lnTo>
+                      <a:pt x="2464307" y="311657"/>
+                    </a:lnTo>
+                    <a:lnTo>
+                      <a:pt x="2460930" y="265583"/>
+                    </a:lnTo>
+                    <a:lnTo>
+                      <a:pt x="2451119" y="221614"/>
+                    </a:lnTo>
+                    <a:lnTo>
+                      <a:pt x="2435356" y="180232"/>
+                    </a:lnTo>
+                    <a:lnTo>
+                      <a:pt x="2414120" y="141918"/>
+                    </a:lnTo>
+                    <a:lnTo>
+                      <a:pt x="2387893" y="107151"/>
+                    </a:lnTo>
+                    <a:lnTo>
+                      <a:pt x="2357156" y="76414"/>
+                    </a:lnTo>
+                    <a:lnTo>
+                      <a:pt x="2322389" y="50187"/>
+                    </a:lnTo>
+                    <a:lnTo>
+                      <a:pt x="2284075" y="28951"/>
+                    </a:lnTo>
+                    <a:lnTo>
+                      <a:pt x="2242693" y="13188"/>
+                    </a:lnTo>
+                    <a:lnTo>
+                      <a:pt x="2198724" y="3377"/>
+                    </a:lnTo>
+                    <a:lnTo>
+                      <a:pt x="2152649" y="0"/>
+                    </a:lnTo>
+                    <a:lnTo>
+                      <a:pt x="311657" y="0"/>
+                    </a:lnTo>
+                    <a:close/>
+                  </a:path>
+                </a:pathLst>
+              </a:custGeom>
+              <a:ln w="9525">
+                <a:solidFill>
+                  <a:srgbClr val="FF0066"/>
+                </a:solidFill>
+              </a:ln>
+            </p:spPr>
+            <p:txBody>
+              <a:bodyPr wrap="square" lIns="0" tIns="0" rIns="0" bIns="0" rtlCol="0"/>
+              <a:lstStyle/>
+              <a:p>
+                <a:endParaRPr/>
+              </a:p>
+            </p:txBody>
+          </p:sp>
+        </p:grpSp>
+        <p:sp>
+          <p:nvSpPr>
+            <p:cNvPr id="19" name="object 21">
+              <a:extLst>
+                <a:ext uri="{FF2B5EF4-FFF2-40B4-BE49-F238E27FC236}">
+                  <a16:creationId xmlns:a16="http://schemas.microsoft.com/office/drawing/2014/main" id="{6BD4B629-0304-2A5D-9089-E2412E85D5B7}"/>
+                </a:ext>
+              </a:extLst>
+            </p:cNvPr>
+            <p:cNvSpPr txBox="1"/>
+            <p:nvPr/>
+          </p:nvSpPr>
+          <p:spPr>
+            <a:xfrm>
+              <a:off x="3740162" y="3379823"/>
+              <a:ext cx="322580" cy="330200"/>
+            </a:xfrm>
+            <a:prstGeom prst="rect">
+              <a:avLst/>
+            </a:prstGeom>
+          </p:spPr>
+          <p:txBody>
+            <a:bodyPr vert="horz" wrap="square" lIns="0" tIns="12065" rIns="0" bIns="0" rtlCol="0">
+              <a:spAutoFit/>
+            </a:bodyPr>
+            <a:lstStyle/>
+            <a:p>
+              <a:pPr marL="12700">
+                <a:lnSpc>
+                  <a:spcPct val="100000"/>
+                </a:lnSpc>
+                <a:spcBef>
+                  <a:spcPts val="95"/>
+                </a:spcBef>
+              </a:pPr>
+              <a:r>
+                <a:rPr sz="2000" spc="-25" dirty="0">
+                  <a:latin typeface="Times New Roman"/>
+                  <a:cs typeface="Times New Roman"/>
+                </a:rPr>
+                <a:t>(1)</a:t>
+              </a:r>
+              <a:endParaRPr sz="2000">
+                <a:latin typeface="Times New Roman"/>
+                <a:cs typeface="Times New Roman"/>
+              </a:endParaRPr>
+            </a:p>
+          </p:txBody>
+        </p:sp>
+        <p:sp>
+          <p:nvSpPr>
+            <p:cNvPr id="20" name="object 22">
+              <a:extLst>
+                <a:ext uri="{FF2B5EF4-FFF2-40B4-BE49-F238E27FC236}">
+                  <a16:creationId xmlns:a16="http://schemas.microsoft.com/office/drawing/2014/main" id="{758F0ECB-9258-D503-EE5C-F50C96FDECCB}"/>
+                </a:ext>
+              </a:extLst>
+            </p:cNvPr>
+            <p:cNvSpPr txBox="1"/>
+            <p:nvPr/>
+          </p:nvSpPr>
+          <p:spPr>
+            <a:xfrm>
+              <a:off x="3740162" y="5513422"/>
+              <a:ext cx="322580" cy="330200"/>
+            </a:xfrm>
+            <a:prstGeom prst="rect">
+              <a:avLst/>
+            </a:prstGeom>
+          </p:spPr>
+          <p:txBody>
+            <a:bodyPr vert="horz" wrap="square" lIns="0" tIns="12065" rIns="0" bIns="0" rtlCol="0">
+              <a:spAutoFit/>
+            </a:bodyPr>
+            <a:lstStyle/>
+            <a:p>
+              <a:pPr marL="12700">
+                <a:lnSpc>
+                  <a:spcPct val="100000"/>
+                </a:lnSpc>
+                <a:spcBef>
+                  <a:spcPts val="95"/>
+                </a:spcBef>
+              </a:pPr>
+              <a:r>
+                <a:rPr sz="2000" spc="-25" dirty="0">
+                  <a:latin typeface="Times New Roman"/>
+                  <a:cs typeface="Times New Roman"/>
+                </a:rPr>
+                <a:t>(2)</a:t>
+              </a:r>
+              <a:endParaRPr sz="2000">
+                <a:latin typeface="Times New Roman"/>
+                <a:cs typeface="Times New Roman"/>
+              </a:endParaRPr>
+            </a:p>
+          </p:txBody>
+        </p:sp>
+        <p:sp>
+          <p:nvSpPr>
+            <p:cNvPr id="21" name="object 23">
+              <a:extLst>
+                <a:ext uri="{FF2B5EF4-FFF2-40B4-BE49-F238E27FC236}">
+                  <a16:creationId xmlns:a16="http://schemas.microsoft.com/office/drawing/2014/main" id="{CBB10F8F-56FD-1D37-8503-75389CB31FEC}"/>
+                </a:ext>
+              </a:extLst>
+            </p:cNvPr>
+            <p:cNvSpPr txBox="1"/>
+            <p:nvPr/>
+          </p:nvSpPr>
+          <p:spPr>
+            <a:xfrm>
+              <a:off x="8847086" y="3209897"/>
+              <a:ext cx="322580" cy="330200"/>
+            </a:xfrm>
+            <a:prstGeom prst="rect">
+              <a:avLst/>
+            </a:prstGeom>
+          </p:spPr>
+          <p:txBody>
+            <a:bodyPr vert="horz" wrap="square" lIns="0" tIns="12065" rIns="0" bIns="0" rtlCol="0">
+              <a:spAutoFit/>
+            </a:bodyPr>
+            <a:lstStyle/>
+            <a:p>
+              <a:pPr marL="12700">
+                <a:lnSpc>
+                  <a:spcPct val="100000"/>
+                </a:lnSpc>
+                <a:spcBef>
+                  <a:spcPts val="95"/>
+                </a:spcBef>
+              </a:pPr>
+              <a:r>
+                <a:rPr sz="2000" spc="-25" dirty="0">
+                  <a:latin typeface="Times New Roman"/>
+                  <a:cs typeface="Times New Roman"/>
+                </a:rPr>
+                <a:t>(3)</a:t>
+              </a:r>
+              <a:endParaRPr sz="2000">
+                <a:latin typeface="Times New Roman"/>
+                <a:cs typeface="Times New Roman"/>
+              </a:endParaRPr>
+            </a:p>
+          </p:txBody>
+        </p:sp>
+        <p:sp>
+          <p:nvSpPr>
+            <p:cNvPr id="22" name="object 24">
+              <a:extLst>
+                <a:ext uri="{FF2B5EF4-FFF2-40B4-BE49-F238E27FC236}">
+                  <a16:creationId xmlns:a16="http://schemas.microsoft.com/office/drawing/2014/main" id="{D49EA620-4B54-BFEB-8FB5-8345FDCB6BE4}"/>
+                </a:ext>
+              </a:extLst>
+            </p:cNvPr>
+            <p:cNvSpPr txBox="1"/>
+            <p:nvPr/>
+          </p:nvSpPr>
+          <p:spPr>
+            <a:xfrm>
+              <a:off x="8798316" y="5503507"/>
+              <a:ext cx="322580" cy="330200"/>
+            </a:xfrm>
+            <a:prstGeom prst="rect">
+              <a:avLst/>
+            </a:prstGeom>
+          </p:spPr>
+          <p:txBody>
+            <a:bodyPr vert="horz" wrap="square" lIns="0" tIns="12065" rIns="0" bIns="0" rtlCol="0">
+              <a:spAutoFit/>
+            </a:bodyPr>
+            <a:lstStyle/>
+            <a:p>
+              <a:pPr marL="12700">
+                <a:lnSpc>
+                  <a:spcPct val="100000"/>
+                </a:lnSpc>
+                <a:spcBef>
+                  <a:spcPts val="95"/>
+                </a:spcBef>
+              </a:pPr>
+              <a:r>
+                <a:rPr sz="2000" spc="-25" dirty="0">
+                  <a:latin typeface="Times New Roman"/>
+                  <a:cs typeface="Times New Roman"/>
+                </a:rPr>
+                <a:t>(4)</a:t>
+              </a:r>
+              <a:endParaRPr sz="2000">
+                <a:latin typeface="Times New Roman"/>
+                <a:cs typeface="Times New Roman"/>
+              </a:endParaRPr>
+            </a:p>
+          </p:txBody>
+        </p:sp>
+        <p:sp>
+          <p:nvSpPr>
+            <p:cNvPr id="23" name="文本框 22">
+              <a:extLst>
+                <a:ext uri="{FF2B5EF4-FFF2-40B4-BE49-F238E27FC236}">
+                  <a16:creationId xmlns:a16="http://schemas.microsoft.com/office/drawing/2014/main" id="{29E1DCD5-2DCE-3263-8B91-52D2562FDEAD}"/>
+                </a:ext>
+              </a:extLst>
+            </p:cNvPr>
+            <p:cNvSpPr txBox="1"/>
+            <p:nvPr/>
+          </p:nvSpPr>
+          <p:spPr>
+            <a:xfrm>
+              <a:off x="2803138" y="1353214"/>
+              <a:ext cx="2356735" cy="461665"/>
+            </a:xfrm>
+            <a:prstGeom prst="rect">
+              <a:avLst/>
+            </a:prstGeom>
+            <a:noFill/>
+          </p:spPr>
+          <p:txBody>
+            <a:bodyPr wrap="none" rtlCol="0">
+              <a:spAutoFit/>
+            </a:bodyPr>
+            <a:lstStyle/>
+            <a:p>
+              <a:r>
+                <a:rPr lang="zh-CN" altLang="en-US" sz="2400" b="1" dirty="0">
+                  <a:latin typeface="Microsoft YaHei" panose="020B0503020204020204" pitchFamily="34" charset="-122"/>
+                  <a:ea typeface="Microsoft YaHei" panose="020B0503020204020204" pitchFamily="34" charset="-122"/>
+                </a:rPr>
+                <a:t>除（</a:t>
+              </a:r>
+              <a:r>
+                <a:rPr lang="en-US" altLang="zh-CN" sz="2400" b="1" dirty="0">
+                  <a:latin typeface="Microsoft YaHei" panose="020B0503020204020204" pitchFamily="34" charset="-122"/>
+                  <a:ea typeface="Microsoft YaHei" panose="020B0503020204020204" pitchFamily="34" charset="-122"/>
+                </a:rPr>
+                <a:t>Division</a:t>
+              </a:r>
+              <a:r>
+                <a:rPr lang="zh-CN" altLang="en-US" sz="2400" b="1" dirty="0">
+                  <a:latin typeface="Microsoft YaHei" panose="020B0503020204020204" pitchFamily="34" charset="-122"/>
+                  <a:ea typeface="Microsoft YaHei" panose="020B0503020204020204" pitchFamily="34" charset="-122"/>
+                </a:rPr>
+                <a:t>）</a:t>
+              </a:r>
+              <a:endParaRPr lang="el-GR" altLang="zh-CN" sz="2400" b="1" dirty="0">
+                <a:effectLst/>
+                <a:latin typeface="Microsoft YaHei" panose="020B0503020204020204" pitchFamily="34" charset="-122"/>
+                <a:ea typeface="Microsoft YaHei" panose="020B0503020204020204" pitchFamily="34" charset="-122"/>
+              </a:endParaRPr>
+            </a:p>
+          </p:txBody>
+        </p:sp>
+      </p:grpSp>
     </p:spTree>
     <p:extLst>
       <p:ext uri="{BB962C8B-B14F-4D97-AF65-F5344CB8AC3E}">
